--- a/Báo cáo cuối kỳ/1. Abstract Fatory/Slide.pptx
+++ b/Báo cáo cuối kỳ/1. Abstract Fatory/Slide.pptx
@@ -2,20 +2,22 @@
 <file path=ppt/presentation.xml><?xml version="1.0" encoding="utf-8"?>
 <p:presentation xmlns:a="http://schemas.openxmlformats.org/drawingml/2006/main" xmlns:r="http://schemas.openxmlformats.org/officeDocument/2006/relationships" xmlns:p="http://schemas.openxmlformats.org/presentationml/2006/main" saveSubsetFonts="1">
   <p:sldMasterIdLst>
-    <p:sldMasterId id="2147483648" r:id="rId1"/>
+    <p:sldMasterId id="2147483660" r:id="rId1"/>
   </p:sldMasterIdLst>
   <p:sldIdLst>
     <p:sldId id="256" r:id="rId2"/>
     <p:sldId id="258" r:id="rId3"/>
     <p:sldId id="257" r:id="rId4"/>
-    <p:sldId id="259" r:id="rId5"/>
-    <p:sldId id="260" r:id="rId6"/>
-    <p:sldId id="261" r:id="rId7"/>
-    <p:sldId id="262" r:id="rId8"/>
-    <p:sldId id="263" r:id="rId9"/>
-    <p:sldId id="264" r:id="rId10"/>
-    <p:sldId id="265" r:id="rId11"/>
-    <p:sldId id="266" r:id="rId12"/>
+    <p:sldId id="267" r:id="rId5"/>
+    <p:sldId id="259" r:id="rId6"/>
+    <p:sldId id="268" r:id="rId7"/>
+    <p:sldId id="260" r:id="rId8"/>
+    <p:sldId id="262" r:id="rId9"/>
+    <p:sldId id="263" r:id="rId10"/>
+    <p:sldId id="264" r:id="rId11"/>
+    <p:sldId id="269" r:id="rId12"/>
+    <p:sldId id="266" r:id="rId13"/>
+    <p:sldId id="265" r:id="rId14"/>
   </p:sldIdLst>
   <p:sldSz cx="12192000" cy="6858000"/>
   <p:notesSz cx="6858000" cy="9144000"/>
@@ -23,7 +25,7 @@
     <a:defPPr>
       <a:defRPr lang="en-US"/>
     </a:defPPr>
-    <a:lvl1pPr marL="0" algn="l" defTabSz="914400" rtl="0" eaLnBrk="1" latinLnBrk="0" hangingPunct="1">
+    <a:lvl1pPr marL="0" algn="l" defTabSz="457200" rtl="0" eaLnBrk="1" latinLnBrk="0" hangingPunct="1">
       <a:defRPr sz="1800" kern="1200">
         <a:solidFill>
           <a:schemeClr val="tx1"/>
@@ -33,7 +35,7 @@
         <a:cs typeface="+mn-cs"/>
       </a:defRPr>
     </a:lvl1pPr>
-    <a:lvl2pPr marL="457200" algn="l" defTabSz="914400" rtl="0" eaLnBrk="1" latinLnBrk="0" hangingPunct="1">
+    <a:lvl2pPr marL="457200" algn="l" defTabSz="457200" rtl="0" eaLnBrk="1" latinLnBrk="0" hangingPunct="1">
       <a:defRPr sz="1800" kern="1200">
         <a:solidFill>
           <a:schemeClr val="tx1"/>
@@ -43,7 +45,7 @@
         <a:cs typeface="+mn-cs"/>
       </a:defRPr>
     </a:lvl2pPr>
-    <a:lvl3pPr marL="914400" algn="l" defTabSz="914400" rtl="0" eaLnBrk="1" latinLnBrk="0" hangingPunct="1">
+    <a:lvl3pPr marL="914400" algn="l" defTabSz="457200" rtl="0" eaLnBrk="1" latinLnBrk="0" hangingPunct="1">
       <a:defRPr sz="1800" kern="1200">
         <a:solidFill>
           <a:schemeClr val="tx1"/>
@@ -53,7 +55,7 @@
         <a:cs typeface="+mn-cs"/>
       </a:defRPr>
     </a:lvl3pPr>
-    <a:lvl4pPr marL="1371600" algn="l" defTabSz="914400" rtl="0" eaLnBrk="1" latinLnBrk="0" hangingPunct="1">
+    <a:lvl4pPr marL="1371600" algn="l" defTabSz="457200" rtl="0" eaLnBrk="1" latinLnBrk="0" hangingPunct="1">
       <a:defRPr sz="1800" kern="1200">
         <a:solidFill>
           <a:schemeClr val="tx1"/>
@@ -63,7 +65,7 @@
         <a:cs typeface="+mn-cs"/>
       </a:defRPr>
     </a:lvl4pPr>
-    <a:lvl5pPr marL="1828800" algn="l" defTabSz="914400" rtl="0" eaLnBrk="1" latinLnBrk="0" hangingPunct="1">
+    <a:lvl5pPr marL="1828800" algn="l" defTabSz="457200" rtl="0" eaLnBrk="1" latinLnBrk="0" hangingPunct="1">
       <a:defRPr sz="1800" kern="1200">
         <a:solidFill>
           <a:schemeClr val="tx1"/>
@@ -73,7 +75,7 @@
         <a:cs typeface="+mn-cs"/>
       </a:defRPr>
     </a:lvl5pPr>
-    <a:lvl6pPr marL="2286000" algn="l" defTabSz="914400" rtl="0" eaLnBrk="1" latinLnBrk="0" hangingPunct="1">
+    <a:lvl6pPr marL="2286000" algn="l" defTabSz="457200" rtl="0" eaLnBrk="1" latinLnBrk="0" hangingPunct="1">
       <a:defRPr sz="1800" kern="1200">
         <a:solidFill>
           <a:schemeClr val="tx1"/>
@@ -83,7 +85,7 @@
         <a:cs typeface="+mn-cs"/>
       </a:defRPr>
     </a:lvl6pPr>
-    <a:lvl7pPr marL="2743200" algn="l" defTabSz="914400" rtl="0" eaLnBrk="1" latinLnBrk="0" hangingPunct="1">
+    <a:lvl7pPr marL="2743200" algn="l" defTabSz="457200" rtl="0" eaLnBrk="1" latinLnBrk="0" hangingPunct="1">
       <a:defRPr sz="1800" kern="1200">
         <a:solidFill>
           <a:schemeClr val="tx1"/>
@@ -93,7 +95,7 @@
         <a:cs typeface="+mn-cs"/>
       </a:defRPr>
     </a:lvl7pPr>
-    <a:lvl8pPr marL="3200400" algn="l" defTabSz="914400" rtl="0" eaLnBrk="1" latinLnBrk="0" hangingPunct="1">
+    <a:lvl8pPr marL="3200400" algn="l" defTabSz="457200" rtl="0" eaLnBrk="1" latinLnBrk="0" hangingPunct="1">
       <a:defRPr sz="1800" kern="1200">
         <a:solidFill>
           <a:schemeClr val="tx1"/>
@@ -103,7 +105,7 @@
         <a:cs typeface="+mn-cs"/>
       </a:defRPr>
     </a:lvl8pPr>
-    <a:lvl9pPr marL="3657600" algn="l" defTabSz="914400" rtl="0" eaLnBrk="1" latinLnBrk="0" hangingPunct="1">
+    <a:lvl9pPr marL="3657600" algn="l" defTabSz="457200" rtl="0" eaLnBrk="1" latinLnBrk="0" hangingPunct="1">
       <a:defRPr sz="1800" kern="1200">
         <a:solidFill>
           <a:schemeClr val="tx1"/>
@@ -114,11 +116,16 @@
       </a:defRPr>
     </a:lvl9pPr>
   </p:defaultTextStyle>
+  <p:extLst>
+    <p:ext uri="{EFAFB233-063F-42B5-8137-9DF3F51BA10A}">
+      <p15:sldGuideLst xmlns:p15="http://schemas.microsoft.com/office/powerpoint/2012/main"/>
+    </p:ext>
+  </p:extLst>
 </p:presentation>
 </file>
 
 <file path=ppt/slideLayouts/slideLayout1.xml><?xml version="1.0" encoding="utf-8"?>
-<p:sldLayout xmlns:a="http://schemas.openxmlformats.org/drawingml/2006/main" xmlns:r="http://schemas.openxmlformats.org/officeDocument/2006/relationships" xmlns:p="http://schemas.openxmlformats.org/presentationml/2006/main" type="title" preserve="1">
+<p:sldLayout xmlns:a="http://schemas.openxmlformats.org/drawingml/2006/main" xmlns:r="http://schemas.openxmlformats.org/officeDocument/2006/relationships" xmlns:p="http://schemas.openxmlformats.org/presentationml/2006/main" showMasterSp="0" type="title" preserve="1">
   <p:cSld name="Title Slide">
     <p:spTree>
       <p:nvGrpSpPr>
@@ -134,6 +141,536 @@
           <a:chExt cx="0" cy="0"/>
         </a:xfrm>
       </p:grpSpPr>
+      <p:grpSp>
+        <p:nvGrpSpPr>
+          <p:cNvPr id="7" name="Group 6"/>
+          <p:cNvGrpSpPr/>
+          <p:nvPr/>
+        </p:nvGrpSpPr>
+        <p:grpSpPr>
+          <a:xfrm>
+            <a:off x="0" y="-8467"/>
+            <a:ext cx="12192000" cy="6866467"/>
+            <a:chOff x="0" y="-8467"/>
+            <a:chExt cx="12192000" cy="6866467"/>
+          </a:xfrm>
+        </p:grpSpPr>
+        <p:cxnSp>
+          <p:nvCxnSpPr>
+            <p:cNvPr id="32" name="Straight Connector 31"/>
+            <p:cNvCxnSpPr/>
+            <p:nvPr/>
+          </p:nvCxnSpPr>
+          <p:spPr>
+            <a:xfrm>
+              <a:off x="9371012" y="0"/>
+              <a:ext cx="1219200" cy="6858000"/>
+            </a:xfrm>
+            <a:prstGeom prst="line">
+              <a:avLst/>
+            </a:prstGeom>
+            <a:ln w="9525">
+              <a:solidFill>
+                <a:schemeClr val="bg1">
+                  <a:lumMod val="75000"/>
+                </a:schemeClr>
+              </a:solidFill>
+            </a:ln>
+          </p:spPr>
+          <p:style>
+            <a:lnRef idx="2">
+              <a:schemeClr val="accent1"/>
+            </a:lnRef>
+            <a:fillRef idx="0">
+              <a:schemeClr val="accent1"/>
+            </a:fillRef>
+            <a:effectRef idx="1">
+              <a:schemeClr val="accent1"/>
+            </a:effectRef>
+            <a:fontRef idx="minor">
+              <a:schemeClr val="tx1"/>
+            </a:fontRef>
+          </p:style>
+        </p:cxnSp>
+        <p:cxnSp>
+          <p:nvCxnSpPr>
+            <p:cNvPr id="21" name="Straight Connector 20"/>
+            <p:cNvCxnSpPr/>
+            <p:nvPr/>
+          </p:nvCxnSpPr>
+          <p:spPr>
+            <a:xfrm flipH="1">
+              <a:off x="7425267" y="3681413"/>
+              <a:ext cx="4763558" cy="3176587"/>
+            </a:xfrm>
+            <a:prstGeom prst="line">
+              <a:avLst/>
+            </a:prstGeom>
+            <a:ln w="9525">
+              <a:solidFill>
+                <a:schemeClr val="bg1">
+                  <a:lumMod val="85000"/>
+                </a:schemeClr>
+              </a:solidFill>
+            </a:ln>
+          </p:spPr>
+          <p:style>
+            <a:lnRef idx="2">
+              <a:schemeClr val="accent1"/>
+            </a:lnRef>
+            <a:fillRef idx="0">
+              <a:schemeClr val="accent1"/>
+            </a:fillRef>
+            <a:effectRef idx="1">
+              <a:schemeClr val="accent1"/>
+            </a:effectRef>
+            <a:fontRef idx="minor">
+              <a:schemeClr val="tx1"/>
+            </a:fontRef>
+          </p:style>
+        </p:cxnSp>
+        <p:sp>
+          <p:nvSpPr>
+            <p:cNvPr id="24" name="Rectangle 23"/>
+            <p:cNvSpPr/>
+            <p:nvPr/>
+          </p:nvSpPr>
+          <p:spPr>
+            <a:xfrm>
+              <a:off x="9181476" y="-8467"/>
+              <a:ext cx="3007349" cy="6866467"/>
+            </a:xfrm>
+            <a:custGeom>
+              <a:avLst/>
+              <a:gdLst/>
+              <a:ahLst/>
+              <a:cxnLst/>
+              <a:rect l="l" t="t" r="r" b="b"/>
+              <a:pathLst>
+                <a:path w="3007349" h="6866467">
+                  <a:moveTo>
+                    <a:pt x="2045532" y="0"/>
+                  </a:moveTo>
+                  <a:lnTo>
+                    <a:pt x="3007349" y="0"/>
+                  </a:lnTo>
+                  <a:lnTo>
+                    <a:pt x="3007349" y="6866467"/>
+                  </a:lnTo>
+                  <a:lnTo>
+                    <a:pt x="0" y="6866467"/>
+                  </a:lnTo>
+                  <a:lnTo>
+                    <a:pt x="2045532" y="0"/>
+                  </a:lnTo>
+                  <a:close/>
+                </a:path>
+              </a:pathLst>
+            </a:custGeom>
+            <a:solidFill>
+              <a:schemeClr val="accent1">
+                <a:alpha val="30000"/>
+              </a:schemeClr>
+            </a:solidFill>
+            <a:ln>
+              <a:noFill/>
+            </a:ln>
+            <a:effectLst/>
+          </p:spPr>
+          <p:style>
+            <a:lnRef idx="1">
+              <a:schemeClr val="accent1"/>
+            </a:lnRef>
+            <a:fillRef idx="3">
+              <a:schemeClr val="accent1"/>
+            </a:fillRef>
+            <a:effectRef idx="2">
+              <a:schemeClr val="accent1"/>
+            </a:effectRef>
+            <a:fontRef idx="minor">
+              <a:schemeClr val="lt1"/>
+            </a:fontRef>
+          </p:style>
+        </p:sp>
+        <p:sp>
+          <p:nvSpPr>
+            <p:cNvPr id="26" name="Rectangle 25"/>
+            <p:cNvSpPr/>
+            <p:nvPr/>
+          </p:nvSpPr>
+          <p:spPr>
+            <a:xfrm>
+              <a:off x="9603442" y="-8467"/>
+              <a:ext cx="2588558" cy="6866467"/>
+            </a:xfrm>
+            <a:custGeom>
+              <a:avLst/>
+              <a:gdLst/>
+              <a:ahLst/>
+              <a:cxnLst/>
+              <a:rect l="l" t="t" r="r" b="b"/>
+              <a:pathLst>
+                <a:path w="2573311" h="6866467">
+                  <a:moveTo>
+                    <a:pt x="0" y="0"/>
+                  </a:moveTo>
+                  <a:lnTo>
+                    <a:pt x="2573311" y="0"/>
+                  </a:lnTo>
+                  <a:lnTo>
+                    <a:pt x="2573311" y="6866467"/>
+                  </a:lnTo>
+                  <a:lnTo>
+                    <a:pt x="1202336" y="6866467"/>
+                  </a:lnTo>
+                  <a:lnTo>
+                    <a:pt x="0" y="0"/>
+                  </a:lnTo>
+                  <a:close/>
+                </a:path>
+              </a:pathLst>
+            </a:custGeom>
+            <a:solidFill>
+              <a:schemeClr val="accent1">
+                <a:alpha val="20000"/>
+              </a:schemeClr>
+            </a:solidFill>
+            <a:ln>
+              <a:noFill/>
+            </a:ln>
+            <a:effectLst/>
+          </p:spPr>
+          <p:style>
+            <a:lnRef idx="1">
+              <a:schemeClr val="accent1"/>
+            </a:lnRef>
+            <a:fillRef idx="3">
+              <a:schemeClr val="accent1"/>
+            </a:fillRef>
+            <a:effectRef idx="2">
+              <a:schemeClr val="accent1"/>
+            </a:effectRef>
+            <a:fontRef idx="minor">
+              <a:schemeClr val="lt1"/>
+            </a:fontRef>
+          </p:style>
+        </p:sp>
+        <p:sp>
+          <p:nvSpPr>
+            <p:cNvPr id="27" name="Isosceles Triangle 26"/>
+            <p:cNvSpPr/>
+            <p:nvPr/>
+          </p:nvSpPr>
+          <p:spPr>
+            <a:xfrm>
+              <a:off x="8932333" y="3048000"/>
+              <a:ext cx="3259667" cy="3810000"/>
+            </a:xfrm>
+            <a:prstGeom prst="triangle">
+              <a:avLst>
+                <a:gd name="adj" fmla="val 100000"/>
+              </a:avLst>
+            </a:prstGeom>
+            <a:solidFill>
+              <a:schemeClr val="accent2">
+                <a:alpha val="72000"/>
+              </a:schemeClr>
+            </a:solidFill>
+            <a:ln>
+              <a:noFill/>
+            </a:ln>
+            <a:effectLst/>
+          </p:spPr>
+          <p:style>
+            <a:lnRef idx="1">
+              <a:schemeClr val="accent1"/>
+            </a:lnRef>
+            <a:fillRef idx="3">
+              <a:schemeClr val="accent1"/>
+            </a:fillRef>
+            <a:effectRef idx="2">
+              <a:schemeClr val="accent1"/>
+            </a:effectRef>
+            <a:fontRef idx="minor">
+              <a:schemeClr val="lt1"/>
+            </a:fontRef>
+          </p:style>
+        </p:sp>
+        <p:sp>
+          <p:nvSpPr>
+            <p:cNvPr id="28" name="Rectangle 27"/>
+            <p:cNvSpPr/>
+            <p:nvPr/>
+          </p:nvSpPr>
+          <p:spPr>
+            <a:xfrm>
+              <a:off x="9334500" y="-8467"/>
+              <a:ext cx="2854326" cy="6866467"/>
+            </a:xfrm>
+            <a:custGeom>
+              <a:avLst/>
+              <a:gdLst/>
+              <a:ahLst/>
+              <a:cxnLst/>
+              <a:rect l="l" t="t" r="r" b="b"/>
+              <a:pathLst>
+                <a:path w="2858013" h="6866467">
+                  <a:moveTo>
+                    <a:pt x="0" y="0"/>
+                  </a:moveTo>
+                  <a:lnTo>
+                    <a:pt x="2858013" y="0"/>
+                  </a:lnTo>
+                  <a:lnTo>
+                    <a:pt x="2858013" y="6866467"/>
+                  </a:lnTo>
+                  <a:lnTo>
+                    <a:pt x="2473942" y="6866467"/>
+                  </a:lnTo>
+                  <a:lnTo>
+                    <a:pt x="0" y="0"/>
+                  </a:lnTo>
+                  <a:close/>
+                </a:path>
+              </a:pathLst>
+            </a:custGeom>
+            <a:solidFill>
+              <a:schemeClr val="accent2">
+                <a:lumMod val="75000"/>
+                <a:alpha val="70000"/>
+              </a:schemeClr>
+            </a:solidFill>
+            <a:ln>
+              <a:noFill/>
+            </a:ln>
+            <a:effectLst/>
+          </p:spPr>
+          <p:style>
+            <a:lnRef idx="1">
+              <a:schemeClr val="accent1"/>
+            </a:lnRef>
+            <a:fillRef idx="3">
+              <a:schemeClr val="accent1"/>
+            </a:fillRef>
+            <a:effectRef idx="2">
+              <a:schemeClr val="accent1"/>
+            </a:effectRef>
+            <a:fontRef idx="minor">
+              <a:schemeClr val="lt1"/>
+            </a:fontRef>
+          </p:style>
+        </p:sp>
+        <p:sp>
+          <p:nvSpPr>
+            <p:cNvPr id="29" name="Rectangle 28"/>
+            <p:cNvSpPr/>
+            <p:nvPr/>
+          </p:nvSpPr>
+          <p:spPr>
+            <a:xfrm>
+              <a:off x="10898730" y="-8467"/>
+              <a:ext cx="1290094" cy="6866467"/>
+            </a:xfrm>
+            <a:custGeom>
+              <a:avLst/>
+              <a:gdLst/>
+              <a:ahLst/>
+              <a:cxnLst/>
+              <a:rect l="l" t="t" r="r" b="b"/>
+              <a:pathLst>
+                <a:path w="1290094" h="6858000">
+                  <a:moveTo>
+                    <a:pt x="1019735" y="0"/>
+                  </a:moveTo>
+                  <a:lnTo>
+                    <a:pt x="1290094" y="0"/>
+                  </a:lnTo>
+                  <a:lnTo>
+                    <a:pt x="1290094" y="6858000"/>
+                  </a:lnTo>
+                  <a:lnTo>
+                    <a:pt x="0" y="6858000"/>
+                  </a:lnTo>
+                  <a:lnTo>
+                    <a:pt x="1019735" y="0"/>
+                  </a:lnTo>
+                  <a:close/>
+                </a:path>
+              </a:pathLst>
+            </a:custGeom>
+            <a:solidFill>
+              <a:schemeClr val="accent1">
+                <a:lumMod val="60000"/>
+                <a:lumOff val="40000"/>
+                <a:alpha val="70000"/>
+              </a:schemeClr>
+            </a:solidFill>
+            <a:ln>
+              <a:noFill/>
+            </a:ln>
+            <a:effectLst/>
+          </p:spPr>
+          <p:style>
+            <a:lnRef idx="1">
+              <a:schemeClr val="accent1"/>
+            </a:lnRef>
+            <a:fillRef idx="3">
+              <a:schemeClr val="accent1"/>
+            </a:fillRef>
+            <a:effectRef idx="2">
+              <a:schemeClr val="accent1"/>
+            </a:effectRef>
+            <a:fontRef idx="minor">
+              <a:schemeClr val="lt1"/>
+            </a:fontRef>
+          </p:style>
+        </p:sp>
+        <p:sp>
+          <p:nvSpPr>
+            <p:cNvPr id="30" name="Rectangle 29"/>
+            <p:cNvSpPr/>
+            <p:nvPr/>
+          </p:nvSpPr>
+          <p:spPr>
+            <a:xfrm>
+              <a:off x="10938999" y="-8467"/>
+              <a:ext cx="1249825" cy="6866467"/>
+            </a:xfrm>
+            <a:custGeom>
+              <a:avLst/>
+              <a:gdLst/>
+              <a:ahLst/>
+              <a:cxnLst/>
+              <a:rect l="l" t="t" r="r" b="b"/>
+              <a:pathLst>
+                <a:path w="1249825" h="6858000">
+                  <a:moveTo>
+                    <a:pt x="0" y="0"/>
+                  </a:moveTo>
+                  <a:lnTo>
+                    <a:pt x="1249825" y="0"/>
+                  </a:lnTo>
+                  <a:lnTo>
+                    <a:pt x="1249825" y="6858000"/>
+                  </a:lnTo>
+                  <a:lnTo>
+                    <a:pt x="1109382" y="6858000"/>
+                  </a:lnTo>
+                  <a:lnTo>
+                    <a:pt x="0" y="0"/>
+                  </a:lnTo>
+                  <a:close/>
+                </a:path>
+              </a:pathLst>
+            </a:custGeom>
+            <a:solidFill>
+              <a:schemeClr val="accent1">
+                <a:alpha val="65000"/>
+              </a:schemeClr>
+            </a:solidFill>
+            <a:ln>
+              <a:noFill/>
+            </a:ln>
+            <a:effectLst/>
+          </p:spPr>
+          <p:style>
+            <a:lnRef idx="1">
+              <a:schemeClr val="accent1"/>
+            </a:lnRef>
+            <a:fillRef idx="3">
+              <a:schemeClr val="accent1"/>
+            </a:fillRef>
+            <a:effectRef idx="2">
+              <a:schemeClr val="accent1"/>
+            </a:effectRef>
+            <a:fontRef idx="minor">
+              <a:schemeClr val="lt1"/>
+            </a:fontRef>
+          </p:style>
+        </p:sp>
+        <p:sp>
+          <p:nvSpPr>
+            <p:cNvPr id="31" name="Isosceles Triangle 30"/>
+            <p:cNvSpPr/>
+            <p:nvPr/>
+          </p:nvSpPr>
+          <p:spPr>
+            <a:xfrm>
+              <a:off x="10371666" y="3589867"/>
+              <a:ext cx="1817159" cy="3268133"/>
+            </a:xfrm>
+            <a:prstGeom prst="triangle">
+              <a:avLst>
+                <a:gd name="adj" fmla="val 100000"/>
+              </a:avLst>
+            </a:prstGeom>
+            <a:solidFill>
+              <a:schemeClr val="accent1">
+                <a:alpha val="80000"/>
+              </a:schemeClr>
+            </a:solidFill>
+            <a:ln>
+              <a:noFill/>
+            </a:ln>
+            <a:effectLst/>
+          </p:spPr>
+          <p:style>
+            <a:lnRef idx="1">
+              <a:schemeClr val="accent1"/>
+            </a:lnRef>
+            <a:fillRef idx="3">
+              <a:schemeClr val="accent1"/>
+            </a:fillRef>
+            <a:effectRef idx="2">
+              <a:schemeClr val="accent1"/>
+            </a:effectRef>
+            <a:fontRef idx="minor">
+              <a:schemeClr val="lt1"/>
+            </a:fontRef>
+          </p:style>
+        </p:sp>
+        <p:sp>
+          <p:nvSpPr>
+            <p:cNvPr id="19" name="Isosceles Triangle 18"/>
+            <p:cNvSpPr/>
+            <p:nvPr/>
+          </p:nvSpPr>
+          <p:spPr>
+            <a:xfrm rot="10800000">
+              <a:off x="0" y="0"/>
+              <a:ext cx="842596" cy="5666154"/>
+            </a:xfrm>
+            <a:prstGeom prst="triangle">
+              <a:avLst>
+                <a:gd name="adj" fmla="val 100000"/>
+              </a:avLst>
+            </a:prstGeom>
+            <a:solidFill>
+              <a:schemeClr val="accent1">
+                <a:alpha val="85000"/>
+              </a:schemeClr>
+            </a:solidFill>
+            <a:ln>
+              <a:noFill/>
+            </a:ln>
+            <a:effectLst/>
+          </p:spPr>
+          <p:style>
+            <a:lnRef idx="1">
+              <a:schemeClr val="accent1"/>
+            </a:lnRef>
+            <a:fillRef idx="3">
+              <a:schemeClr val="accent1"/>
+            </a:fillRef>
+            <a:effectRef idx="2">
+              <a:schemeClr val="accent1"/>
+            </a:effectRef>
+            <a:fontRef idx="minor">
+              <a:schemeClr val="lt1"/>
+            </a:fontRef>
+          </p:style>
+        </p:sp>
+      </p:grpSp>
       <p:sp>
         <p:nvSpPr>
           <p:cNvPr id="2" name="Title 1"/>
@@ -146,23 +683,29 @@
         </p:nvSpPr>
         <p:spPr>
           <a:xfrm>
-            <a:off x="1524000" y="1122363"/>
-            <a:ext cx="9144000" cy="2387600"/>
+            <a:off x="1507067" y="2404534"/>
+            <a:ext cx="7766936" cy="1646302"/>
           </a:xfrm>
         </p:spPr>
         <p:txBody>
-          <a:bodyPr anchor="b"/>
+          <a:bodyPr anchor="b">
+            <a:noAutofit/>
+          </a:bodyPr>
           <a:lstStyle>
-            <a:lvl1pPr algn="ctr">
-              <a:defRPr sz="6000"/>
+            <a:lvl1pPr algn="r">
+              <a:defRPr sz="5400">
+                <a:solidFill>
+                  <a:schemeClr val="accent1"/>
+                </a:solidFill>
+              </a:defRPr>
             </a:lvl1pPr>
           </a:lstStyle>
           <a:p>
             <a:r>
-              <a:rPr lang="en-US" smtClean="0"/>
+              <a:rPr lang="en-US"/>
               <a:t>Click to edit Master title style</a:t>
             </a:r>
-            <a:endParaRPr lang="en-US"/>
+            <a:endParaRPr lang="en-US" dirty="0"/>
           </a:p>
         </p:txBody>
       </p:sp>
@@ -178,56 +721,111 @@
         </p:nvSpPr>
         <p:spPr>
           <a:xfrm>
-            <a:off x="1524000" y="3602038"/>
-            <a:ext cx="9144000" cy="1655762"/>
+            <a:off x="1507067" y="4050833"/>
+            <a:ext cx="7766936" cy="1096899"/>
           </a:xfrm>
         </p:spPr>
         <p:txBody>
-          <a:bodyPr/>
+          <a:bodyPr anchor="t"/>
           <a:lstStyle>
-            <a:lvl1pPr marL="0" indent="0" algn="ctr">
-              <a:buNone/>
-              <a:defRPr sz="2400"/>
+            <a:lvl1pPr marL="0" indent="0" algn="r">
+              <a:buNone/>
+              <a:defRPr>
+                <a:solidFill>
+                  <a:schemeClr val="tx1">
+                    <a:lumMod val="50000"/>
+                    <a:lumOff val="50000"/>
+                  </a:schemeClr>
+                </a:solidFill>
+              </a:defRPr>
             </a:lvl1pPr>
             <a:lvl2pPr marL="457200" indent="0" algn="ctr">
               <a:buNone/>
-              <a:defRPr sz="2000"/>
+              <a:defRPr>
+                <a:solidFill>
+                  <a:schemeClr val="tx1">
+                    <a:tint val="75000"/>
+                  </a:schemeClr>
+                </a:solidFill>
+              </a:defRPr>
             </a:lvl2pPr>
             <a:lvl3pPr marL="914400" indent="0" algn="ctr">
               <a:buNone/>
-              <a:defRPr sz="1800"/>
+              <a:defRPr>
+                <a:solidFill>
+                  <a:schemeClr val="tx1">
+                    <a:tint val="75000"/>
+                  </a:schemeClr>
+                </a:solidFill>
+              </a:defRPr>
             </a:lvl3pPr>
             <a:lvl4pPr marL="1371600" indent="0" algn="ctr">
               <a:buNone/>
-              <a:defRPr sz="1600"/>
+              <a:defRPr>
+                <a:solidFill>
+                  <a:schemeClr val="tx1">
+                    <a:tint val="75000"/>
+                  </a:schemeClr>
+                </a:solidFill>
+              </a:defRPr>
             </a:lvl4pPr>
             <a:lvl5pPr marL="1828800" indent="0" algn="ctr">
               <a:buNone/>
-              <a:defRPr sz="1600"/>
+              <a:defRPr>
+                <a:solidFill>
+                  <a:schemeClr val="tx1">
+                    <a:tint val="75000"/>
+                  </a:schemeClr>
+                </a:solidFill>
+              </a:defRPr>
             </a:lvl5pPr>
             <a:lvl6pPr marL="2286000" indent="0" algn="ctr">
               <a:buNone/>
-              <a:defRPr sz="1600"/>
+              <a:defRPr>
+                <a:solidFill>
+                  <a:schemeClr val="tx1">
+                    <a:tint val="75000"/>
+                  </a:schemeClr>
+                </a:solidFill>
+              </a:defRPr>
             </a:lvl6pPr>
             <a:lvl7pPr marL="2743200" indent="0" algn="ctr">
               <a:buNone/>
-              <a:defRPr sz="1600"/>
+              <a:defRPr>
+                <a:solidFill>
+                  <a:schemeClr val="tx1">
+                    <a:tint val="75000"/>
+                  </a:schemeClr>
+                </a:solidFill>
+              </a:defRPr>
             </a:lvl7pPr>
             <a:lvl8pPr marL="3200400" indent="0" algn="ctr">
               <a:buNone/>
-              <a:defRPr sz="1600"/>
+              <a:defRPr>
+                <a:solidFill>
+                  <a:schemeClr val="tx1">
+                    <a:tint val="75000"/>
+                  </a:schemeClr>
+                </a:solidFill>
+              </a:defRPr>
             </a:lvl8pPr>
             <a:lvl9pPr marL="3657600" indent="0" algn="ctr">
               <a:buNone/>
-              <a:defRPr sz="1600"/>
+              <a:defRPr>
+                <a:solidFill>
+                  <a:schemeClr val="tx1">
+                    <a:tint val="75000"/>
+                  </a:schemeClr>
+                </a:solidFill>
+              </a:defRPr>
             </a:lvl9pPr>
           </a:lstStyle>
           <a:p>
             <a:r>
-              <a:rPr lang="en-US" smtClean="0"/>
+              <a:rPr lang="en-US"/>
               <a:t>Click to edit Master subtitle style</a:t>
             </a:r>
-            <a:endParaRPr lang="en-US"/>
+            <a:endParaRPr lang="en-US" dirty="0"/>
           </a:p>
         </p:txBody>
       </p:sp>
@@ -248,7 +846,7 @@
           <a:p>
             <a:fld id="{A7C4B4EA-4E57-43B5-9E64-45E867927BA5}" type="datetimeFigureOut">
               <a:rPr lang="en-US" smtClean="0"/>
-              <a:t>11/11/2016</a:t>
+              <a:t>12/4/2016</a:t>
             </a:fld>
             <a:endParaRPr lang="en-US"/>
           </a:p>
@@ -299,7 +897,7 @@
     </p:spTree>
     <p:extLst>
       <p:ext uri="{BB962C8B-B14F-4D97-AF65-F5344CB8AC3E}">
-        <p14:creationId xmlns:p14="http://schemas.microsoft.com/office/powerpoint/2010/main" val="1773350773"/>
+        <p14:creationId xmlns:p14="http://schemas.microsoft.com/office/powerpoint/2010/main" val="67863362"/>
       </p:ext>
     </p:extLst>
   </p:cSld>
@@ -310,6 +908,1619 @@
 </file>
 
 <file path=ppt/slideLayouts/slideLayout10.xml><?xml version="1.0" encoding="utf-8"?>
+<p:sldLayout xmlns:a="http://schemas.openxmlformats.org/drawingml/2006/main" xmlns:r="http://schemas.openxmlformats.org/officeDocument/2006/relationships" xmlns:p="http://schemas.openxmlformats.org/presentationml/2006/main" preserve="1">
+  <p:cSld name="Title and Caption">
+    <p:spTree>
+      <p:nvGrpSpPr>
+        <p:cNvPr id="1" name=""/>
+        <p:cNvGrpSpPr/>
+        <p:nvPr/>
+      </p:nvGrpSpPr>
+      <p:grpSpPr>
+        <a:xfrm>
+          <a:off x="0" y="0"/>
+          <a:ext cx="0" cy="0"/>
+          <a:chOff x="0" y="0"/>
+          <a:chExt cx="0" cy="0"/>
+        </a:xfrm>
+      </p:grpSpPr>
+      <p:sp>
+        <p:nvSpPr>
+          <p:cNvPr id="2" name="Title 1"/>
+          <p:cNvSpPr>
+            <a:spLocks noGrp="1"/>
+          </p:cNvSpPr>
+          <p:nvPr>
+            <p:ph type="title"/>
+          </p:nvPr>
+        </p:nvSpPr>
+        <p:spPr>
+          <a:xfrm>
+            <a:off x="677335" y="609600"/>
+            <a:ext cx="8596668" cy="3403600"/>
+          </a:xfrm>
+        </p:spPr>
+        <p:txBody>
+          <a:bodyPr anchor="ctr">
+            <a:normAutofit/>
+          </a:bodyPr>
+          <a:lstStyle>
+            <a:lvl1pPr algn="l">
+              <a:defRPr sz="4400" b="0" cap="none"/>
+            </a:lvl1pPr>
+          </a:lstStyle>
+          <a:p>
+            <a:r>
+              <a:rPr lang="en-US"/>
+              <a:t>Click to edit Master title style</a:t>
+            </a:r>
+            <a:endParaRPr lang="en-US" dirty="0"/>
+          </a:p>
+        </p:txBody>
+      </p:sp>
+      <p:sp>
+        <p:nvSpPr>
+          <p:cNvPr id="3" name="Text Placeholder 2"/>
+          <p:cNvSpPr>
+            <a:spLocks noGrp="1"/>
+          </p:cNvSpPr>
+          <p:nvPr>
+            <p:ph type="body" idx="1"/>
+          </p:nvPr>
+        </p:nvSpPr>
+        <p:spPr>
+          <a:xfrm>
+            <a:off x="677335" y="4470400"/>
+            <a:ext cx="8596668" cy="1570962"/>
+          </a:xfrm>
+        </p:spPr>
+        <p:txBody>
+          <a:bodyPr anchor="ctr">
+            <a:normAutofit/>
+          </a:bodyPr>
+          <a:lstStyle>
+            <a:lvl1pPr marL="0" indent="0" algn="l">
+              <a:buNone/>
+              <a:defRPr sz="1800">
+                <a:solidFill>
+                  <a:schemeClr val="tx1">
+                    <a:lumMod val="75000"/>
+                    <a:lumOff val="25000"/>
+                  </a:schemeClr>
+                </a:solidFill>
+              </a:defRPr>
+            </a:lvl1pPr>
+            <a:lvl2pPr marL="457200" indent="0">
+              <a:buNone/>
+              <a:defRPr sz="1800">
+                <a:solidFill>
+                  <a:schemeClr val="tx1">
+                    <a:tint val="75000"/>
+                  </a:schemeClr>
+                </a:solidFill>
+              </a:defRPr>
+            </a:lvl2pPr>
+            <a:lvl3pPr marL="914400" indent="0">
+              <a:buNone/>
+              <a:defRPr sz="1600">
+                <a:solidFill>
+                  <a:schemeClr val="tx1">
+                    <a:tint val="75000"/>
+                  </a:schemeClr>
+                </a:solidFill>
+              </a:defRPr>
+            </a:lvl3pPr>
+            <a:lvl4pPr marL="1371600" indent="0">
+              <a:buNone/>
+              <a:defRPr sz="1400">
+                <a:solidFill>
+                  <a:schemeClr val="tx1">
+                    <a:tint val="75000"/>
+                  </a:schemeClr>
+                </a:solidFill>
+              </a:defRPr>
+            </a:lvl4pPr>
+            <a:lvl5pPr marL="1828800" indent="0">
+              <a:buNone/>
+              <a:defRPr sz="1400">
+                <a:solidFill>
+                  <a:schemeClr val="tx1">
+                    <a:tint val="75000"/>
+                  </a:schemeClr>
+                </a:solidFill>
+              </a:defRPr>
+            </a:lvl5pPr>
+            <a:lvl6pPr marL="2286000" indent="0">
+              <a:buNone/>
+              <a:defRPr sz="1400">
+                <a:solidFill>
+                  <a:schemeClr val="tx1">
+                    <a:tint val="75000"/>
+                  </a:schemeClr>
+                </a:solidFill>
+              </a:defRPr>
+            </a:lvl6pPr>
+            <a:lvl7pPr marL="2743200" indent="0">
+              <a:buNone/>
+              <a:defRPr sz="1400">
+                <a:solidFill>
+                  <a:schemeClr val="tx1">
+                    <a:tint val="75000"/>
+                  </a:schemeClr>
+                </a:solidFill>
+              </a:defRPr>
+            </a:lvl7pPr>
+            <a:lvl8pPr marL="3200400" indent="0">
+              <a:buNone/>
+              <a:defRPr sz="1400">
+                <a:solidFill>
+                  <a:schemeClr val="tx1">
+                    <a:tint val="75000"/>
+                  </a:schemeClr>
+                </a:solidFill>
+              </a:defRPr>
+            </a:lvl8pPr>
+            <a:lvl9pPr marL="3657600" indent="0">
+              <a:buNone/>
+              <a:defRPr sz="1400">
+                <a:solidFill>
+                  <a:schemeClr val="tx1">
+                    <a:tint val="75000"/>
+                  </a:schemeClr>
+                </a:solidFill>
+              </a:defRPr>
+            </a:lvl9pPr>
+          </a:lstStyle>
+          <a:p>
+            <a:pPr lvl="0"/>
+            <a:r>
+              <a:rPr lang="en-US"/>
+              <a:t>Edit Master text styles</a:t>
+            </a:r>
+          </a:p>
+        </p:txBody>
+      </p:sp>
+      <p:sp>
+        <p:nvSpPr>
+          <p:cNvPr id="4" name="Date Placeholder 3"/>
+          <p:cNvSpPr>
+            <a:spLocks noGrp="1"/>
+          </p:cNvSpPr>
+          <p:nvPr>
+            <p:ph type="dt" sz="half" idx="10"/>
+          </p:nvPr>
+        </p:nvSpPr>
+        <p:spPr/>
+        <p:txBody>
+          <a:bodyPr/>
+          <a:lstStyle/>
+          <a:p>
+            <a:fld id="{A7C4B4EA-4E57-43B5-9E64-45E867927BA5}" type="datetimeFigureOut">
+              <a:rPr lang="en-US" smtClean="0"/>
+              <a:t>12/4/2016</a:t>
+            </a:fld>
+            <a:endParaRPr lang="en-US"/>
+          </a:p>
+        </p:txBody>
+      </p:sp>
+      <p:sp>
+        <p:nvSpPr>
+          <p:cNvPr id="5" name="Footer Placeholder 4"/>
+          <p:cNvSpPr>
+            <a:spLocks noGrp="1"/>
+          </p:cNvSpPr>
+          <p:nvPr>
+            <p:ph type="ftr" sz="quarter" idx="11"/>
+          </p:nvPr>
+        </p:nvSpPr>
+        <p:spPr/>
+        <p:txBody>
+          <a:bodyPr/>
+          <a:lstStyle/>
+          <a:p>
+            <a:endParaRPr lang="en-US"/>
+          </a:p>
+        </p:txBody>
+      </p:sp>
+      <p:sp>
+        <p:nvSpPr>
+          <p:cNvPr id="6" name="Slide Number Placeholder 5"/>
+          <p:cNvSpPr>
+            <a:spLocks noGrp="1"/>
+          </p:cNvSpPr>
+          <p:nvPr>
+            <p:ph type="sldNum" sz="quarter" idx="12"/>
+          </p:nvPr>
+        </p:nvSpPr>
+        <p:spPr/>
+        <p:txBody>
+          <a:bodyPr/>
+          <a:lstStyle/>
+          <a:p>
+            <a:fld id="{BA48A6BD-D825-4B17-801C-257A9666DBFE}" type="slidenum">
+              <a:rPr lang="en-US" smtClean="0"/>
+              <a:t>‹#›</a:t>
+            </a:fld>
+            <a:endParaRPr lang="en-US"/>
+          </a:p>
+        </p:txBody>
+      </p:sp>
+    </p:spTree>
+    <p:extLst>
+      <p:ext uri="{BB962C8B-B14F-4D97-AF65-F5344CB8AC3E}">
+        <p14:creationId xmlns:p14="http://schemas.microsoft.com/office/powerpoint/2010/main" val="1709565319"/>
+      </p:ext>
+    </p:extLst>
+  </p:cSld>
+  <p:clrMapOvr>
+    <a:masterClrMapping/>
+  </p:clrMapOvr>
+</p:sldLayout>
+</file>
+
+<file path=ppt/slideLayouts/slideLayout11.xml><?xml version="1.0" encoding="utf-8"?>
+<p:sldLayout xmlns:a="http://schemas.openxmlformats.org/drawingml/2006/main" xmlns:r="http://schemas.openxmlformats.org/officeDocument/2006/relationships" xmlns:p="http://schemas.openxmlformats.org/presentationml/2006/main" preserve="1">
+  <p:cSld name="Quote with Caption">
+    <p:spTree>
+      <p:nvGrpSpPr>
+        <p:cNvPr id="1" name=""/>
+        <p:cNvGrpSpPr/>
+        <p:nvPr/>
+      </p:nvGrpSpPr>
+      <p:grpSpPr>
+        <a:xfrm>
+          <a:off x="0" y="0"/>
+          <a:ext cx="0" cy="0"/>
+          <a:chOff x="0" y="0"/>
+          <a:chExt cx="0" cy="0"/>
+        </a:xfrm>
+      </p:grpSpPr>
+      <p:sp>
+        <p:nvSpPr>
+          <p:cNvPr id="2" name="Title 1"/>
+          <p:cNvSpPr>
+            <a:spLocks noGrp="1"/>
+          </p:cNvSpPr>
+          <p:nvPr>
+            <p:ph type="title"/>
+          </p:nvPr>
+        </p:nvSpPr>
+        <p:spPr>
+          <a:xfrm>
+            <a:off x="931334" y="609600"/>
+            <a:ext cx="8094134" cy="3022600"/>
+          </a:xfrm>
+        </p:spPr>
+        <p:txBody>
+          <a:bodyPr anchor="ctr">
+            <a:normAutofit/>
+          </a:bodyPr>
+          <a:lstStyle>
+            <a:lvl1pPr algn="l">
+              <a:defRPr sz="4400" b="0" cap="none"/>
+            </a:lvl1pPr>
+          </a:lstStyle>
+          <a:p>
+            <a:r>
+              <a:rPr lang="en-US"/>
+              <a:t>Click to edit Master title style</a:t>
+            </a:r>
+            <a:endParaRPr lang="en-US" dirty="0"/>
+          </a:p>
+        </p:txBody>
+      </p:sp>
+      <p:sp>
+        <p:nvSpPr>
+          <p:cNvPr id="23" name="Text Placeholder 9"/>
+          <p:cNvSpPr>
+            <a:spLocks noGrp="1"/>
+          </p:cNvSpPr>
+          <p:nvPr>
+            <p:ph type="body" sz="quarter" idx="13"/>
+          </p:nvPr>
+        </p:nvSpPr>
+        <p:spPr>
+          <a:xfrm>
+            <a:off x="1366139" y="3632200"/>
+            <a:ext cx="7224524" cy="381000"/>
+          </a:xfrm>
+        </p:spPr>
+        <p:txBody>
+          <a:bodyPr anchor="ctr">
+            <a:noAutofit/>
+          </a:bodyPr>
+          <a:lstStyle>
+            <a:lvl1pPr marL="0" indent="0">
+              <a:buFontTx/>
+              <a:buNone/>
+              <a:defRPr sz="1600">
+                <a:solidFill>
+                  <a:schemeClr val="tx1">
+                    <a:lumMod val="50000"/>
+                    <a:lumOff val="50000"/>
+                  </a:schemeClr>
+                </a:solidFill>
+              </a:defRPr>
+            </a:lvl1pPr>
+            <a:lvl2pPr marL="457200" indent="0">
+              <a:buFontTx/>
+              <a:buNone/>
+              <a:defRPr/>
+            </a:lvl2pPr>
+            <a:lvl3pPr marL="914400" indent="0">
+              <a:buFontTx/>
+              <a:buNone/>
+              <a:defRPr/>
+            </a:lvl3pPr>
+            <a:lvl4pPr marL="1371600" indent="0">
+              <a:buFontTx/>
+              <a:buNone/>
+              <a:defRPr/>
+            </a:lvl4pPr>
+            <a:lvl5pPr marL="1828800" indent="0">
+              <a:buFontTx/>
+              <a:buNone/>
+              <a:defRPr/>
+            </a:lvl5pPr>
+          </a:lstStyle>
+          <a:p>
+            <a:pPr lvl="0"/>
+            <a:r>
+              <a:rPr lang="en-US"/>
+              <a:t>Edit Master text styles</a:t>
+            </a:r>
+          </a:p>
+        </p:txBody>
+      </p:sp>
+      <p:sp>
+        <p:nvSpPr>
+          <p:cNvPr id="3" name="Text Placeholder 2"/>
+          <p:cNvSpPr>
+            <a:spLocks noGrp="1"/>
+          </p:cNvSpPr>
+          <p:nvPr>
+            <p:ph type="body" idx="1"/>
+          </p:nvPr>
+        </p:nvSpPr>
+        <p:spPr>
+          <a:xfrm>
+            <a:off x="677335" y="4470400"/>
+            <a:ext cx="8596668" cy="1570962"/>
+          </a:xfrm>
+        </p:spPr>
+        <p:txBody>
+          <a:bodyPr anchor="ctr">
+            <a:normAutofit/>
+          </a:bodyPr>
+          <a:lstStyle>
+            <a:lvl1pPr marL="0" indent="0" algn="l">
+              <a:buNone/>
+              <a:defRPr sz="1800">
+                <a:solidFill>
+                  <a:schemeClr val="tx1">
+                    <a:lumMod val="75000"/>
+                    <a:lumOff val="25000"/>
+                  </a:schemeClr>
+                </a:solidFill>
+              </a:defRPr>
+            </a:lvl1pPr>
+            <a:lvl2pPr marL="457200" indent="0">
+              <a:buNone/>
+              <a:defRPr sz="1800">
+                <a:solidFill>
+                  <a:schemeClr val="tx1">
+                    <a:tint val="75000"/>
+                  </a:schemeClr>
+                </a:solidFill>
+              </a:defRPr>
+            </a:lvl2pPr>
+            <a:lvl3pPr marL="914400" indent="0">
+              <a:buNone/>
+              <a:defRPr sz="1600">
+                <a:solidFill>
+                  <a:schemeClr val="tx1">
+                    <a:tint val="75000"/>
+                  </a:schemeClr>
+                </a:solidFill>
+              </a:defRPr>
+            </a:lvl3pPr>
+            <a:lvl4pPr marL="1371600" indent="0">
+              <a:buNone/>
+              <a:defRPr sz="1400">
+                <a:solidFill>
+                  <a:schemeClr val="tx1">
+                    <a:tint val="75000"/>
+                  </a:schemeClr>
+                </a:solidFill>
+              </a:defRPr>
+            </a:lvl4pPr>
+            <a:lvl5pPr marL="1828800" indent="0">
+              <a:buNone/>
+              <a:defRPr sz="1400">
+                <a:solidFill>
+                  <a:schemeClr val="tx1">
+                    <a:tint val="75000"/>
+                  </a:schemeClr>
+                </a:solidFill>
+              </a:defRPr>
+            </a:lvl5pPr>
+            <a:lvl6pPr marL="2286000" indent="0">
+              <a:buNone/>
+              <a:defRPr sz="1400">
+                <a:solidFill>
+                  <a:schemeClr val="tx1">
+                    <a:tint val="75000"/>
+                  </a:schemeClr>
+                </a:solidFill>
+              </a:defRPr>
+            </a:lvl6pPr>
+            <a:lvl7pPr marL="2743200" indent="0">
+              <a:buNone/>
+              <a:defRPr sz="1400">
+                <a:solidFill>
+                  <a:schemeClr val="tx1">
+                    <a:tint val="75000"/>
+                  </a:schemeClr>
+                </a:solidFill>
+              </a:defRPr>
+            </a:lvl7pPr>
+            <a:lvl8pPr marL="3200400" indent="0">
+              <a:buNone/>
+              <a:defRPr sz="1400">
+                <a:solidFill>
+                  <a:schemeClr val="tx1">
+                    <a:tint val="75000"/>
+                  </a:schemeClr>
+                </a:solidFill>
+              </a:defRPr>
+            </a:lvl8pPr>
+            <a:lvl9pPr marL="3657600" indent="0">
+              <a:buNone/>
+              <a:defRPr sz="1400">
+                <a:solidFill>
+                  <a:schemeClr val="tx1">
+                    <a:tint val="75000"/>
+                  </a:schemeClr>
+                </a:solidFill>
+              </a:defRPr>
+            </a:lvl9pPr>
+          </a:lstStyle>
+          <a:p>
+            <a:pPr lvl="0"/>
+            <a:r>
+              <a:rPr lang="en-US"/>
+              <a:t>Edit Master text styles</a:t>
+            </a:r>
+          </a:p>
+        </p:txBody>
+      </p:sp>
+      <p:sp>
+        <p:nvSpPr>
+          <p:cNvPr id="4" name="Date Placeholder 3"/>
+          <p:cNvSpPr>
+            <a:spLocks noGrp="1"/>
+          </p:cNvSpPr>
+          <p:nvPr>
+            <p:ph type="dt" sz="half" idx="10"/>
+          </p:nvPr>
+        </p:nvSpPr>
+        <p:spPr/>
+        <p:txBody>
+          <a:bodyPr/>
+          <a:lstStyle/>
+          <a:p>
+            <a:fld id="{A7C4B4EA-4E57-43B5-9E64-45E867927BA5}" type="datetimeFigureOut">
+              <a:rPr lang="en-US" smtClean="0"/>
+              <a:t>12/4/2016</a:t>
+            </a:fld>
+            <a:endParaRPr lang="en-US"/>
+          </a:p>
+        </p:txBody>
+      </p:sp>
+      <p:sp>
+        <p:nvSpPr>
+          <p:cNvPr id="5" name="Footer Placeholder 4"/>
+          <p:cNvSpPr>
+            <a:spLocks noGrp="1"/>
+          </p:cNvSpPr>
+          <p:nvPr>
+            <p:ph type="ftr" sz="quarter" idx="11"/>
+          </p:nvPr>
+        </p:nvSpPr>
+        <p:spPr/>
+        <p:txBody>
+          <a:bodyPr/>
+          <a:lstStyle/>
+          <a:p>
+            <a:endParaRPr lang="en-US"/>
+          </a:p>
+        </p:txBody>
+      </p:sp>
+      <p:sp>
+        <p:nvSpPr>
+          <p:cNvPr id="6" name="Slide Number Placeholder 5"/>
+          <p:cNvSpPr>
+            <a:spLocks noGrp="1"/>
+          </p:cNvSpPr>
+          <p:nvPr>
+            <p:ph type="sldNum" sz="quarter" idx="12"/>
+          </p:nvPr>
+        </p:nvSpPr>
+        <p:spPr/>
+        <p:txBody>
+          <a:bodyPr/>
+          <a:lstStyle/>
+          <a:p>
+            <a:fld id="{BA48A6BD-D825-4B17-801C-257A9666DBFE}" type="slidenum">
+              <a:rPr lang="en-US" smtClean="0"/>
+              <a:t>‹#›</a:t>
+            </a:fld>
+            <a:endParaRPr lang="en-US"/>
+          </a:p>
+        </p:txBody>
+      </p:sp>
+      <p:sp>
+        <p:nvSpPr>
+          <p:cNvPr id="20" name="TextBox 19"/>
+          <p:cNvSpPr txBox="1"/>
+          <p:nvPr/>
+        </p:nvSpPr>
+        <p:spPr>
+          <a:xfrm>
+            <a:off x="541870" y="790378"/>
+            <a:ext cx="609600" cy="584776"/>
+          </a:xfrm>
+          <a:prstGeom prst="rect">
+            <a:avLst/>
+          </a:prstGeom>
+        </p:spPr>
+        <p:txBody>
+          <a:bodyPr vert="horz" lIns="91440" tIns="45720" rIns="91440" bIns="45720" rtlCol="0" anchor="ctr">
+            <a:noAutofit/>
+          </a:bodyPr>
+          <a:lstStyle/>
+          <a:p>
+            <a:pPr lvl="0"/>
+            <a:r>
+              <a:rPr lang="en-US" sz="8000" baseline="0" dirty="0">
+                <a:ln w="3175" cmpd="sng">
+                  <a:noFill/>
+                </a:ln>
+                <a:solidFill>
+                  <a:schemeClr val="accent1">
+                    <a:lumMod val="60000"/>
+                    <a:lumOff val="40000"/>
+                  </a:schemeClr>
+                </a:solidFill>
+                <a:effectLst/>
+                <a:latin typeface="Arial"/>
+              </a:rPr>
+              <a:t>“</a:t>
+            </a:r>
+          </a:p>
+        </p:txBody>
+      </p:sp>
+      <p:sp>
+        <p:nvSpPr>
+          <p:cNvPr id="22" name="TextBox 21"/>
+          <p:cNvSpPr txBox="1"/>
+          <p:nvPr/>
+        </p:nvSpPr>
+        <p:spPr>
+          <a:xfrm>
+            <a:off x="8893011" y="2886556"/>
+            <a:ext cx="609600" cy="584776"/>
+          </a:xfrm>
+          <a:prstGeom prst="rect">
+            <a:avLst/>
+          </a:prstGeom>
+        </p:spPr>
+        <p:txBody>
+          <a:bodyPr vert="horz" lIns="91440" tIns="45720" rIns="91440" bIns="45720" rtlCol="0" anchor="ctr">
+            <a:noAutofit/>
+          </a:bodyPr>
+          <a:lstStyle/>
+          <a:p>
+            <a:pPr lvl="0"/>
+            <a:r>
+              <a:rPr lang="en-US" sz="8000" baseline="0" dirty="0">
+                <a:ln w="3175" cmpd="sng">
+                  <a:noFill/>
+                </a:ln>
+                <a:solidFill>
+                  <a:schemeClr val="accent1">
+                    <a:lumMod val="60000"/>
+                    <a:lumOff val="40000"/>
+                  </a:schemeClr>
+                </a:solidFill>
+                <a:latin typeface="Arial"/>
+              </a:rPr>
+              <a:t>”</a:t>
+            </a:r>
+            <a:endParaRPr lang="en-US" dirty="0">
+              <a:solidFill>
+                <a:schemeClr val="accent1">
+                  <a:lumMod val="60000"/>
+                  <a:lumOff val="40000"/>
+                </a:schemeClr>
+              </a:solidFill>
+              <a:latin typeface="Arial"/>
+            </a:endParaRPr>
+          </a:p>
+        </p:txBody>
+      </p:sp>
+    </p:spTree>
+    <p:extLst>
+      <p:ext uri="{BB962C8B-B14F-4D97-AF65-F5344CB8AC3E}">
+        <p14:creationId xmlns:p14="http://schemas.microsoft.com/office/powerpoint/2010/main" val="2919139573"/>
+      </p:ext>
+    </p:extLst>
+  </p:cSld>
+  <p:clrMapOvr>
+    <a:masterClrMapping/>
+  </p:clrMapOvr>
+</p:sldLayout>
+</file>
+
+<file path=ppt/slideLayouts/slideLayout12.xml><?xml version="1.0" encoding="utf-8"?>
+<p:sldLayout xmlns:a="http://schemas.openxmlformats.org/drawingml/2006/main" xmlns:r="http://schemas.openxmlformats.org/officeDocument/2006/relationships" xmlns:p="http://schemas.openxmlformats.org/presentationml/2006/main" preserve="1">
+  <p:cSld name="Name Card">
+    <p:spTree>
+      <p:nvGrpSpPr>
+        <p:cNvPr id="1" name=""/>
+        <p:cNvGrpSpPr/>
+        <p:nvPr/>
+      </p:nvGrpSpPr>
+      <p:grpSpPr>
+        <a:xfrm>
+          <a:off x="0" y="0"/>
+          <a:ext cx="0" cy="0"/>
+          <a:chOff x="0" y="0"/>
+          <a:chExt cx="0" cy="0"/>
+        </a:xfrm>
+      </p:grpSpPr>
+      <p:sp>
+        <p:nvSpPr>
+          <p:cNvPr id="2" name="Title 1"/>
+          <p:cNvSpPr>
+            <a:spLocks noGrp="1"/>
+          </p:cNvSpPr>
+          <p:nvPr>
+            <p:ph type="title"/>
+          </p:nvPr>
+        </p:nvSpPr>
+        <p:spPr>
+          <a:xfrm>
+            <a:off x="677335" y="1931988"/>
+            <a:ext cx="8596668" cy="2595460"/>
+          </a:xfrm>
+        </p:spPr>
+        <p:txBody>
+          <a:bodyPr anchor="b">
+            <a:normAutofit/>
+          </a:bodyPr>
+          <a:lstStyle>
+            <a:lvl1pPr algn="l">
+              <a:defRPr sz="4400" b="0" cap="none"/>
+            </a:lvl1pPr>
+          </a:lstStyle>
+          <a:p>
+            <a:r>
+              <a:rPr lang="en-US"/>
+              <a:t>Click to edit Master title style</a:t>
+            </a:r>
+            <a:endParaRPr lang="en-US" dirty="0"/>
+          </a:p>
+        </p:txBody>
+      </p:sp>
+      <p:sp>
+        <p:nvSpPr>
+          <p:cNvPr id="3" name="Text Placeholder 2"/>
+          <p:cNvSpPr>
+            <a:spLocks noGrp="1"/>
+          </p:cNvSpPr>
+          <p:nvPr>
+            <p:ph type="body" idx="1"/>
+          </p:nvPr>
+        </p:nvSpPr>
+        <p:spPr>
+          <a:xfrm>
+            <a:off x="677335" y="4527448"/>
+            <a:ext cx="8596668" cy="1513914"/>
+          </a:xfrm>
+        </p:spPr>
+        <p:txBody>
+          <a:bodyPr anchor="t">
+            <a:normAutofit/>
+          </a:bodyPr>
+          <a:lstStyle>
+            <a:lvl1pPr marL="0" indent="0" algn="l">
+              <a:buNone/>
+              <a:defRPr sz="1800">
+                <a:solidFill>
+                  <a:schemeClr val="tx1">
+                    <a:lumMod val="75000"/>
+                    <a:lumOff val="25000"/>
+                  </a:schemeClr>
+                </a:solidFill>
+              </a:defRPr>
+            </a:lvl1pPr>
+            <a:lvl2pPr marL="457200" indent="0">
+              <a:buNone/>
+              <a:defRPr sz="1800">
+                <a:solidFill>
+                  <a:schemeClr val="tx1">
+                    <a:tint val="75000"/>
+                  </a:schemeClr>
+                </a:solidFill>
+              </a:defRPr>
+            </a:lvl2pPr>
+            <a:lvl3pPr marL="914400" indent="0">
+              <a:buNone/>
+              <a:defRPr sz="1600">
+                <a:solidFill>
+                  <a:schemeClr val="tx1">
+                    <a:tint val="75000"/>
+                  </a:schemeClr>
+                </a:solidFill>
+              </a:defRPr>
+            </a:lvl3pPr>
+            <a:lvl4pPr marL="1371600" indent="0">
+              <a:buNone/>
+              <a:defRPr sz="1400">
+                <a:solidFill>
+                  <a:schemeClr val="tx1">
+                    <a:tint val="75000"/>
+                  </a:schemeClr>
+                </a:solidFill>
+              </a:defRPr>
+            </a:lvl4pPr>
+            <a:lvl5pPr marL="1828800" indent="0">
+              <a:buNone/>
+              <a:defRPr sz="1400">
+                <a:solidFill>
+                  <a:schemeClr val="tx1">
+                    <a:tint val="75000"/>
+                  </a:schemeClr>
+                </a:solidFill>
+              </a:defRPr>
+            </a:lvl5pPr>
+            <a:lvl6pPr marL="2286000" indent="0">
+              <a:buNone/>
+              <a:defRPr sz="1400">
+                <a:solidFill>
+                  <a:schemeClr val="tx1">
+                    <a:tint val="75000"/>
+                  </a:schemeClr>
+                </a:solidFill>
+              </a:defRPr>
+            </a:lvl6pPr>
+            <a:lvl7pPr marL="2743200" indent="0">
+              <a:buNone/>
+              <a:defRPr sz="1400">
+                <a:solidFill>
+                  <a:schemeClr val="tx1">
+                    <a:tint val="75000"/>
+                  </a:schemeClr>
+                </a:solidFill>
+              </a:defRPr>
+            </a:lvl7pPr>
+            <a:lvl8pPr marL="3200400" indent="0">
+              <a:buNone/>
+              <a:defRPr sz="1400">
+                <a:solidFill>
+                  <a:schemeClr val="tx1">
+                    <a:tint val="75000"/>
+                  </a:schemeClr>
+                </a:solidFill>
+              </a:defRPr>
+            </a:lvl8pPr>
+            <a:lvl9pPr marL="3657600" indent="0">
+              <a:buNone/>
+              <a:defRPr sz="1400">
+                <a:solidFill>
+                  <a:schemeClr val="tx1">
+                    <a:tint val="75000"/>
+                  </a:schemeClr>
+                </a:solidFill>
+              </a:defRPr>
+            </a:lvl9pPr>
+          </a:lstStyle>
+          <a:p>
+            <a:pPr lvl="0"/>
+            <a:r>
+              <a:rPr lang="en-US"/>
+              <a:t>Edit Master text styles</a:t>
+            </a:r>
+          </a:p>
+        </p:txBody>
+      </p:sp>
+      <p:sp>
+        <p:nvSpPr>
+          <p:cNvPr id="4" name="Date Placeholder 3"/>
+          <p:cNvSpPr>
+            <a:spLocks noGrp="1"/>
+          </p:cNvSpPr>
+          <p:nvPr>
+            <p:ph type="dt" sz="half" idx="10"/>
+          </p:nvPr>
+        </p:nvSpPr>
+        <p:spPr/>
+        <p:txBody>
+          <a:bodyPr/>
+          <a:lstStyle/>
+          <a:p>
+            <a:fld id="{A7C4B4EA-4E57-43B5-9E64-45E867927BA5}" type="datetimeFigureOut">
+              <a:rPr lang="en-US" smtClean="0"/>
+              <a:t>12/4/2016</a:t>
+            </a:fld>
+            <a:endParaRPr lang="en-US"/>
+          </a:p>
+        </p:txBody>
+      </p:sp>
+      <p:sp>
+        <p:nvSpPr>
+          <p:cNvPr id="5" name="Footer Placeholder 4"/>
+          <p:cNvSpPr>
+            <a:spLocks noGrp="1"/>
+          </p:cNvSpPr>
+          <p:nvPr>
+            <p:ph type="ftr" sz="quarter" idx="11"/>
+          </p:nvPr>
+        </p:nvSpPr>
+        <p:spPr/>
+        <p:txBody>
+          <a:bodyPr/>
+          <a:lstStyle/>
+          <a:p>
+            <a:endParaRPr lang="en-US"/>
+          </a:p>
+        </p:txBody>
+      </p:sp>
+      <p:sp>
+        <p:nvSpPr>
+          <p:cNvPr id="6" name="Slide Number Placeholder 5"/>
+          <p:cNvSpPr>
+            <a:spLocks noGrp="1"/>
+          </p:cNvSpPr>
+          <p:nvPr>
+            <p:ph type="sldNum" sz="quarter" idx="12"/>
+          </p:nvPr>
+        </p:nvSpPr>
+        <p:spPr/>
+        <p:txBody>
+          <a:bodyPr/>
+          <a:lstStyle/>
+          <a:p>
+            <a:fld id="{BA48A6BD-D825-4B17-801C-257A9666DBFE}" type="slidenum">
+              <a:rPr lang="en-US" smtClean="0"/>
+              <a:t>‹#›</a:t>
+            </a:fld>
+            <a:endParaRPr lang="en-US"/>
+          </a:p>
+        </p:txBody>
+      </p:sp>
+    </p:spTree>
+    <p:extLst>
+      <p:ext uri="{BB962C8B-B14F-4D97-AF65-F5344CB8AC3E}">
+        <p14:creationId xmlns:p14="http://schemas.microsoft.com/office/powerpoint/2010/main" val="2923431479"/>
+      </p:ext>
+    </p:extLst>
+  </p:cSld>
+  <p:clrMapOvr>
+    <a:masterClrMapping/>
+  </p:clrMapOvr>
+</p:sldLayout>
+</file>
+
+<file path=ppt/slideLayouts/slideLayout13.xml><?xml version="1.0" encoding="utf-8"?>
+<p:sldLayout xmlns:a="http://schemas.openxmlformats.org/drawingml/2006/main" xmlns:r="http://schemas.openxmlformats.org/officeDocument/2006/relationships" xmlns:p="http://schemas.openxmlformats.org/presentationml/2006/main" preserve="1">
+  <p:cSld name="Quote Name Card">
+    <p:spTree>
+      <p:nvGrpSpPr>
+        <p:cNvPr id="1" name=""/>
+        <p:cNvGrpSpPr/>
+        <p:nvPr/>
+      </p:nvGrpSpPr>
+      <p:grpSpPr>
+        <a:xfrm>
+          <a:off x="0" y="0"/>
+          <a:ext cx="0" cy="0"/>
+          <a:chOff x="0" y="0"/>
+          <a:chExt cx="0" cy="0"/>
+        </a:xfrm>
+      </p:grpSpPr>
+      <p:sp>
+        <p:nvSpPr>
+          <p:cNvPr id="2" name="Title 1"/>
+          <p:cNvSpPr>
+            <a:spLocks noGrp="1"/>
+          </p:cNvSpPr>
+          <p:nvPr>
+            <p:ph type="title"/>
+          </p:nvPr>
+        </p:nvSpPr>
+        <p:spPr>
+          <a:xfrm>
+            <a:off x="931334" y="609600"/>
+            <a:ext cx="8094134" cy="3022600"/>
+          </a:xfrm>
+        </p:spPr>
+        <p:txBody>
+          <a:bodyPr anchor="ctr">
+            <a:normAutofit/>
+          </a:bodyPr>
+          <a:lstStyle>
+            <a:lvl1pPr algn="l">
+              <a:defRPr sz="4400" b="0" cap="none"/>
+            </a:lvl1pPr>
+          </a:lstStyle>
+          <a:p>
+            <a:r>
+              <a:rPr lang="en-US"/>
+              <a:t>Click to edit Master title style</a:t>
+            </a:r>
+            <a:endParaRPr lang="en-US" dirty="0"/>
+          </a:p>
+        </p:txBody>
+      </p:sp>
+      <p:sp>
+        <p:nvSpPr>
+          <p:cNvPr id="23" name="Text Placeholder 9"/>
+          <p:cNvSpPr>
+            <a:spLocks noGrp="1"/>
+          </p:cNvSpPr>
+          <p:nvPr>
+            <p:ph type="body" sz="quarter" idx="13"/>
+          </p:nvPr>
+        </p:nvSpPr>
+        <p:spPr>
+          <a:xfrm>
+            <a:off x="677332" y="4013200"/>
+            <a:ext cx="8596669" cy="514248"/>
+          </a:xfrm>
+        </p:spPr>
+        <p:txBody>
+          <a:bodyPr anchor="b">
+            <a:noAutofit/>
+          </a:bodyPr>
+          <a:lstStyle>
+            <a:lvl1pPr marL="0" indent="0">
+              <a:buFontTx/>
+              <a:buNone/>
+              <a:defRPr sz="2400">
+                <a:solidFill>
+                  <a:schemeClr val="tx1">
+                    <a:lumMod val="75000"/>
+                    <a:lumOff val="25000"/>
+                  </a:schemeClr>
+                </a:solidFill>
+              </a:defRPr>
+            </a:lvl1pPr>
+            <a:lvl2pPr marL="457200" indent="0">
+              <a:buFontTx/>
+              <a:buNone/>
+              <a:defRPr/>
+            </a:lvl2pPr>
+            <a:lvl3pPr marL="914400" indent="0">
+              <a:buFontTx/>
+              <a:buNone/>
+              <a:defRPr/>
+            </a:lvl3pPr>
+            <a:lvl4pPr marL="1371600" indent="0">
+              <a:buFontTx/>
+              <a:buNone/>
+              <a:defRPr/>
+            </a:lvl4pPr>
+            <a:lvl5pPr marL="1828800" indent="0">
+              <a:buFontTx/>
+              <a:buNone/>
+              <a:defRPr/>
+            </a:lvl5pPr>
+          </a:lstStyle>
+          <a:p>
+            <a:pPr lvl="0"/>
+            <a:r>
+              <a:rPr lang="en-US"/>
+              <a:t>Edit Master text styles</a:t>
+            </a:r>
+          </a:p>
+        </p:txBody>
+      </p:sp>
+      <p:sp>
+        <p:nvSpPr>
+          <p:cNvPr id="3" name="Text Placeholder 2"/>
+          <p:cNvSpPr>
+            <a:spLocks noGrp="1"/>
+          </p:cNvSpPr>
+          <p:nvPr>
+            <p:ph type="body" idx="1"/>
+          </p:nvPr>
+        </p:nvSpPr>
+        <p:spPr>
+          <a:xfrm>
+            <a:off x="677335" y="4527448"/>
+            <a:ext cx="8596668" cy="1513914"/>
+          </a:xfrm>
+        </p:spPr>
+        <p:txBody>
+          <a:bodyPr anchor="t">
+            <a:normAutofit/>
+          </a:bodyPr>
+          <a:lstStyle>
+            <a:lvl1pPr marL="0" indent="0" algn="l">
+              <a:buNone/>
+              <a:defRPr sz="1800">
+                <a:solidFill>
+                  <a:schemeClr val="tx1">
+                    <a:lumMod val="50000"/>
+                    <a:lumOff val="50000"/>
+                  </a:schemeClr>
+                </a:solidFill>
+              </a:defRPr>
+            </a:lvl1pPr>
+            <a:lvl2pPr marL="457200" indent="0">
+              <a:buNone/>
+              <a:defRPr sz="1800">
+                <a:solidFill>
+                  <a:schemeClr val="tx1">
+                    <a:tint val="75000"/>
+                  </a:schemeClr>
+                </a:solidFill>
+              </a:defRPr>
+            </a:lvl2pPr>
+            <a:lvl3pPr marL="914400" indent="0">
+              <a:buNone/>
+              <a:defRPr sz="1600">
+                <a:solidFill>
+                  <a:schemeClr val="tx1">
+                    <a:tint val="75000"/>
+                  </a:schemeClr>
+                </a:solidFill>
+              </a:defRPr>
+            </a:lvl3pPr>
+            <a:lvl4pPr marL="1371600" indent="0">
+              <a:buNone/>
+              <a:defRPr sz="1400">
+                <a:solidFill>
+                  <a:schemeClr val="tx1">
+                    <a:tint val="75000"/>
+                  </a:schemeClr>
+                </a:solidFill>
+              </a:defRPr>
+            </a:lvl4pPr>
+            <a:lvl5pPr marL="1828800" indent="0">
+              <a:buNone/>
+              <a:defRPr sz="1400">
+                <a:solidFill>
+                  <a:schemeClr val="tx1">
+                    <a:tint val="75000"/>
+                  </a:schemeClr>
+                </a:solidFill>
+              </a:defRPr>
+            </a:lvl5pPr>
+            <a:lvl6pPr marL="2286000" indent="0">
+              <a:buNone/>
+              <a:defRPr sz="1400">
+                <a:solidFill>
+                  <a:schemeClr val="tx1">
+                    <a:tint val="75000"/>
+                  </a:schemeClr>
+                </a:solidFill>
+              </a:defRPr>
+            </a:lvl6pPr>
+            <a:lvl7pPr marL="2743200" indent="0">
+              <a:buNone/>
+              <a:defRPr sz="1400">
+                <a:solidFill>
+                  <a:schemeClr val="tx1">
+                    <a:tint val="75000"/>
+                  </a:schemeClr>
+                </a:solidFill>
+              </a:defRPr>
+            </a:lvl7pPr>
+            <a:lvl8pPr marL="3200400" indent="0">
+              <a:buNone/>
+              <a:defRPr sz="1400">
+                <a:solidFill>
+                  <a:schemeClr val="tx1">
+                    <a:tint val="75000"/>
+                  </a:schemeClr>
+                </a:solidFill>
+              </a:defRPr>
+            </a:lvl8pPr>
+            <a:lvl9pPr marL="3657600" indent="0">
+              <a:buNone/>
+              <a:defRPr sz="1400">
+                <a:solidFill>
+                  <a:schemeClr val="tx1">
+                    <a:tint val="75000"/>
+                  </a:schemeClr>
+                </a:solidFill>
+              </a:defRPr>
+            </a:lvl9pPr>
+          </a:lstStyle>
+          <a:p>
+            <a:pPr lvl="0"/>
+            <a:r>
+              <a:rPr lang="en-US"/>
+              <a:t>Edit Master text styles</a:t>
+            </a:r>
+          </a:p>
+        </p:txBody>
+      </p:sp>
+      <p:sp>
+        <p:nvSpPr>
+          <p:cNvPr id="4" name="Date Placeholder 3"/>
+          <p:cNvSpPr>
+            <a:spLocks noGrp="1"/>
+          </p:cNvSpPr>
+          <p:nvPr>
+            <p:ph type="dt" sz="half" idx="10"/>
+          </p:nvPr>
+        </p:nvSpPr>
+        <p:spPr/>
+        <p:txBody>
+          <a:bodyPr/>
+          <a:lstStyle/>
+          <a:p>
+            <a:fld id="{A7C4B4EA-4E57-43B5-9E64-45E867927BA5}" type="datetimeFigureOut">
+              <a:rPr lang="en-US" smtClean="0"/>
+              <a:t>12/4/2016</a:t>
+            </a:fld>
+            <a:endParaRPr lang="en-US"/>
+          </a:p>
+        </p:txBody>
+      </p:sp>
+      <p:sp>
+        <p:nvSpPr>
+          <p:cNvPr id="5" name="Footer Placeholder 4"/>
+          <p:cNvSpPr>
+            <a:spLocks noGrp="1"/>
+          </p:cNvSpPr>
+          <p:nvPr>
+            <p:ph type="ftr" sz="quarter" idx="11"/>
+          </p:nvPr>
+        </p:nvSpPr>
+        <p:spPr/>
+        <p:txBody>
+          <a:bodyPr/>
+          <a:lstStyle/>
+          <a:p>
+            <a:endParaRPr lang="en-US"/>
+          </a:p>
+        </p:txBody>
+      </p:sp>
+      <p:sp>
+        <p:nvSpPr>
+          <p:cNvPr id="6" name="Slide Number Placeholder 5"/>
+          <p:cNvSpPr>
+            <a:spLocks noGrp="1"/>
+          </p:cNvSpPr>
+          <p:nvPr>
+            <p:ph type="sldNum" sz="quarter" idx="12"/>
+          </p:nvPr>
+        </p:nvSpPr>
+        <p:spPr/>
+        <p:txBody>
+          <a:bodyPr/>
+          <a:lstStyle/>
+          <a:p>
+            <a:fld id="{BA48A6BD-D825-4B17-801C-257A9666DBFE}" type="slidenum">
+              <a:rPr lang="en-US" smtClean="0"/>
+              <a:t>‹#›</a:t>
+            </a:fld>
+            <a:endParaRPr lang="en-US"/>
+          </a:p>
+        </p:txBody>
+      </p:sp>
+      <p:sp>
+        <p:nvSpPr>
+          <p:cNvPr id="24" name="TextBox 23"/>
+          <p:cNvSpPr txBox="1"/>
+          <p:nvPr/>
+        </p:nvSpPr>
+        <p:spPr>
+          <a:xfrm>
+            <a:off x="541870" y="790378"/>
+            <a:ext cx="609600" cy="584776"/>
+          </a:xfrm>
+          <a:prstGeom prst="rect">
+            <a:avLst/>
+          </a:prstGeom>
+        </p:spPr>
+        <p:txBody>
+          <a:bodyPr vert="horz" lIns="91440" tIns="45720" rIns="91440" bIns="45720" rtlCol="0" anchor="ctr">
+            <a:noAutofit/>
+          </a:bodyPr>
+          <a:lstStyle/>
+          <a:p>
+            <a:pPr lvl="0"/>
+            <a:r>
+              <a:rPr lang="en-US" sz="8000" baseline="0" dirty="0">
+                <a:ln w="3175" cmpd="sng">
+                  <a:noFill/>
+                </a:ln>
+                <a:solidFill>
+                  <a:schemeClr val="accent1">
+                    <a:lumMod val="60000"/>
+                    <a:lumOff val="40000"/>
+                  </a:schemeClr>
+                </a:solidFill>
+                <a:effectLst/>
+                <a:latin typeface="Arial"/>
+              </a:rPr>
+              <a:t>“</a:t>
+            </a:r>
+          </a:p>
+        </p:txBody>
+      </p:sp>
+      <p:sp>
+        <p:nvSpPr>
+          <p:cNvPr id="25" name="TextBox 24"/>
+          <p:cNvSpPr txBox="1"/>
+          <p:nvPr/>
+        </p:nvSpPr>
+        <p:spPr>
+          <a:xfrm>
+            <a:off x="8893011" y="2886556"/>
+            <a:ext cx="609600" cy="584776"/>
+          </a:xfrm>
+          <a:prstGeom prst="rect">
+            <a:avLst/>
+          </a:prstGeom>
+        </p:spPr>
+        <p:txBody>
+          <a:bodyPr vert="horz" lIns="91440" tIns="45720" rIns="91440" bIns="45720" rtlCol="0" anchor="ctr">
+            <a:noAutofit/>
+          </a:bodyPr>
+          <a:lstStyle/>
+          <a:p>
+            <a:pPr lvl="0"/>
+            <a:r>
+              <a:rPr lang="en-US" sz="8000" baseline="0" dirty="0">
+                <a:ln w="3175" cmpd="sng">
+                  <a:noFill/>
+                </a:ln>
+                <a:solidFill>
+                  <a:schemeClr val="accent1">
+                    <a:lumMod val="60000"/>
+                    <a:lumOff val="40000"/>
+                  </a:schemeClr>
+                </a:solidFill>
+                <a:effectLst/>
+                <a:latin typeface="Arial"/>
+              </a:rPr>
+              <a:t>”</a:t>
+            </a:r>
+          </a:p>
+        </p:txBody>
+      </p:sp>
+    </p:spTree>
+    <p:extLst>
+      <p:ext uri="{BB962C8B-B14F-4D97-AF65-F5344CB8AC3E}">
+        <p14:creationId xmlns:p14="http://schemas.microsoft.com/office/powerpoint/2010/main" val="4043544173"/>
+      </p:ext>
+    </p:extLst>
+  </p:cSld>
+  <p:clrMapOvr>
+    <a:masterClrMapping/>
+  </p:clrMapOvr>
+</p:sldLayout>
+</file>
+
+<file path=ppt/slideLayouts/slideLayout14.xml><?xml version="1.0" encoding="utf-8"?>
+<p:sldLayout xmlns:a="http://schemas.openxmlformats.org/drawingml/2006/main" xmlns:r="http://schemas.openxmlformats.org/officeDocument/2006/relationships" xmlns:p="http://schemas.openxmlformats.org/presentationml/2006/main" preserve="1">
+  <p:cSld name="True or False">
+    <p:spTree>
+      <p:nvGrpSpPr>
+        <p:cNvPr id="1" name=""/>
+        <p:cNvGrpSpPr/>
+        <p:nvPr/>
+      </p:nvGrpSpPr>
+      <p:grpSpPr>
+        <a:xfrm>
+          <a:off x="0" y="0"/>
+          <a:ext cx="0" cy="0"/>
+          <a:chOff x="0" y="0"/>
+          <a:chExt cx="0" cy="0"/>
+        </a:xfrm>
+      </p:grpSpPr>
+      <p:sp>
+        <p:nvSpPr>
+          <p:cNvPr id="2" name="Title 1"/>
+          <p:cNvSpPr>
+            <a:spLocks noGrp="1"/>
+          </p:cNvSpPr>
+          <p:nvPr>
+            <p:ph type="title"/>
+          </p:nvPr>
+        </p:nvSpPr>
+        <p:spPr>
+          <a:xfrm>
+            <a:off x="685799" y="609600"/>
+            <a:ext cx="8588203" cy="3022600"/>
+          </a:xfrm>
+        </p:spPr>
+        <p:txBody>
+          <a:bodyPr anchor="ctr">
+            <a:normAutofit/>
+          </a:bodyPr>
+          <a:lstStyle>
+            <a:lvl1pPr algn="l">
+              <a:defRPr sz="4400" b="0" cap="none"/>
+            </a:lvl1pPr>
+          </a:lstStyle>
+          <a:p>
+            <a:r>
+              <a:rPr lang="en-US"/>
+              <a:t>Click to edit Master title style</a:t>
+            </a:r>
+            <a:endParaRPr lang="en-US" dirty="0"/>
+          </a:p>
+        </p:txBody>
+      </p:sp>
+      <p:sp>
+        <p:nvSpPr>
+          <p:cNvPr id="23" name="Text Placeholder 9"/>
+          <p:cNvSpPr>
+            <a:spLocks noGrp="1"/>
+          </p:cNvSpPr>
+          <p:nvPr>
+            <p:ph type="body" sz="quarter" idx="13"/>
+          </p:nvPr>
+        </p:nvSpPr>
+        <p:spPr>
+          <a:xfrm>
+            <a:off x="677332" y="4013200"/>
+            <a:ext cx="8596669" cy="514248"/>
+          </a:xfrm>
+        </p:spPr>
+        <p:txBody>
+          <a:bodyPr anchor="b">
+            <a:noAutofit/>
+          </a:bodyPr>
+          <a:lstStyle>
+            <a:lvl1pPr marL="0" indent="0">
+              <a:buFontTx/>
+              <a:buNone/>
+              <a:defRPr sz="2400">
+                <a:solidFill>
+                  <a:schemeClr val="accent1"/>
+                </a:solidFill>
+              </a:defRPr>
+            </a:lvl1pPr>
+            <a:lvl2pPr marL="457200" indent="0">
+              <a:buFontTx/>
+              <a:buNone/>
+              <a:defRPr/>
+            </a:lvl2pPr>
+            <a:lvl3pPr marL="914400" indent="0">
+              <a:buFontTx/>
+              <a:buNone/>
+              <a:defRPr/>
+            </a:lvl3pPr>
+            <a:lvl4pPr marL="1371600" indent="0">
+              <a:buFontTx/>
+              <a:buNone/>
+              <a:defRPr/>
+            </a:lvl4pPr>
+            <a:lvl5pPr marL="1828800" indent="0">
+              <a:buFontTx/>
+              <a:buNone/>
+              <a:defRPr/>
+            </a:lvl5pPr>
+          </a:lstStyle>
+          <a:p>
+            <a:pPr lvl="0"/>
+            <a:r>
+              <a:rPr lang="en-US"/>
+              <a:t>Edit Master text styles</a:t>
+            </a:r>
+          </a:p>
+        </p:txBody>
+      </p:sp>
+      <p:sp>
+        <p:nvSpPr>
+          <p:cNvPr id="3" name="Text Placeholder 2"/>
+          <p:cNvSpPr>
+            <a:spLocks noGrp="1"/>
+          </p:cNvSpPr>
+          <p:nvPr>
+            <p:ph type="body" idx="1"/>
+          </p:nvPr>
+        </p:nvSpPr>
+        <p:spPr>
+          <a:xfrm>
+            <a:off x="677335" y="4527448"/>
+            <a:ext cx="8596668" cy="1513914"/>
+          </a:xfrm>
+        </p:spPr>
+        <p:txBody>
+          <a:bodyPr anchor="t">
+            <a:normAutofit/>
+          </a:bodyPr>
+          <a:lstStyle>
+            <a:lvl1pPr marL="0" indent="0" algn="l">
+              <a:buNone/>
+              <a:defRPr sz="1800">
+                <a:solidFill>
+                  <a:schemeClr val="tx1">
+                    <a:lumMod val="50000"/>
+                    <a:lumOff val="50000"/>
+                  </a:schemeClr>
+                </a:solidFill>
+              </a:defRPr>
+            </a:lvl1pPr>
+            <a:lvl2pPr marL="457200" indent="0">
+              <a:buNone/>
+              <a:defRPr sz="1800">
+                <a:solidFill>
+                  <a:schemeClr val="tx1">
+                    <a:tint val="75000"/>
+                  </a:schemeClr>
+                </a:solidFill>
+              </a:defRPr>
+            </a:lvl2pPr>
+            <a:lvl3pPr marL="914400" indent="0">
+              <a:buNone/>
+              <a:defRPr sz="1600">
+                <a:solidFill>
+                  <a:schemeClr val="tx1">
+                    <a:tint val="75000"/>
+                  </a:schemeClr>
+                </a:solidFill>
+              </a:defRPr>
+            </a:lvl3pPr>
+            <a:lvl4pPr marL="1371600" indent="0">
+              <a:buNone/>
+              <a:defRPr sz="1400">
+                <a:solidFill>
+                  <a:schemeClr val="tx1">
+                    <a:tint val="75000"/>
+                  </a:schemeClr>
+                </a:solidFill>
+              </a:defRPr>
+            </a:lvl4pPr>
+            <a:lvl5pPr marL="1828800" indent="0">
+              <a:buNone/>
+              <a:defRPr sz="1400">
+                <a:solidFill>
+                  <a:schemeClr val="tx1">
+                    <a:tint val="75000"/>
+                  </a:schemeClr>
+                </a:solidFill>
+              </a:defRPr>
+            </a:lvl5pPr>
+            <a:lvl6pPr marL="2286000" indent="0">
+              <a:buNone/>
+              <a:defRPr sz="1400">
+                <a:solidFill>
+                  <a:schemeClr val="tx1">
+                    <a:tint val="75000"/>
+                  </a:schemeClr>
+                </a:solidFill>
+              </a:defRPr>
+            </a:lvl6pPr>
+            <a:lvl7pPr marL="2743200" indent="0">
+              <a:buNone/>
+              <a:defRPr sz="1400">
+                <a:solidFill>
+                  <a:schemeClr val="tx1">
+                    <a:tint val="75000"/>
+                  </a:schemeClr>
+                </a:solidFill>
+              </a:defRPr>
+            </a:lvl7pPr>
+            <a:lvl8pPr marL="3200400" indent="0">
+              <a:buNone/>
+              <a:defRPr sz="1400">
+                <a:solidFill>
+                  <a:schemeClr val="tx1">
+                    <a:tint val="75000"/>
+                  </a:schemeClr>
+                </a:solidFill>
+              </a:defRPr>
+            </a:lvl8pPr>
+            <a:lvl9pPr marL="3657600" indent="0">
+              <a:buNone/>
+              <a:defRPr sz="1400">
+                <a:solidFill>
+                  <a:schemeClr val="tx1">
+                    <a:tint val="75000"/>
+                  </a:schemeClr>
+                </a:solidFill>
+              </a:defRPr>
+            </a:lvl9pPr>
+          </a:lstStyle>
+          <a:p>
+            <a:pPr lvl="0"/>
+            <a:r>
+              <a:rPr lang="en-US"/>
+              <a:t>Edit Master text styles</a:t>
+            </a:r>
+          </a:p>
+        </p:txBody>
+      </p:sp>
+      <p:sp>
+        <p:nvSpPr>
+          <p:cNvPr id="4" name="Date Placeholder 3"/>
+          <p:cNvSpPr>
+            <a:spLocks noGrp="1"/>
+          </p:cNvSpPr>
+          <p:nvPr>
+            <p:ph type="dt" sz="half" idx="10"/>
+          </p:nvPr>
+        </p:nvSpPr>
+        <p:spPr/>
+        <p:txBody>
+          <a:bodyPr/>
+          <a:lstStyle/>
+          <a:p>
+            <a:fld id="{A7C4B4EA-4E57-43B5-9E64-45E867927BA5}" type="datetimeFigureOut">
+              <a:rPr lang="en-US" smtClean="0"/>
+              <a:t>12/4/2016</a:t>
+            </a:fld>
+            <a:endParaRPr lang="en-US"/>
+          </a:p>
+        </p:txBody>
+      </p:sp>
+      <p:sp>
+        <p:nvSpPr>
+          <p:cNvPr id="5" name="Footer Placeholder 4"/>
+          <p:cNvSpPr>
+            <a:spLocks noGrp="1"/>
+          </p:cNvSpPr>
+          <p:nvPr>
+            <p:ph type="ftr" sz="quarter" idx="11"/>
+          </p:nvPr>
+        </p:nvSpPr>
+        <p:spPr/>
+        <p:txBody>
+          <a:bodyPr/>
+          <a:lstStyle/>
+          <a:p>
+            <a:endParaRPr lang="en-US"/>
+          </a:p>
+        </p:txBody>
+      </p:sp>
+      <p:sp>
+        <p:nvSpPr>
+          <p:cNvPr id="6" name="Slide Number Placeholder 5"/>
+          <p:cNvSpPr>
+            <a:spLocks noGrp="1"/>
+          </p:cNvSpPr>
+          <p:nvPr>
+            <p:ph type="sldNum" sz="quarter" idx="12"/>
+          </p:nvPr>
+        </p:nvSpPr>
+        <p:spPr/>
+        <p:txBody>
+          <a:bodyPr/>
+          <a:lstStyle/>
+          <a:p>
+            <a:fld id="{BA48A6BD-D825-4B17-801C-257A9666DBFE}" type="slidenum">
+              <a:rPr lang="en-US" smtClean="0"/>
+              <a:t>‹#›</a:t>
+            </a:fld>
+            <a:endParaRPr lang="en-US"/>
+          </a:p>
+        </p:txBody>
+      </p:sp>
+    </p:spTree>
+    <p:extLst>
+      <p:ext uri="{BB962C8B-B14F-4D97-AF65-F5344CB8AC3E}">
+        <p14:creationId xmlns:p14="http://schemas.microsoft.com/office/powerpoint/2010/main" val="2559029062"/>
+      </p:ext>
+    </p:extLst>
+  </p:cSld>
+  <p:clrMapOvr>
+    <a:masterClrMapping/>
+  </p:clrMapOvr>
+</p:sldLayout>
+</file>
+
+<file path=ppt/slideLayouts/slideLayout15.xml><?xml version="1.0" encoding="utf-8"?>
 <p:sldLayout xmlns:a="http://schemas.openxmlformats.org/drawingml/2006/main" xmlns:r="http://schemas.openxmlformats.org/officeDocument/2006/relationships" xmlns:p="http://schemas.openxmlformats.org/presentationml/2006/main" type="vertTx" preserve="1">
   <p:cSld name="Title and Vertical Text">
     <p:spTree>
@@ -342,10 +2553,10 @@
           <a:lstStyle/>
           <a:p>
             <a:r>
-              <a:rPr lang="en-US" smtClean="0"/>
+              <a:rPr lang="en-US"/>
               <a:t>Click to edit Master title style</a:t>
             </a:r>
-            <a:endParaRPr lang="en-US"/>
+            <a:endParaRPr lang="en-US" dirty="0"/>
           </a:p>
         </p:txBody>
       </p:sp>
@@ -366,38 +2577,38 @@
           <a:p>
             <a:pPr lvl="0"/>
             <a:r>
-              <a:rPr lang="en-US" smtClean="0"/>
+              <a:rPr lang="en-US"/>
               <a:t>Edit Master text styles</a:t>
             </a:r>
           </a:p>
           <a:p>
             <a:pPr lvl="1"/>
             <a:r>
-              <a:rPr lang="en-US" smtClean="0"/>
+              <a:rPr lang="en-US"/>
               <a:t>Second level</a:t>
             </a:r>
           </a:p>
           <a:p>
             <a:pPr lvl="2"/>
             <a:r>
-              <a:rPr lang="en-US" smtClean="0"/>
+              <a:rPr lang="en-US"/>
               <a:t>Third level</a:t>
             </a:r>
           </a:p>
           <a:p>
             <a:pPr lvl="3"/>
             <a:r>
-              <a:rPr lang="en-US" smtClean="0"/>
+              <a:rPr lang="en-US"/>
               <a:t>Fourth level</a:t>
             </a:r>
           </a:p>
           <a:p>
             <a:pPr lvl="4"/>
             <a:r>
-              <a:rPr lang="en-US" smtClean="0"/>
+              <a:rPr lang="en-US"/>
               <a:t>Fifth level</a:t>
             </a:r>
-            <a:endParaRPr lang="en-US"/>
+            <a:endParaRPr lang="en-US" dirty="0"/>
           </a:p>
         </p:txBody>
       </p:sp>
@@ -418,7 +2629,7 @@
           <a:p>
             <a:fld id="{A7C4B4EA-4E57-43B5-9E64-45E867927BA5}" type="datetimeFigureOut">
               <a:rPr lang="en-US" smtClean="0"/>
-              <a:t>11/11/2016</a:t>
+              <a:t>12/4/2016</a:t>
             </a:fld>
             <a:endParaRPr lang="en-US"/>
           </a:p>
@@ -469,7 +2680,7 @@
     </p:spTree>
     <p:extLst>
       <p:ext uri="{BB962C8B-B14F-4D97-AF65-F5344CB8AC3E}">
-        <p14:creationId xmlns:p14="http://schemas.microsoft.com/office/powerpoint/2010/main" val="1989494544"/>
+        <p14:creationId xmlns:p14="http://schemas.microsoft.com/office/powerpoint/2010/main" val="2325647836"/>
       </p:ext>
     </p:extLst>
   </p:cSld>
@@ -479,7 +2690,7 @@
 </p:sldLayout>
 </file>
 
-<file path=ppt/slideLayouts/slideLayout11.xml><?xml version="1.0" encoding="utf-8"?>
+<file path=ppt/slideLayouts/slideLayout16.xml><?xml version="1.0" encoding="utf-8"?>
 <p:sldLayout xmlns:a="http://schemas.openxmlformats.org/drawingml/2006/main" xmlns:r="http://schemas.openxmlformats.org/officeDocument/2006/relationships" xmlns:p="http://schemas.openxmlformats.org/presentationml/2006/main" type="vertTitleAndTx" preserve="1">
   <p:cSld name="Vertical Title and Text">
     <p:spTree>
@@ -508,19 +2719,19 @@
         </p:nvSpPr>
         <p:spPr>
           <a:xfrm>
-            <a:off x="8724900" y="365125"/>
-            <a:ext cx="2628900" cy="5811838"/>
+            <a:off x="7967673" y="609599"/>
+            <a:ext cx="1304743" cy="5251451"/>
           </a:xfrm>
         </p:spPr>
         <p:txBody>
-          <a:bodyPr vert="eaVert"/>
-          <a:lstStyle/>
-          <a:p>
-            <a:r>
-              <a:rPr lang="en-US" smtClean="0"/>
+          <a:bodyPr vert="eaVert" anchor="ctr"/>
+          <a:lstStyle/>
+          <a:p>
+            <a:r>
+              <a:rPr lang="en-US"/>
               <a:t>Click to edit Master title style</a:t>
             </a:r>
-            <a:endParaRPr lang="en-US"/>
+            <a:endParaRPr lang="en-US" dirty="0"/>
           </a:p>
         </p:txBody>
       </p:sp>
@@ -536,8 +2747,8 @@
         </p:nvSpPr>
         <p:spPr>
           <a:xfrm>
-            <a:off x="838200" y="365125"/>
-            <a:ext cx="7734300" cy="5811838"/>
+            <a:off x="677335" y="609600"/>
+            <a:ext cx="7060150" cy="5251450"/>
           </a:xfrm>
         </p:spPr>
         <p:txBody>
@@ -546,38 +2757,38 @@
           <a:p>
             <a:pPr lvl="0"/>
             <a:r>
-              <a:rPr lang="en-US" smtClean="0"/>
+              <a:rPr lang="en-US"/>
               <a:t>Edit Master text styles</a:t>
             </a:r>
           </a:p>
           <a:p>
             <a:pPr lvl="1"/>
             <a:r>
-              <a:rPr lang="en-US" smtClean="0"/>
+              <a:rPr lang="en-US"/>
               <a:t>Second level</a:t>
             </a:r>
           </a:p>
           <a:p>
             <a:pPr lvl="2"/>
             <a:r>
-              <a:rPr lang="en-US" smtClean="0"/>
+              <a:rPr lang="en-US"/>
               <a:t>Third level</a:t>
             </a:r>
           </a:p>
           <a:p>
             <a:pPr lvl="3"/>
             <a:r>
-              <a:rPr lang="en-US" smtClean="0"/>
+              <a:rPr lang="en-US"/>
               <a:t>Fourth level</a:t>
             </a:r>
           </a:p>
           <a:p>
             <a:pPr lvl="4"/>
             <a:r>
-              <a:rPr lang="en-US" smtClean="0"/>
+              <a:rPr lang="en-US"/>
               <a:t>Fifth level</a:t>
             </a:r>
-            <a:endParaRPr lang="en-US"/>
+            <a:endParaRPr lang="en-US" dirty="0"/>
           </a:p>
         </p:txBody>
       </p:sp>
@@ -598,7 +2809,7 @@
           <a:p>
             <a:fld id="{A7C4B4EA-4E57-43B5-9E64-45E867927BA5}" type="datetimeFigureOut">
               <a:rPr lang="en-US" smtClean="0"/>
-              <a:t>11/11/2016</a:t>
+              <a:t>12/4/2016</a:t>
             </a:fld>
             <a:endParaRPr lang="en-US"/>
           </a:p>
@@ -649,7 +2860,7 @@
     </p:spTree>
     <p:extLst>
       <p:ext uri="{BB962C8B-B14F-4D97-AF65-F5344CB8AC3E}">
-        <p14:creationId xmlns:p14="http://schemas.microsoft.com/office/powerpoint/2010/main" val="742854697"/>
+        <p14:creationId xmlns:p14="http://schemas.microsoft.com/office/powerpoint/2010/main" val="4246652800"/>
       </p:ext>
     </p:extLst>
   </p:cSld>
@@ -688,14 +2899,20 @@
         </p:nvSpPr>
         <p:spPr/>
         <p:txBody>
-          <a:bodyPr/>
-          <a:lstStyle/>
-          <a:p>
-            <a:r>
-              <a:rPr lang="en-US" smtClean="0"/>
+          <a:bodyPr>
+            <a:normAutofit/>
+          </a:bodyPr>
+          <a:lstStyle>
+            <a:lvl1pPr>
+              <a:defRPr sz="3600"/>
+            </a:lvl1pPr>
+          </a:lstStyle>
+          <a:p>
+            <a:r>
+              <a:rPr lang="en-US"/>
               <a:t>Click to edit Master title style</a:t>
             </a:r>
-            <a:endParaRPr lang="en-US"/>
+            <a:endParaRPr lang="en-US" dirty="0"/>
           </a:p>
         </p:txBody>
       </p:sp>
@@ -716,38 +2933,38 @@
           <a:p>
             <a:pPr lvl="0"/>
             <a:r>
-              <a:rPr lang="en-US" smtClean="0"/>
+              <a:rPr lang="en-US"/>
               <a:t>Edit Master text styles</a:t>
             </a:r>
           </a:p>
           <a:p>
             <a:pPr lvl="1"/>
             <a:r>
-              <a:rPr lang="en-US" smtClean="0"/>
+              <a:rPr lang="en-US"/>
               <a:t>Second level</a:t>
             </a:r>
           </a:p>
           <a:p>
             <a:pPr lvl="2"/>
             <a:r>
-              <a:rPr lang="en-US" smtClean="0"/>
+              <a:rPr lang="en-US"/>
               <a:t>Third level</a:t>
             </a:r>
           </a:p>
           <a:p>
             <a:pPr lvl="3"/>
             <a:r>
-              <a:rPr lang="en-US" smtClean="0"/>
+              <a:rPr lang="en-US"/>
               <a:t>Fourth level</a:t>
             </a:r>
           </a:p>
           <a:p>
             <a:pPr lvl="4"/>
             <a:r>
-              <a:rPr lang="en-US" smtClean="0"/>
+              <a:rPr lang="en-US"/>
               <a:t>Fifth level</a:t>
             </a:r>
-            <a:endParaRPr lang="en-US"/>
+            <a:endParaRPr lang="en-US" dirty="0"/>
           </a:p>
         </p:txBody>
       </p:sp>
@@ -768,7 +2985,7 @@
           <a:p>
             <a:fld id="{A7C4B4EA-4E57-43B5-9E64-45E867927BA5}" type="datetimeFigureOut">
               <a:rPr lang="en-US" smtClean="0"/>
-              <a:t>11/11/2016</a:t>
+              <a:t>12/4/2016</a:t>
             </a:fld>
             <a:endParaRPr lang="en-US"/>
           </a:p>
@@ -819,7 +3036,7 @@
     </p:spTree>
     <p:extLst>
       <p:ext uri="{BB962C8B-B14F-4D97-AF65-F5344CB8AC3E}">
-        <p14:creationId xmlns:p14="http://schemas.microsoft.com/office/powerpoint/2010/main" val="2351828370"/>
+        <p14:creationId xmlns:p14="http://schemas.microsoft.com/office/powerpoint/2010/main" val="129648504"/>
       </p:ext>
     </p:extLst>
   </p:cSld>
@@ -858,23 +3075,23 @@
         </p:nvSpPr>
         <p:spPr>
           <a:xfrm>
-            <a:off x="831850" y="1709738"/>
-            <a:ext cx="10515600" cy="2852737"/>
+            <a:off x="677335" y="2700867"/>
+            <a:ext cx="8596668" cy="1826581"/>
           </a:xfrm>
         </p:spPr>
         <p:txBody>
           <a:bodyPr anchor="b"/>
           <a:lstStyle>
-            <a:lvl1pPr>
-              <a:defRPr sz="6000"/>
+            <a:lvl1pPr algn="l">
+              <a:defRPr sz="4000" b="0" cap="none"/>
             </a:lvl1pPr>
           </a:lstStyle>
           <a:p>
             <a:r>
-              <a:rPr lang="en-US" smtClean="0"/>
+              <a:rPr lang="en-US"/>
               <a:t>Click to edit Master title style</a:t>
             </a:r>
-            <a:endParaRPr lang="en-US"/>
+            <a:endParaRPr lang="en-US" dirty="0"/>
           </a:p>
         </p:txBody>
       </p:sp>
@@ -890,108 +3107,109 @@
         </p:nvSpPr>
         <p:spPr>
           <a:xfrm>
-            <a:off x="831850" y="4589463"/>
-            <a:ext cx="10515600" cy="1500187"/>
+            <a:off x="677335" y="4527448"/>
+            <a:ext cx="8596668" cy="860400"/>
           </a:xfrm>
         </p:spPr>
         <p:txBody>
-          <a:bodyPr/>
+          <a:bodyPr anchor="t"/>
           <a:lstStyle>
-            <a:lvl1pPr marL="0" indent="0">
-              <a:buNone/>
-              <a:defRPr sz="2400">
+            <a:lvl1pPr marL="0" indent="0" algn="l">
+              <a:buNone/>
+              <a:defRPr sz="2000">
+                <a:solidFill>
+                  <a:schemeClr val="tx1">
+                    <a:lumMod val="50000"/>
+                    <a:lumOff val="50000"/>
+                  </a:schemeClr>
+                </a:solidFill>
+              </a:defRPr>
+            </a:lvl1pPr>
+            <a:lvl2pPr marL="457200" indent="0">
+              <a:buNone/>
+              <a:defRPr sz="1800">
                 <a:solidFill>
                   <a:schemeClr val="tx1">
                     <a:tint val="75000"/>
                   </a:schemeClr>
                 </a:solidFill>
               </a:defRPr>
-            </a:lvl1pPr>
-            <a:lvl2pPr marL="457200" indent="0">
-              <a:buNone/>
-              <a:defRPr sz="2000">
+            </a:lvl2pPr>
+            <a:lvl3pPr marL="914400" indent="0">
+              <a:buNone/>
+              <a:defRPr sz="1600">
                 <a:solidFill>
                   <a:schemeClr val="tx1">
                     <a:tint val="75000"/>
                   </a:schemeClr>
                 </a:solidFill>
               </a:defRPr>
-            </a:lvl2pPr>
-            <a:lvl3pPr marL="914400" indent="0">
-              <a:buNone/>
-              <a:defRPr sz="1800">
+            </a:lvl3pPr>
+            <a:lvl4pPr marL="1371600" indent="0">
+              <a:buNone/>
+              <a:defRPr sz="1400">
                 <a:solidFill>
                   <a:schemeClr val="tx1">
                     <a:tint val="75000"/>
                   </a:schemeClr>
                 </a:solidFill>
               </a:defRPr>
-            </a:lvl3pPr>
-            <a:lvl4pPr marL="1371600" indent="0">
-              <a:buNone/>
-              <a:defRPr sz="1600">
+            </a:lvl4pPr>
+            <a:lvl5pPr marL="1828800" indent="0">
+              <a:buNone/>
+              <a:defRPr sz="1400">
                 <a:solidFill>
                   <a:schemeClr val="tx1">
                     <a:tint val="75000"/>
                   </a:schemeClr>
                 </a:solidFill>
               </a:defRPr>
-            </a:lvl4pPr>
-            <a:lvl5pPr marL="1828800" indent="0">
-              <a:buNone/>
-              <a:defRPr sz="1600">
+            </a:lvl5pPr>
+            <a:lvl6pPr marL="2286000" indent="0">
+              <a:buNone/>
+              <a:defRPr sz="1400">
                 <a:solidFill>
                   <a:schemeClr val="tx1">
                     <a:tint val="75000"/>
                   </a:schemeClr>
                 </a:solidFill>
               </a:defRPr>
-            </a:lvl5pPr>
-            <a:lvl6pPr marL="2286000" indent="0">
-              <a:buNone/>
-              <a:defRPr sz="1600">
+            </a:lvl6pPr>
+            <a:lvl7pPr marL="2743200" indent="0">
+              <a:buNone/>
+              <a:defRPr sz="1400">
                 <a:solidFill>
                   <a:schemeClr val="tx1">
                     <a:tint val="75000"/>
                   </a:schemeClr>
                 </a:solidFill>
               </a:defRPr>
-            </a:lvl6pPr>
-            <a:lvl7pPr marL="2743200" indent="0">
-              <a:buNone/>
-              <a:defRPr sz="1600">
+            </a:lvl7pPr>
+            <a:lvl8pPr marL="3200400" indent="0">
+              <a:buNone/>
+              <a:defRPr sz="1400">
                 <a:solidFill>
                   <a:schemeClr val="tx1">
                     <a:tint val="75000"/>
                   </a:schemeClr>
                 </a:solidFill>
               </a:defRPr>
-            </a:lvl7pPr>
-            <a:lvl8pPr marL="3200400" indent="0">
-              <a:buNone/>
-              <a:defRPr sz="1600">
+            </a:lvl8pPr>
+            <a:lvl9pPr marL="3657600" indent="0">
+              <a:buNone/>
+              <a:defRPr sz="1400">
                 <a:solidFill>
                   <a:schemeClr val="tx1">
                     <a:tint val="75000"/>
                   </a:schemeClr>
                 </a:solidFill>
               </a:defRPr>
-            </a:lvl8pPr>
-            <a:lvl9pPr marL="3657600" indent="0">
-              <a:buNone/>
-              <a:defRPr sz="1600">
-                <a:solidFill>
-                  <a:schemeClr val="tx1">
-                    <a:tint val="75000"/>
-                  </a:schemeClr>
-                </a:solidFill>
-              </a:defRPr>
             </a:lvl9pPr>
           </a:lstStyle>
           <a:p>
             <a:pPr lvl="0"/>
             <a:r>
-              <a:rPr lang="en-US" smtClean="0"/>
+              <a:rPr lang="en-US"/>
               <a:t>Edit Master text styles</a:t>
             </a:r>
           </a:p>
@@ -1014,7 +3232,7 @@
           <a:p>
             <a:fld id="{A7C4B4EA-4E57-43B5-9E64-45E867927BA5}" type="datetimeFigureOut">
               <a:rPr lang="en-US" smtClean="0"/>
-              <a:t>11/11/2016</a:t>
+              <a:t>12/4/2016</a:t>
             </a:fld>
             <a:endParaRPr lang="en-US"/>
           </a:p>
@@ -1065,7 +3283,7 @@
     </p:spTree>
     <p:extLst>
       <p:ext uri="{BB962C8B-B14F-4D97-AF65-F5344CB8AC3E}">
-        <p14:creationId xmlns:p14="http://schemas.microsoft.com/office/powerpoint/2010/main" val="245527193"/>
+        <p14:creationId xmlns:p14="http://schemas.microsoft.com/office/powerpoint/2010/main" val="2874190259"/>
       </p:ext>
     </p:extLst>
   </p:cSld>
@@ -1108,10 +3326,10 @@
           <a:lstStyle/>
           <a:p>
             <a:r>
-              <a:rPr lang="en-US" smtClean="0"/>
+              <a:rPr lang="en-US"/>
               <a:t>Click to edit Master title style</a:t>
             </a:r>
-            <a:endParaRPr lang="en-US"/>
+            <a:endParaRPr lang="en-US" dirty="0"/>
           </a:p>
         </p:txBody>
       </p:sp>
@@ -1127,8 +3345,8 @@
         </p:nvSpPr>
         <p:spPr>
           <a:xfrm>
-            <a:off x="838200" y="1825625"/>
-            <a:ext cx="5181600" cy="4351338"/>
+            <a:off x="677334" y="2160589"/>
+            <a:ext cx="4184035" cy="3880772"/>
           </a:xfrm>
         </p:spPr>
         <p:txBody>
@@ -1137,38 +3355,38 @@
           <a:p>
             <a:pPr lvl="0"/>
             <a:r>
-              <a:rPr lang="en-US" smtClean="0"/>
+              <a:rPr lang="en-US"/>
               <a:t>Edit Master text styles</a:t>
             </a:r>
           </a:p>
           <a:p>
             <a:pPr lvl="1"/>
             <a:r>
-              <a:rPr lang="en-US" smtClean="0"/>
+              <a:rPr lang="en-US"/>
               <a:t>Second level</a:t>
             </a:r>
           </a:p>
           <a:p>
             <a:pPr lvl="2"/>
             <a:r>
-              <a:rPr lang="en-US" smtClean="0"/>
+              <a:rPr lang="en-US"/>
               <a:t>Third level</a:t>
             </a:r>
           </a:p>
           <a:p>
             <a:pPr lvl="3"/>
             <a:r>
-              <a:rPr lang="en-US" smtClean="0"/>
+              <a:rPr lang="en-US"/>
               <a:t>Fourth level</a:t>
             </a:r>
           </a:p>
           <a:p>
             <a:pPr lvl="4"/>
             <a:r>
-              <a:rPr lang="en-US" smtClean="0"/>
+              <a:rPr lang="en-US"/>
               <a:t>Fifth level</a:t>
             </a:r>
-            <a:endParaRPr lang="en-US"/>
+            <a:endParaRPr lang="en-US" dirty="0"/>
           </a:p>
         </p:txBody>
       </p:sp>
@@ -1184,8 +3402,8 @@
         </p:nvSpPr>
         <p:spPr>
           <a:xfrm>
-            <a:off x="6172200" y="1825625"/>
-            <a:ext cx="5181600" cy="4351338"/>
+            <a:off x="5089970" y="2160589"/>
+            <a:ext cx="4184034" cy="3880773"/>
           </a:xfrm>
         </p:spPr>
         <p:txBody>
@@ -1194,38 +3412,38 @@
           <a:p>
             <a:pPr lvl="0"/>
             <a:r>
-              <a:rPr lang="en-US" smtClean="0"/>
+              <a:rPr lang="en-US"/>
               <a:t>Edit Master text styles</a:t>
             </a:r>
           </a:p>
           <a:p>
             <a:pPr lvl="1"/>
             <a:r>
-              <a:rPr lang="en-US" smtClean="0"/>
+              <a:rPr lang="en-US"/>
               <a:t>Second level</a:t>
             </a:r>
           </a:p>
           <a:p>
             <a:pPr lvl="2"/>
             <a:r>
-              <a:rPr lang="en-US" smtClean="0"/>
+              <a:rPr lang="en-US"/>
               <a:t>Third level</a:t>
             </a:r>
           </a:p>
           <a:p>
             <a:pPr lvl="3"/>
             <a:r>
-              <a:rPr lang="en-US" smtClean="0"/>
+              <a:rPr lang="en-US"/>
               <a:t>Fourth level</a:t>
             </a:r>
           </a:p>
           <a:p>
             <a:pPr lvl="4"/>
             <a:r>
-              <a:rPr lang="en-US" smtClean="0"/>
+              <a:rPr lang="en-US"/>
               <a:t>Fifth level</a:t>
             </a:r>
-            <a:endParaRPr lang="en-US"/>
+            <a:endParaRPr lang="en-US" dirty="0"/>
           </a:p>
         </p:txBody>
       </p:sp>
@@ -1246,7 +3464,7 @@
           <a:p>
             <a:fld id="{A7C4B4EA-4E57-43B5-9E64-45E867927BA5}" type="datetimeFigureOut">
               <a:rPr lang="en-US" smtClean="0"/>
-              <a:t>11/11/2016</a:t>
+              <a:t>12/4/2016</a:t>
             </a:fld>
             <a:endParaRPr lang="en-US"/>
           </a:p>
@@ -1297,7 +3515,7 @@
     </p:spTree>
     <p:extLst>
       <p:ext uri="{BB962C8B-B14F-4D97-AF65-F5344CB8AC3E}">
-        <p14:creationId xmlns:p14="http://schemas.microsoft.com/office/powerpoint/2010/main" val="2301590445"/>
+        <p14:creationId xmlns:p14="http://schemas.microsoft.com/office/powerpoint/2010/main" val="3161418086"/>
       </p:ext>
     </p:extLst>
   </p:cSld>
@@ -1334,46 +3552,47 @@
             <p:ph type="title"/>
           </p:nvPr>
         </p:nvSpPr>
+        <p:spPr/>
+        <p:txBody>
+          <a:bodyPr/>
+          <a:lstStyle>
+            <a:lvl1pPr>
+              <a:defRPr/>
+            </a:lvl1pPr>
+          </a:lstStyle>
+          <a:p>
+            <a:r>
+              <a:rPr lang="en-US"/>
+              <a:t>Click to edit Master title style</a:t>
+            </a:r>
+            <a:endParaRPr lang="en-US" dirty="0"/>
+          </a:p>
+        </p:txBody>
+      </p:sp>
+      <p:sp>
+        <p:nvSpPr>
+          <p:cNvPr id="3" name="Text Placeholder 2"/>
+          <p:cNvSpPr>
+            <a:spLocks noGrp="1"/>
+          </p:cNvSpPr>
+          <p:nvPr>
+            <p:ph type="body" idx="1"/>
+          </p:nvPr>
+        </p:nvSpPr>
         <p:spPr>
           <a:xfrm>
-            <a:off x="839788" y="365125"/>
-            <a:ext cx="10515600" cy="1325563"/>
+            <a:off x="675745" y="2160983"/>
+            <a:ext cx="4185623" cy="576262"/>
           </a:xfrm>
         </p:spPr>
         <p:txBody>
-          <a:bodyPr/>
-          <a:lstStyle/>
-          <a:p>
-            <a:r>
-              <a:rPr lang="en-US" smtClean="0"/>
-              <a:t>Click to edit Master title style</a:t>
-            </a:r>
-            <a:endParaRPr lang="en-US"/>
-          </a:p>
-        </p:txBody>
-      </p:sp>
-      <p:sp>
-        <p:nvSpPr>
-          <p:cNvPr id="3" name="Text Placeholder 2"/>
-          <p:cNvSpPr>
-            <a:spLocks noGrp="1"/>
-          </p:cNvSpPr>
-          <p:nvPr>
-            <p:ph type="body" idx="1"/>
-          </p:nvPr>
-        </p:nvSpPr>
-        <p:spPr>
-          <a:xfrm>
-            <a:off x="839788" y="1681163"/>
-            <a:ext cx="5157787" cy="823912"/>
-          </a:xfrm>
-        </p:spPr>
-        <p:txBody>
-          <a:bodyPr anchor="b"/>
+          <a:bodyPr anchor="b">
+            <a:noAutofit/>
+          </a:bodyPr>
           <a:lstStyle>
             <a:lvl1pPr marL="0" indent="0">
               <a:buNone/>
-              <a:defRPr sz="2400" b="1"/>
+              <a:defRPr sz="2400" b="0"/>
             </a:lvl1pPr>
             <a:lvl2pPr marL="457200" indent="0">
               <a:buNone/>
@@ -1411,7 +3630,7 @@
           <a:p>
             <a:pPr lvl="0"/>
             <a:r>
-              <a:rPr lang="en-US" smtClean="0"/>
+              <a:rPr lang="en-US"/>
               <a:t>Edit Master text styles</a:t>
             </a:r>
           </a:p>
@@ -1429,48 +3648,50 @@
         </p:nvSpPr>
         <p:spPr>
           <a:xfrm>
-            <a:off x="839788" y="2505075"/>
-            <a:ext cx="5157787" cy="3684588"/>
+            <a:off x="675745" y="2737245"/>
+            <a:ext cx="4185623" cy="3304117"/>
           </a:xfrm>
         </p:spPr>
         <p:txBody>
-          <a:bodyPr/>
+          <a:bodyPr>
+            <a:normAutofit/>
+          </a:bodyPr>
           <a:lstStyle/>
           <a:p>
             <a:pPr lvl="0"/>
             <a:r>
-              <a:rPr lang="en-US" smtClean="0"/>
+              <a:rPr lang="en-US"/>
               <a:t>Edit Master text styles</a:t>
             </a:r>
           </a:p>
           <a:p>
             <a:pPr lvl="1"/>
             <a:r>
-              <a:rPr lang="en-US" smtClean="0"/>
+              <a:rPr lang="en-US"/>
               <a:t>Second level</a:t>
             </a:r>
           </a:p>
           <a:p>
             <a:pPr lvl="2"/>
             <a:r>
-              <a:rPr lang="en-US" smtClean="0"/>
+              <a:rPr lang="en-US"/>
               <a:t>Third level</a:t>
             </a:r>
           </a:p>
           <a:p>
             <a:pPr lvl="3"/>
             <a:r>
-              <a:rPr lang="en-US" smtClean="0"/>
+              <a:rPr lang="en-US"/>
               <a:t>Fourth level</a:t>
             </a:r>
           </a:p>
           <a:p>
             <a:pPr lvl="4"/>
             <a:r>
-              <a:rPr lang="en-US" smtClean="0"/>
+              <a:rPr lang="en-US"/>
               <a:t>Fifth level</a:t>
             </a:r>
-            <a:endParaRPr lang="en-US"/>
+            <a:endParaRPr lang="en-US" dirty="0"/>
           </a:p>
         </p:txBody>
       </p:sp>
@@ -1486,16 +3707,18 @@
         </p:nvSpPr>
         <p:spPr>
           <a:xfrm>
-            <a:off x="6172200" y="1681163"/>
-            <a:ext cx="5183188" cy="823912"/>
+            <a:off x="5088383" y="2160983"/>
+            <a:ext cx="4185618" cy="576262"/>
           </a:xfrm>
         </p:spPr>
         <p:txBody>
-          <a:bodyPr anchor="b"/>
+          <a:bodyPr anchor="b">
+            <a:noAutofit/>
+          </a:bodyPr>
           <a:lstStyle>
             <a:lvl1pPr marL="0" indent="0">
               <a:buNone/>
-              <a:defRPr sz="2400" b="1"/>
+              <a:defRPr sz="2400" b="0"/>
             </a:lvl1pPr>
             <a:lvl2pPr marL="457200" indent="0">
               <a:buNone/>
@@ -1533,7 +3756,7 @@
           <a:p>
             <a:pPr lvl="0"/>
             <a:r>
-              <a:rPr lang="en-US" smtClean="0"/>
+              <a:rPr lang="en-US"/>
               <a:t>Edit Master text styles</a:t>
             </a:r>
           </a:p>
@@ -1551,48 +3774,50 @@
         </p:nvSpPr>
         <p:spPr>
           <a:xfrm>
-            <a:off x="6172200" y="2505075"/>
-            <a:ext cx="5183188" cy="3684588"/>
+            <a:off x="5088384" y="2737245"/>
+            <a:ext cx="4185617" cy="3304117"/>
           </a:xfrm>
         </p:spPr>
         <p:txBody>
-          <a:bodyPr/>
+          <a:bodyPr>
+            <a:normAutofit/>
+          </a:bodyPr>
           <a:lstStyle/>
           <a:p>
             <a:pPr lvl="0"/>
             <a:r>
-              <a:rPr lang="en-US" smtClean="0"/>
+              <a:rPr lang="en-US"/>
               <a:t>Edit Master text styles</a:t>
             </a:r>
           </a:p>
           <a:p>
             <a:pPr lvl="1"/>
             <a:r>
-              <a:rPr lang="en-US" smtClean="0"/>
+              <a:rPr lang="en-US"/>
               <a:t>Second level</a:t>
             </a:r>
           </a:p>
           <a:p>
             <a:pPr lvl="2"/>
             <a:r>
-              <a:rPr lang="en-US" smtClean="0"/>
+              <a:rPr lang="en-US"/>
               <a:t>Third level</a:t>
             </a:r>
           </a:p>
           <a:p>
             <a:pPr lvl="3"/>
             <a:r>
-              <a:rPr lang="en-US" smtClean="0"/>
+              <a:rPr lang="en-US"/>
               <a:t>Fourth level</a:t>
             </a:r>
           </a:p>
           <a:p>
             <a:pPr lvl="4"/>
             <a:r>
-              <a:rPr lang="en-US" smtClean="0"/>
+              <a:rPr lang="en-US"/>
               <a:t>Fifth level</a:t>
             </a:r>
-            <a:endParaRPr lang="en-US"/>
+            <a:endParaRPr lang="en-US" dirty="0"/>
           </a:p>
         </p:txBody>
       </p:sp>
@@ -1613,7 +3838,7 @@
           <a:p>
             <a:fld id="{A7C4B4EA-4E57-43B5-9E64-45E867927BA5}" type="datetimeFigureOut">
               <a:rPr lang="en-US" smtClean="0"/>
-              <a:t>11/11/2016</a:t>
+              <a:t>12/4/2016</a:t>
             </a:fld>
             <a:endParaRPr lang="en-US"/>
           </a:p>
@@ -1664,7 +3889,7 @@
     </p:spTree>
     <p:extLst>
       <p:ext uri="{BB962C8B-B14F-4D97-AF65-F5344CB8AC3E}">
-        <p14:creationId xmlns:p14="http://schemas.microsoft.com/office/powerpoint/2010/main" val="1950054848"/>
+        <p14:creationId xmlns:p14="http://schemas.microsoft.com/office/powerpoint/2010/main" val="749632864"/>
       </p:ext>
     </p:extLst>
   </p:cSld>
@@ -1701,16 +3926,21 @@
             <p:ph type="title"/>
           </p:nvPr>
         </p:nvSpPr>
-        <p:spPr/>
-        <p:txBody>
-          <a:bodyPr/>
-          <a:lstStyle/>
-          <a:p>
-            <a:r>
-              <a:rPr lang="en-US" smtClean="0"/>
+        <p:spPr>
+          <a:xfrm>
+            <a:off x="677334" y="609600"/>
+            <a:ext cx="8596668" cy="1320800"/>
+          </a:xfrm>
+        </p:spPr>
+        <p:txBody>
+          <a:bodyPr/>
+          <a:lstStyle/>
+          <a:p>
+            <a:r>
+              <a:rPr lang="en-US"/>
               <a:t>Click to edit Master title style</a:t>
             </a:r>
-            <a:endParaRPr lang="en-US"/>
+            <a:endParaRPr lang="en-US" dirty="0"/>
           </a:p>
         </p:txBody>
       </p:sp>
@@ -1731,7 +3961,7 @@
           <a:p>
             <a:fld id="{A7C4B4EA-4E57-43B5-9E64-45E867927BA5}" type="datetimeFigureOut">
               <a:rPr lang="en-US" smtClean="0"/>
-              <a:t>11/11/2016</a:t>
+              <a:t>12/4/2016</a:t>
             </a:fld>
             <a:endParaRPr lang="en-US"/>
           </a:p>
@@ -1782,7 +4012,7 @@
     </p:spTree>
     <p:extLst>
       <p:ext uri="{BB962C8B-B14F-4D97-AF65-F5344CB8AC3E}">
-        <p14:creationId xmlns:p14="http://schemas.microsoft.com/office/powerpoint/2010/main" val="220789436"/>
+        <p14:creationId xmlns:p14="http://schemas.microsoft.com/office/powerpoint/2010/main" val="230253668"/>
       </p:ext>
     </p:extLst>
   </p:cSld>
@@ -1826,7 +4056,7 @@
           <a:p>
             <a:fld id="{A7C4B4EA-4E57-43B5-9E64-45E867927BA5}" type="datetimeFigureOut">
               <a:rPr lang="en-US" smtClean="0"/>
-              <a:t>11/11/2016</a:t>
+              <a:t>12/4/2016</a:t>
             </a:fld>
             <a:endParaRPr lang="en-US"/>
           </a:p>
@@ -1877,7 +4107,7 @@
     </p:spTree>
     <p:extLst>
       <p:ext uri="{BB962C8B-B14F-4D97-AF65-F5344CB8AC3E}">
-        <p14:creationId xmlns:p14="http://schemas.microsoft.com/office/powerpoint/2010/main" val="453749654"/>
+        <p14:creationId xmlns:p14="http://schemas.microsoft.com/office/powerpoint/2010/main" val="231989316"/>
       </p:ext>
     </p:extLst>
   </p:cSld>
@@ -1916,23 +4146,25 @@
         </p:nvSpPr>
         <p:spPr>
           <a:xfrm>
-            <a:off x="839788" y="457200"/>
-            <a:ext cx="3932237" cy="1600200"/>
+            <a:off x="677334" y="1498604"/>
+            <a:ext cx="3854528" cy="1278466"/>
           </a:xfrm>
         </p:spPr>
         <p:txBody>
-          <a:bodyPr anchor="b"/>
+          <a:bodyPr anchor="b">
+            <a:normAutofit/>
+          </a:bodyPr>
           <a:lstStyle>
             <a:lvl1pPr>
-              <a:defRPr sz="3200"/>
+              <a:defRPr sz="2000"/>
             </a:lvl1pPr>
           </a:lstStyle>
           <a:p>
             <a:r>
-              <a:rPr lang="en-US" smtClean="0"/>
+              <a:rPr lang="en-US"/>
               <a:t>Click to edit Master title style</a:t>
             </a:r>
-            <a:endParaRPr lang="en-US"/>
+            <a:endParaRPr lang="en-US" dirty="0"/>
           </a:p>
         </p:txBody>
       </p:sp>
@@ -1948,76 +4180,50 @@
         </p:nvSpPr>
         <p:spPr>
           <a:xfrm>
-            <a:off x="5183188" y="987425"/>
-            <a:ext cx="6172200" cy="4873625"/>
+            <a:off x="4760461" y="514924"/>
+            <a:ext cx="4513541" cy="5526437"/>
           </a:xfrm>
         </p:spPr>
         <p:txBody>
-          <a:bodyPr/>
-          <a:lstStyle>
-            <a:lvl1pPr>
-              <a:defRPr sz="3200"/>
-            </a:lvl1pPr>
-            <a:lvl2pPr>
-              <a:defRPr sz="2800"/>
-            </a:lvl2pPr>
-            <a:lvl3pPr>
-              <a:defRPr sz="2400"/>
-            </a:lvl3pPr>
-            <a:lvl4pPr>
-              <a:defRPr sz="2000"/>
-            </a:lvl4pPr>
-            <a:lvl5pPr>
-              <a:defRPr sz="2000"/>
-            </a:lvl5pPr>
-            <a:lvl6pPr>
-              <a:defRPr sz="2000"/>
-            </a:lvl6pPr>
-            <a:lvl7pPr>
-              <a:defRPr sz="2000"/>
-            </a:lvl7pPr>
-            <a:lvl8pPr>
-              <a:defRPr sz="2000"/>
-            </a:lvl8pPr>
-            <a:lvl9pPr>
-              <a:defRPr sz="2000"/>
-            </a:lvl9pPr>
-          </a:lstStyle>
+          <a:bodyPr>
+            <a:normAutofit/>
+          </a:bodyPr>
+          <a:lstStyle/>
           <a:p>
             <a:pPr lvl="0"/>
             <a:r>
-              <a:rPr lang="en-US" smtClean="0"/>
+              <a:rPr lang="en-US"/>
               <a:t>Edit Master text styles</a:t>
             </a:r>
           </a:p>
           <a:p>
             <a:pPr lvl="1"/>
             <a:r>
-              <a:rPr lang="en-US" smtClean="0"/>
+              <a:rPr lang="en-US"/>
               <a:t>Second level</a:t>
             </a:r>
           </a:p>
           <a:p>
             <a:pPr lvl="2"/>
             <a:r>
-              <a:rPr lang="en-US" smtClean="0"/>
+              <a:rPr lang="en-US"/>
               <a:t>Third level</a:t>
             </a:r>
           </a:p>
           <a:p>
             <a:pPr lvl="3"/>
             <a:r>
-              <a:rPr lang="en-US" smtClean="0"/>
+              <a:rPr lang="en-US"/>
               <a:t>Fourth level</a:t>
             </a:r>
           </a:p>
           <a:p>
             <a:pPr lvl="4"/>
             <a:r>
-              <a:rPr lang="en-US" smtClean="0"/>
+              <a:rPr lang="en-US"/>
               <a:t>Fifth level</a:t>
             </a:r>
-            <a:endParaRPr lang="en-US"/>
+            <a:endParaRPr lang="en-US" dirty="0"/>
           </a:p>
         </p:txBody>
       </p:sp>
@@ -2033,46 +4239,48 @@
         </p:nvSpPr>
         <p:spPr>
           <a:xfrm>
-            <a:off x="839788" y="2057400"/>
-            <a:ext cx="3932237" cy="3811588"/>
+            <a:off x="677334" y="2777069"/>
+            <a:ext cx="3854528" cy="2584449"/>
           </a:xfrm>
         </p:spPr>
         <p:txBody>
-          <a:bodyPr/>
+          <a:bodyPr>
+            <a:normAutofit/>
+          </a:bodyPr>
           <a:lstStyle>
             <a:lvl1pPr marL="0" indent="0">
               <a:buNone/>
-              <a:defRPr sz="1600"/>
+              <a:defRPr sz="1400"/>
             </a:lvl1pPr>
-            <a:lvl2pPr marL="457200" indent="0">
+            <a:lvl2pPr marL="457063" indent="0">
               <a:buNone/>
               <a:defRPr sz="1400"/>
             </a:lvl2pPr>
-            <a:lvl3pPr marL="914400" indent="0">
+            <a:lvl3pPr marL="914126" indent="0">
               <a:buNone/>
               <a:defRPr sz="1200"/>
             </a:lvl3pPr>
-            <a:lvl4pPr marL="1371600" indent="0">
+            <a:lvl4pPr marL="1371189" indent="0">
               <a:buNone/>
               <a:defRPr sz="1000"/>
             </a:lvl4pPr>
-            <a:lvl5pPr marL="1828800" indent="0">
+            <a:lvl5pPr marL="1828251" indent="0">
               <a:buNone/>
               <a:defRPr sz="1000"/>
             </a:lvl5pPr>
-            <a:lvl6pPr marL="2286000" indent="0">
+            <a:lvl6pPr marL="2285314" indent="0">
               <a:buNone/>
               <a:defRPr sz="1000"/>
             </a:lvl6pPr>
-            <a:lvl7pPr marL="2743200" indent="0">
+            <a:lvl7pPr marL="2742377" indent="0">
               <a:buNone/>
               <a:defRPr sz="1000"/>
             </a:lvl7pPr>
-            <a:lvl8pPr marL="3200400" indent="0">
+            <a:lvl8pPr marL="3199440" indent="0">
               <a:buNone/>
               <a:defRPr sz="1000"/>
             </a:lvl8pPr>
-            <a:lvl9pPr marL="3657600" indent="0">
+            <a:lvl9pPr marL="3656503" indent="0">
               <a:buNone/>
               <a:defRPr sz="1000"/>
             </a:lvl9pPr>
@@ -2080,7 +4288,7 @@
           <a:p>
             <a:pPr lvl="0"/>
             <a:r>
-              <a:rPr lang="en-US" smtClean="0"/>
+              <a:rPr lang="en-US"/>
               <a:t>Edit Master text styles</a:t>
             </a:r>
           </a:p>
@@ -2103,7 +4311,7 @@
           <a:p>
             <a:fld id="{A7C4B4EA-4E57-43B5-9E64-45E867927BA5}" type="datetimeFigureOut">
               <a:rPr lang="en-US" smtClean="0"/>
-              <a:t>11/11/2016</a:t>
+              <a:t>12/4/2016</a:t>
             </a:fld>
             <a:endParaRPr lang="en-US"/>
           </a:p>
@@ -2154,7 +4362,7 @@
     </p:spTree>
     <p:extLst>
       <p:ext uri="{BB962C8B-B14F-4D97-AF65-F5344CB8AC3E}">
-        <p14:creationId xmlns:p14="http://schemas.microsoft.com/office/powerpoint/2010/main" val="1661790544"/>
+        <p14:creationId xmlns:p14="http://schemas.microsoft.com/office/powerpoint/2010/main" val="2291785670"/>
       </p:ext>
     </p:extLst>
   </p:cSld>
@@ -2193,23 +4401,25 @@
         </p:nvSpPr>
         <p:spPr>
           <a:xfrm>
-            <a:off x="839788" y="457200"/>
-            <a:ext cx="3932237" cy="1600200"/>
+            <a:off x="677334" y="4800600"/>
+            <a:ext cx="8596667" cy="566738"/>
           </a:xfrm>
         </p:spPr>
         <p:txBody>
-          <a:bodyPr anchor="b"/>
+          <a:bodyPr anchor="b">
+            <a:normAutofit/>
+          </a:bodyPr>
           <a:lstStyle>
-            <a:lvl1pPr>
-              <a:defRPr sz="3200"/>
+            <a:lvl1pPr algn="l">
+              <a:defRPr sz="2400" b="0"/>
             </a:lvl1pPr>
           </a:lstStyle>
           <a:p>
             <a:r>
-              <a:rPr lang="en-US" smtClean="0"/>
+              <a:rPr lang="en-US"/>
               <a:t>Click to edit Master title style</a:t>
             </a:r>
-            <a:endParaRPr lang="en-US"/>
+            <a:endParaRPr lang="en-US" dirty="0"/>
           </a:p>
         </p:txBody>
       </p:sp>
@@ -2217,7 +4427,7 @@
         <p:nvSpPr>
           <p:cNvPr id="3" name="Picture Placeholder 2"/>
           <p:cNvSpPr>
-            <a:spLocks noGrp="1"/>
+            <a:spLocks noGrp="1" noChangeAspect="1"/>
           </p:cNvSpPr>
           <p:nvPr>
             <p:ph type="pic" idx="1"/>
@@ -2225,115 +4435,123 @@
         </p:nvSpPr>
         <p:spPr>
           <a:xfrm>
-            <a:off x="5183188" y="987425"/>
-            <a:ext cx="6172200" cy="4873625"/>
+            <a:off x="677334" y="609600"/>
+            <a:ext cx="8596668" cy="3845718"/>
           </a:xfrm>
         </p:spPr>
         <p:txBody>
-          <a:bodyPr/>
+          <a:bodyPr anchor="t">
+            <a:normAutofit/>
+          </a:bodyPr>
           <a:lstStyle>
-            <a:lvl1pPr marL="0" indent="0">
-              <a:buNone/>
-              <a:defRPr sz="3200"/>
-            </a:lvl1pPr>
-            <a:lvl2pPr marL="457200" indent="0">
-              <a:buNone/>
-              <a:defRPr sz="2800"/>
-            </a:lvl2pPr>
-            <a:lvl3pPr marL="914400" indent="0">
-              <a:buNone/>
-              <a:defRPr sz="2400"/>
-            </a:lvl3pPr>
-            <a:lvl4pPr marL="1371600" indent="0">
-              <a:buNone/>
-              <a:defRPr sz="2000"/>
-            </a:lvl4pPr>
-            <a:lvl5pPr marL="1828800" indent="0">
-              <a:buNone/>
-              <a:defRPr sz="2000"/>
-            </a:lvl5pPr>
-            <a:lvl6pPr marL="2286000" indent="0">
-              <a:buNone/>
-              <a:defRPr sz="2000"/>
-            </a:lvl6pPr>
-            <a:lvl7pPr marL="2743200" indent="0">
-              <a:buNone/>
-              <a:defRPr sz="2000"/>
-            </a:lvl7pPr>
-            <a:lvl8pPr marL="3200400" indent="0">
-              <a:buNone/>
-              <a:defRPr sz="2000"/>
-            </a:lvl8pPr>
-            <a:lvl9pPr marL="3657600" indent="0">
-              <a:buNone/>
-              <a:defRPr sz="2000"/>
-            </a:lvl9pPr>
-          </a:lstStyle>
-          <a:p>
-            <a:endParaRPr lang="en-US"/>
-          </a:p>
-        </p:txBody>
-      </p:sp>
-      <p:sp>
-        <p:nvSpPr>
-          <p:cNvPr id="4" name="Text Placeholder 3"/>
-          <p:cNvSpPr>
-            <a:spLocks noGrp="1"/>
-          </p:cNvSpPr>
-          <p:nvPr>
-            <p:ph type="body" sz="half" idx="2"/>
-          </p:nvPr>
-        </p:nvSpPr>
-        <p:spPr>
-          <a:xfrm>
-            <a:off x="839788" y="2057400"/>
-            <a:ext cx="3932237" cy="3811588"/>
-          </a:xfrm>
-        </p:spPr>
-        <p:txBody>
-          <a:bodyPr/>
-          <a:lstStyle>
-            <a:lvl1pPr marL="0" indent="0">
+            <a:lvl1pPr marL="0" indent="0" algn="ctr">
               <a:buNone/>
               <a:defRPr sz="1600"/>
             </a:lvl1pPr>
             <a:lvl2pPr marL="457200" indent="0">
               <a:buNone/>
-              <a:defRPr sz="1400"/>
+              <a:defRPr sz="1600"/>
             </a:lvl2pPr>
             <a:lvl3pPr marL="914400" indent="0">
               <a:buNone/>
-              <a:defRPr sz="1200"/>
+              <a:defRPr sz="1600"/>
             </a:lvl3pPr>
             <a:lvl4pPr marL="1371600" indent="0">
               <a:buNone/>
-              <a:defRPr sz="1000"/>
+              <a:defRPr sz="1600"/>
             </a:lvl4pPr>
             <a:lvl5pPr marL="1828800" indent="0">
               <a:buNone/>
-              <a:defRPr sz="1000"/>
+              <a:defRPr sz="1600"/>
             </a:lvl5pPr>
             <a:lvl6pPr marL="2286000" indent="0">
               <a:buNone/>
-              <a:defRPr sz="1000"/>
+              <a:defRPr sz="1600"/>
             </a:lvl6pPr>
             <a:lvl7pPr marL="2743200" indent="0">
               <a:buNone/>
-              <a:defRPr sz="1000"/>
+              <a:defRPr sz="1600"/>
             </a:lvl7pPr>
             <a:lvl8pPr marL="3200400" indent="0">
               <a:buNone/>
-              <a:defRPr sz="1000"/>
+              <a:defRPr sz="1600"/>
             </a:lvl8pPr>
             <a:lvl9pPr marL="3657600" indent="0">
               <a:buNone/>
-              <a:defRPr sz="1000"/>
+              <a:defRPr sz="1600"/>
             </a:lvl9pPr>
           </a:lstStyle>
           <a:p>
+            <a:r>
+              <a:rPr lang="en-US"/>
+              <a:t>Click icon to add picture</a:t>
+            </a:r>
+            <a:endParaRPr lang="en-US" dirty="0"/>
+          </a:p>
+        </p:txBody>
+      </p:sp>
+      <p:sp>
+        <p:nvSpPr>
+          <p:cNvPr id="4" name="Text Placeholder 3"/>
+          <p:cNvSpPr>
+            <a:spLocks noGrp="1"/>
+          </p:cNvSpPr>
+          <p:nvPr>
+            <p:ph type="body" sz="half" idx="2"/>
+          </p:nvPr>
+        </p:nvSpPr>
+        <p:spPr>
+          <a:xfrm>
+            <a:off x="677334" y="5367338"/>
+            <a:ext cx="8596667" cy="674024"/>
+          </a:xfrm>
+        </p:spPr>
+        <p:txBody>
+          <a:bodyPr>
+            <a:normAutofit/>
+          </a:bodyPr>
+          <a:lstStyle>
+            <a:lvl1pPr marL="0" indent="0">
+              <a:buNone/>
+              <a:defRPr sz="1200"/>
+            </a:lvl1pPr>
+            <a:lvl2pPr marL="457200" indent="0">
+              <a:buNone/>
+              <a:defRPr sz="1200"/>
+            </a:lvl2pPr>
+            <a:lvl3pPr marL="914400" indent="0">
+              <a:buNone/>
+              <a:defRPr sz="1000"/>
+            </a:lvl3pPr>
+            <a:lvl4pPr marL="1371600" indent="0">
+              <a:buNone/>
+              <a:defRPr sz="900"/>
+            </a:lvl4pPr>
+            <a:lvl5pPr marL="1828800" indent="0">
+              <a:buNone/>
+              <a:defRPr sz="900"/>
+            </a:lvl5pPr>
+            <a:lvl6pPr marL="2286000" indent="0">
+              <a:buNone/>
+              <a:defRPr sz="900"/>
+            </a:lvl6pPr>
+            <a:lvl7pPr marL="2743200" indent="0">
+              <a:buNone/>
+              <a:defRPr sz="900"/>
+            </a:lvl7pPr>
+            <a:lvl8pPr marL="3200400" indent="0">
+              <a:buNone/>
+              <a:defRPr sz="900"/>
+            </a:lvl8pPr>
+            <a:lvl9pPr marL="3657600" indent="0">
+              <a:buNone/>
+              <a:defRPr sz="900"/>
+            </a:lvl9pPr>
+          </a:lstStyle>
+          <a:p>
             <a:pPr lvl="0"/>
             <a:r>
-              <a:rPr lang="en-US" smtClean="0"/>
+              <a:rPr lang="en-US"/>
               <a:t>Edit Master text styles</a:t>
             </a:r>
           </a:p>
@@ -2356,7 +4574,7 @@
           <a:p>
             <a:fld id="{A7C4B4EA-4E57-43B5-9E64-45E867927BA5}" type="datetimeFigureOut">
               <a:rPr lang="en-US" smtClean="0"/>
-              <a:t>11/11/2016</a:t>
+              <a:t>12/4/2016</a:t>
             </a:fld>
             <a:endParaRPr lang="en-US"/>
           </a:p>
@@ -2407,7 +4625,7 @@
     </p:spTree>
     <p:extLst>
       <p:ext uri="{BB962C8B-B14F-4D97-AF65-F5344CB8AC3E}">
-        <p14:creationId xmlns:p14="http://schemas.microsoft.com/office/powerpoint/2010/main" val="437748237"/>
+        <p14:creationId xmlns:p14="http://schemas.microsoft.com/office/powerpoint/2010/main" val="2161511888"/>
       </p:ext>
     </p:extLst>
   </p:cSld>
@@ -2439,6 +4657,536 @@
           <a:chExt cx="0" cy="0"/>
         </a:xfrm>
       </p:grpSpPr>
+      <p:grpSp>
+        <p:nvGrpSpPr>
+          <p:cNvPr id="7" name="Group 6"/>
+          <p:cNvGrpSpPr/>
+          <p:nvPr/>
+        </p:nvGrpSpPr>
+        <p:grpSpPr>
+          <a:xfrm>
+            <a:off x="0" y="-8467"/>
+            <a:ext cx="12192000" cy="6866467"/>
+            <a:chOff x="0" y="-8467"/>
+            <a:chExt cx="12192000" cy="6866467"/>
+          </a:xfrm>
+        </p:grpSpPr>
+        <p:cxnSp>
+          <p:nvCxnSpPr>
+            <p:cNvPr id="20" name="Straight Connector 19"/>
+            <p:cNvCxnSpPr/>
+            <p:nvPr/>
+          </p:nvCxnSpPr>
+          <p:spPr>
+            <a:xfrm>
+              <a:off x="9371012" y="0"/>
+              <a:ext cx="1219200" cy="6858000"/>
+            </a:xfrm>
+            <a:prstGeom prst="line">
+              <a:avLst/>
+            </a:prstGeom>
+            <a:ln w="9525">
+              <a:solidFill>
+                <a:schemeClr val="bg1">
+                  <a:lumMod val="75000"/>
+                </a:schemeClr>
+              </a:solidFill>
+            </a:ln>
+          </p:spPr>
+          <p:style>
+            <a:lnRef idx="2">
+              <a:schemeClr val="accent1"/>
+            </a:lnRef>
+            <a:fillRef idx="0">
+              <a:schemeClr val="accent1"/>
+            </a:fillRef>
+            <a:effectRef idx="1">
+              <a:schemeClr val="accent1"/>
+            </a:effectRef>
+            <a:fontRef idx="minor">
+              <a:schemeClr val="tx1"/>
+            </a:fontRef>
+          </p:style>
+        </p:cxnSp>
+        <p:cxnSp>
+          <p:nvCxnSpPr>
+            <p:cNvPr id="21" name="Straight Connector 20"/>
+            <p:cNvCxnSpPr/>
+            <p:nvPr/>
+          </p:nvCxnSpPr>
+          <p:spPr>
+            <a:xfrm flipH="1">
+              <a:off x="7425267" y="3681413"/>
+              <a:ext cx="4763558" cy="3176587"/>
+            </a:xfrm>
+            <a:prstGeom prst="line">
+              <a:avLst/>
+            </a:prstGeom>
+            <a:ln w="9525">
+              <a:solidFill>
+                <a:schemeClr val="bg1">
+                  <a:lumMod val="85000"/>
+                </a:schemeClr>
+              </a:solidFill>
+            </a:ln>
+          </p:spPr>
+          <p:style>
+            <a:lnRef idx="2">
+              <a:schemeClr val="accent1"/>
+            </a:lnRef>
+            <a:fillRef idx="0">
+              <a:schemeClr val="accent1"/>
+            </a:fillRef>
+            <a:effectRef idx="1">
+              <a:schemeClr val="accent1"/>
+            </a:effectRef>
+            <a:fontRef idx="minor">
+              <a:schemeClr val="tx1"/>
+            </a:fontRef>
+          </p:style>
+        </p:cxnSp>
+        <p:sp>
+          <p:nvSpPr>
+            <p:cNvPr id="22" name="Rectangle 23"/>
+            <p:cNvSpPr/>
+            <p:nvPr/>
+          </p:nvSpPr>
+          <p:spPr>
+            <a:xfrm>
+              <a:off x="9181476" y="-8467"/>
+              <a:ext cx="3007349" cy="6866467"/>
+            </a:xfrm>
+            <a:custGeom>
+              <a:avLst/>
+              <a:gdLst/>
+              <a:ahLst/>
+              <a:cxnLst/>
+              <a:rect l="l" t="t" r="r" b="b"/>
+              <a:pathLst>
+                <a:path w="3007349" h="6866467">
+                  <a:moveTo>
+                    <a:pt x="2045532" y="0"/>
+                  </a:moveTo>
+                  <a:lnTo>
+                    <a:pt x="3007349" y="0"/>
+                  </a:lnTo>
+                  <a:lnTo>
+                    <a:pt x="3007349" y="6866467"/>
+                  </a:lnTo>
+                  <a:lnTo>
+                    <a:pt x="0" y="6866467"/>
+                  </a:lnTo>
+                  <a:lnTo>
+                    <a:pt x="2045532" y="0"/>
+                  </a:lnTo>
+                  <a:close/>
+                </a:path>
+              </a:pathLst>
+            </a:custGeom>
+            <a:solidFill>
+              <a:schemeClr val="accent1">
+                <a:alpha val="30000"/>
+              </a:schemeClr>
+            </a:solidFill>
+            <a:ln>
+              <a:noFill/>
+            </a:ln>
+            <a:effectLst/>
+          </p:spPr>
+          <p:style>
+            <a:lnRef idx="1">
+              <a:schemeClr val="accent1"/>
+            </a:lnRef>
+            <a:fillRef idx="3">
+              <a:schemeClr val="accent1"/>
+            </a:fillRef>
+            <a:effectRef idx="2">
+              <a:schemeClr val="accent1"/>
+            </a:effectRef>
+            <a:fontRef idx="minor">
+              <a:schemeClr val="lt1"/>
+            </a:fontRef>
+          </p:style>
+        </p:sp>
+        <p:sp>
+          <p:nvSpPr>
+            <p:cNvPr id="23" name="Rectangle 25"/>
+            <p:cNvSpPr/>
+            <p:nvPr/>
+          </p:nvSpPr>
+          <p:spPr>
+            <a:xfrm>
+              <a:off x="9603442" y="-8467"/>
+              <a:ext cx="2588558" cy="6866467"/>
+            </a:xfrm>
+            <a:custGeom>
+              <a:avLst/>
+              <a:gdLst/>
+              <a:ahLst/>
+              <a:cxnLst/>
+              <a:rect l="l" t="t" r="r" b="b"/>
+              <a:pathLst>
+                <a:path w="2573311" h="6866467">
+                  <a:moveTo>
+                    <a:pt x="0" y="0"/>
+                  </a:moveTo>
+                  <a:lnTo>
+                    <a:pt x="2573311" y="0"/>
+                  </a:lnTo>
+                  <a:lnTo>
+                    <a:pt x="2573311" y="6866467"/>
+                  </a:lnTo>
+                  <a:lnTo>
+                    <a:pt x="1202336" y="6866467"/>
+                  </a:lnTo>
+                  <a:lnTo>
+                    <a:pt x="0" y="0"/>
+                  </a:lnTo>
+                  <a:close/>
+                </a:path>
+              </a:pathLst>
+            </a:custGeom>
+            <a:solidFill>
+              <a:schemeClr val="accent1">
+                <a:alpha val="20000"/>
+              </a:schemeClr>
+            </a:solidFill>
+            <a:ln>
+              <a:noFill/>
+            </a:ln>
+            <a:effectLst/>
+          </p:spPr>
+          <p:style>
+            <a:lnRef idx="1">
+              <a:schemeClr val="accent1"/>
+            </a:lnRef>
+            <a:fillRef idx="3">
+              <a:schemeClr val="accent1"/>
+            </a:fillRef>
+            <a:effectRef idx="2">
+              <a:schemeClr val="accent1"/>
+            </a:effectRef>
+            <a:fontRef idx="minor">
+              <a:schemeClr val="lt1"/>
+            </a:fontRef>
+          </p:style>
+        </p:sp>
+        <p:sp>
+          <p:nvSpPr>
+            <p:cNvPr id="24" name="Isosceles Triangle 23"/>
+            <p:cNvSpPr/>
+            <p:nvPr/>
+          </p:nvSpPr>
+          <p:spPr>
+            <a:xfrm>
+              <a:off x="8932333" y="3048000"/>
+              <a:ext cx="3259667" cy="3810000"/>
+            </a:xfrm>
+            <a:prstGeom prst="triangle">
+              <a:avLst>
+                <a:gd name="adj" fmla="val 100000"/>
+              </a:avLst>
+            </a:prstGeom>
+            <a:solidFill>
+              <a:schemeClr val="accent2">
+                <a:alpha val="72000"/>
+              </a:schemeClr>
+            </a:solidFill>
+            <a:ln>
+              <a:noFill/>
+            </a:ln>
+            <a:effectLst/>
+          </p:spPr>
+          <p:style>
+            <a:lnRef idx="1">
+              <a:schemeClr val="accent1"/>
+            </a:lnRef>
+            <a:fillRef idx="3">
+              <a:schemeClr val="accent1"/>
+            </a:fillRef>
+            <a:effectRef idx="2">
+              <a:schemeClr val="accent1"/>
+            </a:effectRef>
+            <a:fontRef idx="minor">
+              <a:schemeClr val="lt1"/>
+            </a:fontRef>
+          </p:style>
+        </p:sp>
+        <p:sp>
+          <p:nvSpPr>
+            <p:cNvPr id="25" name="Rectangle 27"/>
+            <p:cNvSpPr/>
+            <p:nvPr/>
+          </p:nvSpPr>
+          <p:spPr>
+            <a:xfrm>
+              <a:off x="9334500" y="-8467"/>
+              <a:ext cx="2854326" cy="6866467"/>
+            </a:xfrm>
+            <a:custGeom>
+              <a:avLst/>
+              <a:gdLst/>
+              <a:ahLst/>
+              <a:cxnLst/>
+              <a:rect l="l" t="t" r="r" b="b"/>
+              <a:pathLst>
+                <a:path w="2858013" h="6866467">
+                  <a:moveTo>
+                    <a:pt x="0" y="0"/>
+                  </a:moveTo>
+                  <a:lnTo>
+                    <a:pt x="2858013" y="0"/>
+                  </a:lnTo>
+                  <a:lnTo>
+                    <a:pt x="2858013" y="6866467"/>
+                  </a:lnTo>
+                  <a:lnTo>
+                    <a:pt x="2473942" y="6866467"/>
+                  </a:lnTo>
+                  <a:lnTo>
+                    <a:pt x="0" y="0"/>
+                  </a:lnTo>
+                  <a:close/>
+                </a:path>
+              </a:pathLst>
+            </a:custGeom>
+            <a:solidFill>
+              <a:schemeClr val="accent2">
+                <a:lumMod val="75000"/>
+                <a:alpha val="70000"/>
+              </a:schemeClr>
+            </a:solidFill>
+            <a:ln>
+              <a:noFill/>
+            </a:ln>
+            <a:effectLst/>
+          </p:spPr>
+          <p:style>
+            <a:lnRef idx="1">
+              <a:schemeClr val="accent1"/>
+            </a:lnRef>
+            <a:fillRef idx="3">
+              <a:schemeClr val="accent1"/>
+            </a:fillRef>
+            <a:effectRef idx="2">
+              <a:schemeClr val="accent1"/>
+            </a:effectRef>
+            <a:fontRef idx="minor">
+              <a:schemeClr val="lt1"/>
+            </a:fontRef>
+          </p:style>
+        </p:sp>
+        <p:sp>
+          <p:nvSpPr>
+            <p:cNvPr id="26" name="Rectangle 28"/>
+            <p:cNvSpPr/>
+            <p:nvPr/>
+          </p:nvSpPr>
+          <p:spPr>
+            <a:xfrm>
+              <a:off x="10898730" y="-8467"/>
+              <a:ext cx="1290094" cy="6866467"/>
+            </a:xfrm>
+            <a:custGeom>
+              <a:avLst/>
+              <a:gdLst/>
+              <a:ahLst/>
+              <a:cxnLst/>
+              <a:rect l="l" t="t" r="r" b="b"/>
+              <a:pathLst>
+                <a:path w="1290094" h="6858000">
+                  <a:moveTo>
+                    <a:pt x="1019735" y="0"/>
+                  </a:moveTo>
+                  <a:lnTo>
+                    <a:pt x="1290094" y="0"/>
+                  </a:lnTo>
+                  <a:lnTo>
+                    <a:pt x="1290094" y="6858000"/>
+                  </a:lnTo>
+                  <a:lnTo>
+                    <a:pt x="0" y="6858000"/>
+                  </a:lnTo>
+                  <a:lnTo>
+                    <a:pt x="1019735" y="0"/>
+                  </a:lnTo>
+                  <a:close/>
+                </a:path>
+              </a:pathLst>
+            </a:custGeom>
+            <a:solidFill>
+              <a:schemeClr val="accent1">
+                <a:lumMod val="60000"/>
+                <a:lumOff val="40000"/>
+                <a:alpha val="70000"/>
+              </a:schemeClr>
+            </a:solidFill>
+            <a:ln>
+              <a:noFill/>
+            </a:ln>
+            <a:effectLst/>
+          </p:spPr>
+          <p:style>
+            <a:lnRef idx="1">
+              <a:schemeClr val="accent1"/>
+            </a:lnRef>
+            <a:fillRef idx="3">
+              <a:schemeClr val="accent1"/>
+            </a:fillRef>
+            <a:effectRef idx="2">
+              <a:schemeClr val="accent1"/>
+            </a:effectRef>
+            <a:fontRef idx="minor">
+              <a:schemeClr val="lt1"/>
+            </a:fontRef>
+          </p:style>
+        </p:sp>
+        <p:sp>
+          <p:nvSpPr>
+            <p:cNvPr id="27" name="Rectangle 29"/>
+            <p:cNvSpPr/>
+            <p:nvPr/>
+          </p:nvSpPr>
+          <p:spPr>
+            <a:xfrm>
+              <a:off x="10938999" y="-8467"/>
+              <a:ext cx="1249825" cy="6866467"/>
+            </a:xfrm>
+            <a:custGeom>
+              <a:avLst/>
+              <a:gdLst/>
+              <a:ahLst/>
+              <a:cxnLst/>
+              <a:rect l="l" t="t" r="r" b="b"/>
+              <a:pathLst>
+                <a:path w="1249825" h="6858000">
+                  <a:moveTo>
+                    <a:pt x="0" y="0"/>
+                  </a:moveTo>
+                  <a:lnTo>
+                    <a:pt x="1249825" y="0"/>
+                  </a:lnTo>
+                  <a:lnTo>
+                    <a:pt x="1249825" y="6858000"/>
+                  </a:lnTo>
+                  <a:lnTo>
+                    <a:pt x="1109382" y="6858000"/>
+                  </a:lnTo>
+                  <a:lnTo>
+                    <a:pt x="0" y="0"/>
+                  </a:lnTo>
+                  <a:close/>
+                </a:path>
+              </a:pathLst>
+            </a:custGeom>
+            <a:solidFill>
+              <a:schemeClr val="accent1">
+                <a:alpha val="65000"/>
+              </a:schemeClr>
+            </a:solidFill>
+            <a:ln>
+              <a:noFill/>
+            </a:ln>
+            <a:effectLst/>
+          </p:spPr>
+          <p:style>
+            <a:lnRef idx="1">
+              <a:schemeClr val="accent1"/>
+            </a:lnRef>
+            <a:fillRef idx="3">
+              <a:schemeClr val="accent1"/>
+            </a:fillRef>
+            <a:effectRef idx="2">
+              <a:schemeClr val="accent1"/>
+            </a:effectRef>
+            <a:fontRef idx="minor">
+              <a:schemeClr val="lt1"/>
+            </a:fontRef>
+          </p:style>
+        </p:sp>
+        <p:sp>
+          <p:nvSpPr>
+            <p:cNvPr id="28" name="Isosceles Triangle 27"/>
+            <p:cNvSpPr/>
+            <p:nvPr/>
+          </p:nvSpPr>
+          <p:spPr>
+            <a:xfrm>
+              <a:off x="10371666" y="3589867"/>
+              <a:ext cx="1817159" cy="3268133"/>
+            </a:xfrm>
+            <a:prstGeom prst="triangle">
+              <a:avLst>
+                <a:gd name="adj" fmla="val 100000"/>
+              </a:avLst>
+            </a:prstGeom>
+            <a:solidFill>
+              <a:schemeClr val="accent1">
+                <a:alpha val="80000"/>
+              </a:schemeClr>
+            </a:solidFill>
+            <a:ln>
+              <a:noFill/>
+            </a:ln>
+            <a:effectLst/>
+          </p:spPr>
+          <p:style>
+            <a:lnRef idx="1">
+              <a:schemeClr val="accent1"/>
+            </a:lnRef>
+            <a:fillRef idx="3">
+              <a:schemeClr val="accent1"/>
+            </a:fillRef>
+            <a:effectRef idx="2">
+              <a:schemeClr val="accent1"/>
+            </a:effectRef>
+            <a:fontRef idx="minor">
+              <a:schemeClr val="lt1"/>
+            </a:fontRef>
+          </p:style>
+        </p:sp>
+        <p:sp>
+          <p:nvSpPr>
+            <p:cNvPr id="29" name="Isosceles Triangle 28"/>
+            <p:cNvSpPr/>
+            <p:nvPr/>
+          </p:nvSpPr>
+          <p:spPr>
+            <a:xfrm>
+              <a:off x="0" y="4013200"/>
+              <a:ext cx="448733" cy="2844800"/>
+            </a:xfrm>
+            <a:prstGeom prst="triangle">
+              <a:avLst>
+                <a:gd name="adj" fmla="val 0"/>
+              </a:avLst>
+            </a:prstGeom>
+            <a:solidFill>
+              <a:schemeClr val="accent1">
+                <a:alpha val="85000"/>
+              </a:schemeClr>
+            </a:solidFill>
+            <a:ln>
+              <a:noFill/>
+            </a:ln>
+            <a:effectLst/>
+          </p:spPr>
+          <p:style>
+            <a:lnRef idx="1">
+              <a:schemeClr val="accent1"/>
+            </a:lnRef>
+            <a:fillRef idx="3">
+              <a:schemeClr val="accent1"/>
+            </a:fillRef>
+            <a:effectRef idx="2">
+              <a:schemeClr val="accent1"/>
+            </a:effectRef>
+            <a:fontRef idx="minor">
+              <a:schemeClr val="lt1"/>
+            </a:fontRef>
+          </p:style>
+        </p:sp>
+      </p:grpSp>
       <p:sp>
         <p:nvSpPr>
           <p:cNvPr id="2" name="Title Placeholder 1"/>
@@ -2451,24 +5199,24 @@
         </p:nvSpPr>
         <p:spPr>
           <a:xfrm>
-            <a:off x="838200" y="365125"/>
-            <a:ext cx="10515600" cy="1325563"/>
+            <a:off x="677334" y="609600"/>
+            <a:ext cx="8596668" cy="1320800"/>
           </a:xfrm>
           <a:prstGeom prst="rect">
             <a:avLst/>
           </a:prstGeom>
         </p:spPr>
         <p:txBody>
-          <a:bodyPr vert="horz" lIns="91440" tIns="45720" rIns="91440" bIns="45720" rtlCol="0" anchor="ctr">
+          <a:bodyPr vert="horz" lIns="91440" tIns="45720" rIns="91440" bIns="45720" rtlCol="0" anchor="t">
             <a:normAutofit/>
           </a:bodyPr>
           <a:lstStyle/>
           <a:p>
             <a:r>
-              <a:rPr lang="en-US" smtClean="0"/>
+              <a:rPr lang="en-US"/>
               <a:t>Click to edit Master title style</a:t>
             </a:r>
-            <a:endParaRPr lang="en-US"/>
+            <a:endParaRPr lang="en-US" dirty="0"/>
           </a:p>
         </p:txBody>
       </p:sp>
@@ -2484,8 +5232,8 @@
         </p:nvSpPr>
         <p:spPr>
           <a:xfrm>
-            <a:off x="838200" y="1825625"/>
-            <a:ext cx="10515600" cy="4351338"/>
+            <a:off x="677334" y="2160589"/>
+            <a:ext cx="8596668" cy="3880773"/>
           </a:xfrm>
           <a:prstGeom prst="rect">
             <a:avLst/>
@@ -2499,38 +5247,38 @@
           <a:p>
             <a:pPr lvl="0"/>
             <a:r>
-              <a:rPr lang="en-US" smtClean="0"/>
+              <a:rPr lang="en-US"/>
               <a:t>Edit Master text styles</a:t>
             </a:r>
           </a:p>
           <a:p>
             <a:pPr lvl="1"/>
             <a:r>
-              <a:rPr lang="en-US" smtClean="0"/>
+              <a:rPr lang="en-US"/>
               <a:t>Second level</a:t>
             </a:r>
           </a:p>
           <a:p>
             <a:pPr lvl="2"/>
             <a:r>
-              <a:rPr lang="en-US" smtClean="0"/>
+              <a:rPr lang="en-US"/>
               <a:t>Third level</a:t>
             </a:r>
           </a:p>
           <a:p>
             <a:pPr lvl="3"/>
             <a:r>
-              <a:rPr lang="en-US" smtClean="0"/>
+              <a:rPr lang="en-US"/>
               <a:t>Fourth level</a:t>
             </a:r>
           </a:p>
           <a:p>
             <a:pPr lvl="4"/>
             <a:r>
-              <a:rPr lang="en-US" smtClean="0"/>
+              <a:rPr lang="en-US"/>
               <a:t>Fifth level</a:t>
             </a:r>
-            <a:endParaRPr lang="en-US"/>
+            <a:endParaRPr lang="en-US" dirty="0"/>
           </a:p>
         </p:txBody>
       </p:sp>
@@ -2546,8 +5294,8 @@
         </p:nvSpPr>
         <p:spPr>
           <a:xfrm>
-            <a:off x="838200" y="6356350"/>
-            <a:ext cx="2743200" cy="365125"/>
+            <a:off x="7205133" y="6041362"/>
+            <a:ext cx="911939" cy="365125"/>
           </a:xfrm>
           <a:prstGeom prst="rect">
             <a:avLst/>
@@ -2556,8 +5304,8 @@
         <p:txBody>
           <a:bodyPr vert="horz" lIns="91440" tIns="45720" rIns="91440" bIns="45720" rtlCol="0" anchor="ctr"/>
           <a:lstStyle>
-            <a:lvl1pPr algn="l">
-              <a:defRPr sz="1200">
+            <a:lvl1pPr algn="r">
+              <a:defRPr sz="900">
                 <a:solidFill>
                   <a:schemeClr val="tx1">
                     <a:tint val="75000"/>
@@ -2569,7 +5317,7 @@
           <a:p>
             <a:fld id="{A7C4B4EA-4E57-43B5-9E64-45E867927BA5}" type="datetimeFigureOut">
               <a:rPr lang="en-US" smtClean="0"/>
-              <a:t>11/11/2016</a:t>
+              <a:t>12/4/2016</a:t>
             </a:fld>
             <a:endParaRPr lang="en-US"/>
           </a:p>
@@ -2587,8 +5335,8 @@
         </p:nvSpPr>
         <p:spPr>
           <a:xfrm>
-            <a:off x="4038600" y="6356350"/>
-            <a:ext cx="4114800" cy="365125"/>
+            <a:off x="677334" y="6041362"/>
+            <a:ext cx="6297612" cy="365125"/>
           </a:xfrm>
           <a:prstGeom prst="rect">
             <a:avLst/>
@@ -2597,8 +5345,8 @@
         <p:txBody>
           <a:bodyPr vert="horz" lIns="91440" tIns="45720" rIns="91440" bIns="45720" rtlCol="0" anchor="ctr"/>
           <a:lstStyle>
-            <a:lvl1pPr algn="ctr">
-              <a:defRPr sz="1200">
+            <a:lvl1pPr algn="l">
+              <a:defRPr sz="900">
                 <a:solidFill>
                   <a:schemeClr val="tx1">
                     <a:tint val="75000"/>
@@ -2624,8 +5372,8 @@
         </p:nvSpPr>
         <p:spPr>
           <a:xfrm>
-            <a:off x="8610600" y="6356350"/>
-            <a:ext cx="2743200" cy="365125"/>
+            <a:off x="8590663" y="6041362"/>
+            <a:ext cx="683339" cy="365125"/>
           </a:xfrm>
           <a:prstGeom prst="rect">
             <a:avLst/>
@@ -2635,11 +5383,9 @@
           <a:bodyPr vert="horz" lIns="91440" tIns="45720" rIns="91440" bIns="45720" rtlCol="0" anchor="ctr"/>
           <a:lstStyle>
             <a:lvl1pPr algn="r">
-              <a:defRPr sz="1200">
-                <a:solidFill>
-                  <a:schemeClr val="tx1">
-                    <a:tint val="75000"/>
-                  </a:schemeClr>
+              <a:defRPr sz="900">
+                <a:solidFill>
+                  <a:schemeClr val="accent1"/>
                 </a:solidFill>
               </a:defRPr>
             </a:lvl1pPr>
@@ -2656,201 +5402,322 @@
     </p:spTree>
     <p:extLst>
       <p:ext uri="{BB962C8B-B14F-4D97-AF65-F5344CB8AC3E}">
-        <p14:creationId xmlns:p14="http://schemas.microsoft.com/office/powerpoint/2010/main" val="1389539279"/>
+        <p14:creationId xmlns:p14="http://schemas.microsoft.com/office/powerpoint/2010/main" val="2294553809"/>
       </p:ext>
     </p:extLst>
   </p:cSld>
   <p:clrMap bg1="lt1" tx1="dk1" bg2="lt2" tx2="dk2" accent1="accent1" accent2="accent2" accent3="accent3" accent4="accent4" accent5="accent5" accent6="accent6" hlink="hlink" folHlink="folHlink"/>
   <p:sldLayoutIdLst>
-    <p:sldLayoutId id="2147483649" r:id="rId1"/>
-    <p:sldLayoutId id="2147483650" r:id="rId2"/>
-    <p:sldLayoutId id="2147483651" r:id="rId3"/>
-    <p:sldLayoutId id="2147483652" r:id="rId4"/>
-    <p:sldLayoutId id="2147483653" r:id="rId5"/>
-    <p:sldLayoutId id="2147483654" r:id="rId6"/>
-    <p:sldLayoutId id="2147483655" r:id="rId7"/>
-    <p:sldLayoutId id="2147483656" r:id="rId8"/>
-    <p:sldLayoutId id="2147483657" r:id="rId9"/>
-    <p:sldLayoutId id="2147483658" r:id="rId10"/>
-    <p:sldLayoutId id="2147483659" r:id="rId11"/>
+    <p:sldLayoutId id="2147483661" r:id="rId1"/>
+    <p:sldLayoutId id="2147483662" r:id="rId2"/>
+    <p:sldLayoutId id="2147483663" r:id="rId3"/>
+    <p:sldLayoutId id="2147483664" r:id="rId4"/>
+    <p:sldLayoutId id="2147483665" r:id="rId5"/>
+    <p:sldLayoutId id="2147483666" r:id="rId6"/>
+    <p:sldLayoutId id="2147483667" r:id="rId7"/>
+    <p:sldLayoutId id="2147483668" r:id="rId8"/>
+    <p:sldLayoutId id="2147483669" r:id="rId9"/>
+    <p:sldLayoutId id="2147483670" r:id="rId10"/>
+    <p:sldLayoutId id="2147483671" r:id="rId11"/>
+    <p:sldLayoutId id="2147483672" r:id="rId12"/>
+    <p:sldLayoutId id="2147483673" r:id="rId13"/>
+    <p:sldLayoutId id="2147483674" r:id="rId14"/>
+    <p:sldLayoutId id="2147483675" r:id="rId15"/>
+    <p:sldLayoutId id="2147483676" r:id="rId16"/>
   </p:sldLayoutIdLst>
   <p:txStyles>
     <p:titleStyle>
-      <a:lvl1pPr algn="l" defTabSz="914400" rtl="0" eaLnBrk="1" latinLnBrk="0" hangingPunct="1">
-        <a:lnSpc>
-          <a:spcPct val="90000"/>
-        </a:lnSpc>
+      <a:lvl1pPr algn="l" defTabSz="457200" rtl="0" eaLnBrk="1" latinLnBrk="0" hangingPunct="1">
         <a:spcBef>
           <a:spcPct val="0"/>
         </a:spcBef>
         <a:buNone/>
-        <a:defRPr sz="4400" kern="1200">
+        <a:defRPr sz="3600" kern="1200">
           <a:solidFill>
-            <a:schemeClr val="tx1"/>
+            <a:schemeClr val="accent1"/>
           </a:solidFill>
           <a:latin typeface="+mj-lt"/>
           <a:ea typeface="+mj-ea"/>
           <a:cs typeface="+mj-cs"/>
         </a:defRPr>
       </a:lvl1pPr>
+      <a:lvl2pPr eaLnBrk="1" hangingPunct="1">
+        <a:defRPr>
+          <a:solidFill>
+            <a:schemeClr val="tx2"/>
+          </a:solidFill>
+        </a:defRPr>
+      </a:lvl2pPr>
+      <a:lvl3pPr eaLnBrk="1" hangingPunct="1">
+        <a:defRPr>
+          <a:solidFill>
+            <a:schemeClr val="tx2"/>
+          </a:solidFill>
+        </a:defRPr>
+      </a:lvl3pPr>
+      <a:lvl4pPr eaLnBrk="1" hangingPunct="1">
+        <a:defRPr>
+          <a:solidFill>
+            <a:schemeClr val="tx2"/>
+          </a:solidFill>
+        </a:defRPr>
+      </a:lvl4pPr>
+      <a:lvl5pPr eaLnBrk="1" hangingPunct="1">
+        <a:defRPr>
+          <a:solidFill>
+            <a:schemeClr val="tx2"/>
+          </a:solidFill>
+        </a:defRPr>
+      </a:lvl5pPr>
+      <a:lvl6pPr eaLnBrk="1" hangingPunct="1">
+        <a:defRPr>
+          <a:solidFill>
+            <a:schemeClr val="tx2"/>
+          </a:solidFill>
+        </a:defRPr>
+      </a:lvl6pPr>
+      <a:lvl7pPr eaLnBrk="1" hangingPunct="1">
+        <a:defRPr>
+          <a:solidFill>
+            <a:schemeClr val="tx2"/>
+          </a:solidFill>
+        </a:defRPr>
+      </a:lvl7pPr>
+      <a:lvl8pPr eaLnBrk="1" hangingPunct="1">
+        <a:defRPr>
+          <a:solidFill>
+            <a:schemeClr val="tx2"/>
+          </a:solidFill>
+        </a:defRPr>
+      </a:lvl8pPr>
+      <a:lvl9pPr eaLnBrk="1" hangingPunct="1">
+        <a:defRPr>
+          <a:solidFill>
+            <a:schemeClr val="tx2"/>
+          </a:solidFill>
+        </a:defRPr>
+      </a:lvl9pPr>
     </p:titleStyle>
     <p:bodyStyle>
-      <a:lvl1pPr marL="228600" indent="-228600" algn="l" defTabSz="914400" rtl="0" eaLnBrk="1" latinLnBrk="0" hangingPunct="1">
-        <a:lnSpc>
-          <a:spcPct val="90000"/>
-        </a:lnSpc>
+      <a:lvl1pPr marL="342900" indent="-342900" algn="l" defTabSz="457200" rtl="0" eaLnBrk="1" latinLnBrk="0" hangingPunct="1">
         <a:spcBef>
           <a:spcPts val="1000"/>
         </a:spcBef>
-        <a:buFont typeface="Arial" panose="020B0604020202020204" pitchFamily="34" charset="0"/>
-        <a:buChar char="•"/>
-        <a:defRPr sz="2800" kern="1200">
+        <a:spcAft>
+          <a:spcPts val="0"/>
+        </a:spcAft>
+        <a:buClr>
+          <a:schemeClr val="accent1"/>
+        </a:buClr>
+        <a:buSzPct val="80000"/>
+        <a:buFont typeface="Wingdings 3" charset="2"/>
+        <a:buChar char=""/>
+        <a:defRPr sz="1800" kern="1200">
           <a:solidFill>
-            <a:schemeClr val="tx1"/>
+            <a:schemeClr val="tx1">
+              <a:lumMod val="75000"/>
+              <a:lumOff val="25000"/>
+            </a:schemeClr>
           </a:solidFill>
           <a:latin typeface="+mn-lt"/>
           <a:ea typeface="+mn-ea"/>
           <a:cs typeface="+mn-cs"/>
         </a:defRPr>
       </a:lvl1pPr>
-      <a:lvl2pPr marL="685800" indent="-228600" algn="l" defTabSz="914400" rtl="0" eaLnBrk="1" latinLnBrk="0" hangingPunct="1">
-        <a:lnSpc>
-          <a:spcPct val="90000"/>
-        </a:lnSpc>
+      <a:lvl2pPr marL="742950" indent="-285750" algn="l" defTabSz="457200" rtl="0" eaLnBrk="1" latinLnBrk="0" hangingPunct="1">
         <a:spcBef>
-          <a:spcPts val="500"/>
+          <a:spcPts val="1000"/>
         </a:spcBef>
-        <a:buFont typeface="Arial" panose="020B0604020202020204" pitchFamily="34" charset="0"/>
-        <a:buChar char="•"/>
-        <a:defRPr sz="2400" kern="1200">
+        <a:spcAft>
+          <a:spcPts val="0"/>
+        </a:spcAft>
+        <a:buClr>
+          <a:schemeClr val="accent1"/>
+        </a:buClr>
+        <a:buSzPct val="80000"/>
+        <a:buFont typeface="Wingdings 3" charset="2"/>
+        <a:buChar char=""/>
+        <a:defRPr sz="1600" kern="1200">
           <a:solidFill>
-            <a:schemeClr val="tx1"/>
+            <a:schemeClr val="tx1">
+              <a:lumMod val="75000"/>
+              <a:lumOff val="25000"/>
+            </a:schemeClr>
           </a:solidFill>
           <a:latin typeface="+mn-lt"/>
           <a:ea typeface="+mn-ea"/>
           <a:cs typeface="+mn-cs"/>
         </a:defRPr>
       </a:lvl2pPr>
-      <a:lvl3pPr marL="1143000" indent="-228600" algn="l" defTabSz="914400" rtl="0" eaLnBrk="1" latinLnBrk="0" hangingPunct="1">
-        <a:lnSpc>
-          <a:spcPct val="90000"/>
-        </a:lnSpc>
+      <a:lvl3pPr marL="1143000" indent="-228600" algn="l" defTabSz="457200" rtl="0" eaLnBrk="1" latinLnBrk="0" hangingPunct="1">
         <a:spcBef>
-          <a:spcPts val="500"/>
+          <a:spcPts val="1000"/>
         </a:spcBef>
-        <a:buFont typeface="Arial" panose="020B0604020202020204" pitchFamily="34" charset="0"/>
-        <a:buChar char="•"/>
-        <a:defRPr sz="2000" kern="1200">
+        <a:spcAft>
+          <a:spcPts val="0"/>
+        </a:spcAft>
+        <a:buClr>
+          <a:schemeClr val="accent1"/>
+        </a:buClr>
+        <a:buSzPct val="80000"/>
+        <a:buFont typeface="Wingdings 3" charset="2"/>
+        <a:buChar char=""/>
+        <a:defRPr sz="1400" kern="1200">
           <a:solidFill>
-            <a:schemeClr val="tx1"/>
+            <a:schemeClr val="tx1">
+              <a:lumMod val="75000"/>
+              <a:lumOff val="25000"/>
+            </a:schemeClr>
           </a:solidFill>
           <a:latin typeface="+mn-lt"/>
           <a:ea typeface="+mn-ea"/>
           <a:cs typeface="+mn-cs"/>
         </a:defRPr>
       </a:lvl3pPr>
-      <a:lvl4pPr marL="1600200" indent="-228600" algn="l" defTabSz="914400" rtl="0" eaLnBrk="1" latinLnBrk="0" hangingPunct="1">
-        <a:lnSpc>
-          <a:spcPct val="90000"/>
-        </a:lnSpc>
+      <a:lvl4pPr marL="1600200" indent="-228600" algn="l" defTabSz="457200" rtl="0" eaLnBrk="1" latinLnBrk="0" hangingPunct="1">
         <a:spcBef>
-          <a:spcPts val="500"/>
+          <a:spcPts val="1000"/>
         </a:spcBef>
-        <a:buFont typeface="Arial" panose="020B0604020202020204" pitchFamily="34" charset="0"/>
-        <a:buChar char="•"/>
-        <a:defRPr sz="1800" kern="1200">
+        <a:spcAft>
+          <a:spcPts val="0"/>
+        </a:spcAft>
+        <a:buClr>
+          <a:schemeClr val="accent1"/>
+        </a:buClr>
+        <a:buSzPct val="80000"/>
+        <a:buFont typeface="Wingdings 3" charset="2"/>
+        <a:buChar char=""/>
+        <a:defRPr sz="1200" kern="1200">
           <a:solidFill>
-            <a:schemeClr val="tx1"/>
+            <a:schemeClr val="tx1">
+              <a:lumMod val="75000"/>
+              <a:lumOff val="25000"/>
+            </a:schemeClr>
           </a:solidFill>
           <a:latin typeface="+mn-lt"/>
           <a:ea typeface="+mn-ea"/>
           <a:cs typeface="+mn-cs"/>
         </a:defRPr>
       </a:lvl4pPr>
-      <a:lvl5pPr marL="2057400" indent="-228600" algn="l" defTabSz="914400" rtl="0" eaLnBrk="1" latinLnBrk="0" hangingPunct="1">
-        <a:lnSpc>
-          <a:spcPct val="90000"/>
-        </a:lnSpc>
+      <a:lvl5pPr marL="2057400" indent="-228600" algn="l" defTabSz="457200" rtl="0" eaLnBrk="1" latinLnBrk="0" hangingPunct="1">
         <a:spcBef>
-          <a:spcPts val="500"/>
+          <a:spcPts val="1000"/>
         </a:spcBef>
-        <a:buFont typeface="Arial" panose="020B0604020202020204" pitchFamily="34" charset="0"/>
-        <a:buChar char="•"/>
-        <a:defRPr sz="1800" kern="1200">
+        <a:spcAft>
+          <a:spcPts val="0"/>
+        </a:spcAft>
+        <a:buClr>
+          <a:schemeClr val="accent1"/>
+        </a:buClr>
+        <a:buSzPct val="80000"/>
+        <a:buFont typeface="Wingdings 3" charset="2"/>
+        <a:buChar char=""/>
+        <a:defRPr sz="1200" kern="1200">
           <a:solidFill>
-            <a:schemeClr val="tx1"/>
+            <a:schemeClr val="tx1">
+              <a:lumMod val="75000"/>
+              <a:lumOff val="25000"/>
+            </a:schemeClr>
           </a:solidFill>
           <a:latin typeface="+mn-lt"/>
           <a:ea typeface="+mn-ea"/>
           <a:cs typeface="+mn-cs"/>
         </a:defRPr>
       </a:lvl5pPr>
-      <a:lvl6pPr marL="2514600" indent="-228600" algn="l" defTabSz="914400" rtl="0" eaLnBrk="1" latinLnBrk="0" hangingPunct="1">
-        <a:lnSpc>
-          <a:spcPct val="90000"/>
-        </a:lnSpc>
+      <a:lvl6pPr marL="2514600" indent="-228600" algn="l" defTabSz="457200" rtl="0" eaLnBrk="1" latinLnBrk="0" hangingPunct="1">
         <a:spcBef>
-          <a:spcPts val="500"/>
+          <a:spcPts val="1000"/>
         </a:spcBef>
-        <a:buFont typeface="Arial" panose="020B0604020202020204" pitchFamily="34" charset="0"/>
-        <a:buChar char="•"/>
-        <a:defRPr sz="1800" kern="1200">
+        <a:spcAft>
+          <a:spcPts val="0"/>
+        </a:spcAft>
+        <a:buClr>
+          <a:schemeClr val="accent1"/>
+        </a:buClr>
+        <a:buSzPct val="80000"/>
+        <a:buFont typeface="Wingdings 3" charset="2"/>
+        <a:buChar char=""/>
+        <a:defRPr sz="1200" kern="1200">
           <a:solidFill>
-            <a:schemeClr val="tx1"/>
+            <a:schemeClr val="tx1">
+              <a:lumMod val="75000"/>
+              <a:lumOff val="25000"/>
+            </a:schemeClr>
           </a:solidFill>
           <a:latin typeface="+mn-lt"/>
           <a:ea typeface="+mn-ea"/>
           <a:cs typeface="+mn-cs"/>
         </a:defRPr>
       </a:lvl6pPr>
-      <a:lvl7pPr marL="2971800" indent="-228600" algn="l" defTabSz="914400" rtl="0" eaLnBrk="1" latinLnBrk="0" hangingPunct="1">
-        <a:lnSpc>
-          <a:spcPct val="90000"/>
-        </a:lnSpc>
+      <a:lvl7pPr marL="2971800" indent="-228600" algn="l" defTabSz="457200" rtl="0" eaLnBrk="1" latinLnBrk="0" hangingPunct="1">
         <a:spcBef>
-          <a:spcPts val="500"/>
+          <a:spcPts val="1000"/>
         </a:spcBef>
-        <a:buFont typeface="Arial" panose="020B0604020202020204" pitchFamily="34" charset="0"/>
-        <a:buChar char="•"/>
-        <a:defRPr sz="1800" kern="1200">
+        <a:spcAft>
+          <a:spcPts val="0"/>
+        </a:spcAft>
+        <a:buClr>
+          <a:schemeClr val="accent1"/>
+        </a:buClr>
+        <a:buSzPct val="80000"/>
+        <a:buFont typeface="Wingdings 3" charset="2"/>
+        <a:buChar char=""/>
+        <a:defRPr sz="1200" kern="1200">
           <a:solidFill>
-            <a:schemeClr val="tx1"/>
+            <a:schemeClr val="tx1">
+              <a:lumMod val="75000"/>
+              <a:lumOff val="25000"/>
+            </a:schemeClr>
           </a:solidFill>
           <a:latin typeface="+mn-lt"/>
           <a:ea typeface="+mn-ea"/>
           <a:cs typeface="+mn-cs"/>
         </a:defRPr>
       </a:lvl7pPr>
-      <a:lvl8pPr marL="3429000" indent="-228600" algn="l" defTabSz="914400" rtl="0" eaLnBrk="1" latinLnBrk="0" hangingPunct="1">
-        <a:lnSpc>
-          <a:spcPct val="90000"/>
-        </a:lnSpc>
+      <a:lvl8pPr marL="3429000" indent="-228600" algn="l" defTabSz="457200" rtl="0" eaLnBrk="1" latinLnBrk="0" hangingPunct="1">
         <a:spcBef>
-          <a:spcPts val="500"/>
+          <a:spcPts val="1000"/>
         </a:spcBef>
-        <a:buFont typeface="Arial" panose="020B0604020202020204" pitchFamily="34" charset="0"/>
-        <a:buChar char="•"/>
-        <a:defRPr sz="1800" kern="1200">
+        <a:spcAft>
+          <a:spcPts val="0"/>
+        </a:spcAft>
+        <a:buClr>
+          <a:schemeClr val="accent1"/>
+        </a:buClr>
+        <a:buSzPct val="80000"/>
+        <a:buFont typeface="Wingdings 3" charset="2"/>
+        <a:buChar char=""/>
+        <a:defRPr sz="1200" kern="1200">
           <a:solidFill>
-            <a:schemeClr val="tx1"/>
+            <a:schemeClr val="tx1">
+              <a:lumMod val="75000"/>
+              <a:lumOff val="25000"/>
+            </a:schemeClr>
           </a:solidFill>
           <a:latin typeface="+mn-lt"/>
           <a:ea typeface="+mn-ea"/>
           <a:cs typeface="+mn-cs"/>
         </a:defRPr>
       </a:lvl8pPr>
-      <a:lvl9pPr marL="3886200" indent="-228600" algn="l" defTabSz="914400" rtl="0" eaLnBrk="1" latinLnBrk="0" hangingPunct="1">
-        <a:lnSpc>
-          <a:spcPct val="90000"/>
-        </a:lnSpc>
+      <a:lvl9pPr marL="3886200" indent="-228600" algn="l" defTabSz="457200" rtl="0" eaLnBrk="1" latinLnBrk="0" hangingPunct="1">
         <a:spcBef>
-          <a:spcPts val="500"/>
+          <a:spcPts val="1000"/>
         </a:spcBef>
-        <a:buFont typeface="Arial" panose="020B0604020202020204" pitchFamily="34" charset="0"/>
-        <a:buChar char="•"/>
-        <a:defRPr sz="1800" kern="1200">
+        <a:spcAft>
+          <a:spcPts val="0"/>
+        </a:spcAft>
+        <a:buClr>
+          <a:schemeClr val="accent1"/>
+        </a:buClr>
+        <a:buSzPct val="80000"/>
+        <a:buFont typeface="Wingdings 3" charset="2"/>
+        <a:buChar char=""/>
+        <a:defRPr sz="1200" kern="1200">
           <a:solidFill>
-            <a:schemeClr val="tx1"/>
+            <a:schemeClr val="tx1">
+              <a:lumMod val="75000"/>
+              <a:lumOff val="25000"/>
+            </a:schemeClr>
           </a:solidFill>
           <a:latin typeface="+mn-lt"/>
           <a:ea typeface="+mn-ea"/>
@@ -2862,7 +5729,7 @@
       <a:defPPr>
         <a:defRPr lang="en-US"/>
       </a:defPPr>
-      <a:lvl1pPr marL="0" algn="l" defTabSz="914400" rtl="0" eaLnBrk="1" latinLnBrk="0" hangingPunct="1">
+      <a:lvl1pPr marL="0" algn="l" defTabSz="457200" rtl="0" eaLnBrk="1" latinLnBrk="0" hangingPunct="1">
         <a:defRPr sz="1800" kern="1200">
           <a:solidFill>
             <a:schemeClr val="tx1"/>
@@ -2872,7 +5739,7 @@
           <a:cs typeface="+mn-cs"/>
         </a:defRPr>
       </a:lvl1pPr>
-      <a:lvl2pPr marL="457200" algn="l" defTabSz="914400" rtl="0" eaLnBrk="1" latinLnBrk="0" hangingPunct="1">
+      <a:lvl2pPr marL="457200" algn="l" defTabSz="457200" rtl="0" eaLnBrk="1" latinLnBrk="0" hangingPunct="1">
         <a:defRPr sz="1800" kern="1200">
           <a:solidFill>
             <a:schemeClr val="tx1"/>
@@ -2882,7 +5749,7 @@
           <a:cs typeface="+mn-cs"/>
         </a:defRPr>
       </a:lvl2pPr>
-      <a:lvl3pPr marL="914400" algn="l" defTabSz="914400" rtl="0" eaLnBrk="1" latinLnBrk="0" hangingPunct="1">
+      <a:lvl3pPr marL="914400" algn="l" defTabSz="457200" rtl="0" eaLnBrk="1" latinLnBrk="0" hangingPunct="1">
         <a:defRPr sz="1800" kern="1200">
           <a:solidFill>
             <a:schemeClr val="tx1"/>
@@ -2892,7 +5759,7 @@
           <a:cs typeface="+mn-cs"/>
         </a:defRPr>
       </a:lvl3pPr>
-      <a:lvl4pPr marL="1371600" algn="l" defTabSz="914400" rtl="0" eaLnBrk="1" latinLnBrk="0" hangingPunct="1">
+      <a:lvl4pPr marL="1371600" algn="l" defTabSz="457200" rtl="0" eaLnBrk="1" latinLnBrk="0" hangingPunct="1">
         <a:defRPr sz="1800" kern="1200">
           <a:solidFill>
             <a:schemeClr val="tx1"/>
@@ -2902,7 +5769,7 @@
           <a:cs typeface="+mn-cs"/>
         </a:defRPr>
       </a:lvl4pPr>
-      <a:lvl5pPr marL="1828800" algn="l" defTabSz="914400" rtl="0" eaLnBrk="1" latinLnBrk="0" hangingPunct="1">
+      <a:lvl5pPr marL="1828800" algn="l" defTabSz="457200" rtl="0" eaLnBrk="1" latinLnBrk="0" hangingPunct="1">
         <a:defRPr sz="1800" kern="1200">
           <a:solidFill>
             <a:schemeClr val="tx1"/>
@@ -2912,7 +5779,7 @@
           <a:cs typeface="+mn-cs"/>
         </a:defRPr>
       </a:lvl5pPr>
-      <a:lvl6pPr marL="2286000" algn="l" defTabSz="914400" rtl="0" eaLnBrk="1" latinLnBrk="0" hangingPunct="1">
+      <a:lvl6pPr marL="2286000" algn="l" defTabSz="457200" rtl="0" eaLnBrk="1" latinLnBrk="0" hangingPunct="1">
         <a:defRPr sz="1800" kern="1200">
           <a:solidFill>
             <a:schemeClr val="tx1"/>
@@ -2922,7 +5789,7 @@
           <a:cs typeface="+mn-cs"/>
         </a:defRPr>
       </a:lvl6pPr>
-      <a:lvl7pPr marL="2743200" algn="l" defTabSz="914400" rtl="0" eaLnBrk="1" latinLnBrk="0" hangingPunct="1">
+      <a:lvl7pPr marL="2743200" algn="l" defTabSz="457200" rtl="0" eaLnBrk="1" latinLnBrk="0" hangingPunct="1">
         <a:defRPr sz="1800" kern="1200">
           <a:solidFill>
             <a:schemeClr val="tx1"/>
@@ -2932,7 +5799,7 @@
           <a:cs typeface="+mn-cs"/>
         </a:defRPr>
       </a:lvl7pPr>
-      <a:lvl8pPr marL="3200400" algn="l" defTabSz="914400" rtl="0" eaLnBrk="1" latinLnBrk="0" hangingPunct="1">
+      <a:lvl8pPr marL="3200400" algn="l" defTabSz="457200" rtl="0" eaLnBrk="1" latinLnBrk="0" hangingPunct="1">
         <a:defRPr sz="1800" kern="1200">
           <a:solidFill>
             <a:schemeClr val="tx1"/>
@@ -2942,7 +5809,7 @@
           <a:cs typeface="+mn-cs"/>
         </a:defRPr>
       </a:lvl8pPr>
-      <a:lvl9pPr marL="3657600" algn="l" defTabSz="914400" rtl="0" eaLnBrk="1" latinLnBrk="0" hangingPunct="1">
+      <a:lvl9pPr marL="3657600" algn="l" defTabSz="457200" rtl="0" eaLnBrk="1" latinLnBrk="0" hangingPunct="1">
         <a:defRPr sz="1800" kern="1200">
           <a:solidFill>
             <a:schemeClr val="tx1"/>
@@ -2990,10 +5857,9 @@
           <a:lstStyle/>
           <a:p>
             <a:r>
-              <a:rPr lang="en-US" smtClean="0"/>
-              <a:t>Abstract Factory</a:t>
-            </a:r>
-            <a:endParaRPr lang="en-US"/>
+              <a:rPr lang="en-US" b="1"/>
+              <a:t>Mẫu Abstract Factory</a:t>
+            </a:r>
           </a:p>
         </p:txBody>
       </p:sp>
@@ -3009,9 +5875,33 @@
         </p:nvSpPr>
         <p:spPr/>
         <p:txBody>
-          <a:bodyPr/>
-          <a:lstStyle/>
-          <a:p>
+          <a:bodyPr>
+            <a:normAutofit fontScale="25000" lnSpcReduction="20000"/>
+          </a:bodyPr>
+          <a:lstStyle/>
+          <a:p>
+            <a:r>
+              <a:rPr lang="en-US" sz="7200"/>
+              <a:t>Nhóm 28:</a:t>
+            </a:r>
+          </a:p>
+          <a:p>
+            <a:r>
+              <a:rPr lang="en-US" sz="7200"/>
+              <a:t>	Văn Vũ Tuấn</a:t>
+            </a:r>
+          </a:p>
+          <a:p>
+            <a:r>
+              <a:rPr lang="en-US" sz="7200"/>
+              <a:t>Phạm Ngọc Linh</a:t>
+            </a:r>
+          </a:p>
+          <a:p>
+            <a:r>
+              <a:rPr lang="en-US" sz="7200"/>
+              <a:t>Huỳnh Đức Đăng Khoa</a:t>
+            </a:r>
             <a:endParaRPr lang="en-US"/>
           </a:p>
         </p:txBody>
@@ -3062,10 +5952,9 @@
           <a:lstStyle/>
           <a:p>
             <a:r>
-              <a:rPr lang="en-US" smtClean="0"/>
-              <a:t>Demo</a:t>
-            </a:r>
-            <a:endParaRPr lang="en-US"/>
+              <a:rPr lang="en-US" b="1"/>
+              <a:t>Các chú ý liên quan đến cài đặt</a:t>
+            </a:r>
           </a:p>
         </p:txBody>
       </p:sp>
@@ -3084,14 +5973,31 @@
           <a:bodyPr/>
           <a:lstStyle/>
           <a:p>
-            <a:endParaRPr lang="en-US"/>
+            <a:r>
+              <a:rPr lang="en-US"/>
+              <a:t>Lớp AbstractFactory  chỉ khai báo duy nhất </a:t>
+            </a:r>
+            <a:r>
+              <a:rPr lang="en-US"/>
+              <a:t>1 giao diện </a:t>
+            </a:r>
+            <a:r>
+              <a:rPr lang="en-US"/>
+              <a:t>cho việc khởi tạo sản phẩm (products), còn việc tạo ra các thể hiện là nhiệm vụ của các ConcreteFactory.</a:t>
+            </a:r>
+          </a:p>
+          <a:p>
+            <a:r>
+              <a:rPr lang="en-US"/>
+              <a:t>Mỗi ConcreteFacoty chịu trách nhiệm cho việc tạo ra một sản phẩm duy nhất.</a:t>
+            </a:r>
           </a:p>
         </p:txBody>
       </p:sp>
     </p:spTree>
     <p:extLst>
       <p:ext uri="{BB962C8B-B14F-4D97-AF65-F5344CB8AC3E}">
-        <p14:creationId xmlns:p14="http://schemas.microsoft.com/office/powerpoint/2010/main" val="3073607429"/>
+        <p14:creationId xmlns:p14="http://schemas.microsoft.com/office/powerpoint/2010/main" val="1313416780"/>
       </p:ext>
     </p:extLst>
   </p:cSld>
@@ -3134,10 +6040,123 @@
           <a:lstStyle/>
           <a:p>
             <a:r>
-              <a:rPr lang="en-US" smtClean="0"/>
+              <a:rPr lang="en-US" b="1"/>
+              <a:t>Các mẫu có liên quan</a:t>
+            </a:r>
+            <a:endParaRPr lang="en-US" b="1"/>
+          </a:p>
+        </p:txBody>
+      </p:sp>
+      <p:sp>
+        <p:nvSpPr>
+          <p:cNvPr id="3" name="Content Placeholder 2"/>
+          <p:cNvSpPr>
+            <a:spLocks noGrp="1"/>
+          </p:cNvSpPr>
+          <p:nvPr>
+            <p:ph idx="1"/>
+          </p:nvPr>
+        </p:nvSpPr>
+        <p:spPr/>
+        <p:txBody>
+          <a:bodyPr/>
+          <a:lstStyle/>
+          <a:p>
+            <a:r>
+              <a:rPr lang="en-US"/>
+              <a:t>Mẫu </a:t>
+            </a:r>
+            <a:r>
+              <a:rPr lang="en-US" b="1"/>
+              <a:t>Abstract Factory</a:t>
+            </a:r>
+            <a:r>
+              <a:rPr lang="en-US"/>
+              <a:t> thường được cài đặt cùng với mẫu </a:t>
+            </a:r>
+            <a:r>
+              <a:rPr lang="en-US" b="1" u="sng">
+                <a:hlinkClick r:id="rId2"/>
+              </a:rPr>
+              <a:t>Singleton</a:t>
+            </a:r>
+            <a:r>
+              <a:rPr lang="en-US"/>
+              <a:t>, </a:t>
+            </a:r>
+            <a:r>
+              <a:rPr lang="en-US" b="1" u="sng">
+                <a:hlinkClick r:id="rId3"/>
+              </a:rPr>
+              <a:t>Factory Method</a:t>
+            </a:r>
+            <a:r>
+              <a:rPr lang="en-US"/>
+              <a:t> đôi khi còn đi chung với mẫu </a:t>
+            </a:r>
+            <a:r>
+              <a:rPr lang="en-US" b="1"/>
+              <a:t>Prototype</a:t>
+            </a:r>
+            <a:r>
+              <a:rPr lang="en-US"/>
+              <a:t>. Các lớp con cụ thể thường được cài đặt bằng mẫu singleton. Bởi vì mẫu singleton có thể tạo các đối tượng nhất quán ta có thể gọi nó ở bất cứ đâu trong chương trình</a:t>
+            </a:r>
+          </a:p>
+          <a:p>
+            <a:endParaRPr lang="en-US" b="1"/>
+          </a:p>
+        </p:txBody>
+      </p:sp>
+    </p:spTree>
+    <p:extLst>
+      <p:ext uri="{BB962C8B-B14F-4D97-AF65-F5344CB8AC3E}">
+        <p14:creationId xmlns:p14="http://schemas.microsoft.com/office/powerpoint/2010/main" val="2917200048"/>
+      </p:ext>
+    </p:extLst>
+  </p:cSld>
+  <p:clrMapOvr>
+    <a:masterClrMapping/>
+  </p:clrMapOvr>
+</p:sld>
+</file>
+
+<file path=ppt/slides/slide12.xml><?xml version="1.0" encoding="utf-8"?>
+<p:sld xmlns:a="http://schemas.openxmlformats.org/drawingml/2006/main" xmlns:r="http://schemas.openxmlformats.org/officeDocument/2006/relationships" xmlns:p="http://schemas.openxmlformats.org/presentationml/2006/main">
+  <p:cSld>
+    <p:spTree>
+      <p:nvGrpSpPr>
+        <p:cNvPr id="1" name=""/>
+        <p:cNvGrpSpPr/>
+        <p:nvPr/>
+      </p:nvGrpSpPr>
+      <p:grpSpPr>
+        <a:xfrm>
+          <a:off x="0" y="0"/>
+          <a:ext cx="0" cy="0"/>
+          <a:chOff x="0" y="0"/>
+          <a:chExt cx="0" cy="0"/>
+        </a:xfrm>
+      </p:grpSpPr>
+      <p:sp>
+        <p:nvSpPr>
+          <p:cNvPr id="2" name="Title 1"/>
+          <p:cNvSpPr>
+            <a:spLocks noGrp="1"/>
+          </p:cNvSpPr>
+          <p:nvPr>
+            <p:ph type="title"/>
+          </p:nvPr>
+        </p:nvSpPr>
+        <p:spPr/>
+        <p:txBody>
+          <a:bodyPr/>
+          <a:lstStyle/>
+          <a:p>
+            <a:r>
+              <a:rPr lang="en-US" b="1"/>
               <a:t>Ví dụ về một số hệ thống thực tế</a:t>
             </a:r>
-            <a:endParaRPr lang="en-US"/>
           </a:p>
         </p:txBody>
       </p:sp>
@@ -3155,6 +6174,12 @@
         <p:txBody>
           <a:bodyPr/>
           <a:lstStyle/>
+          <a:p>
+            <a:r>
+              <a:rPr lang="en-US"/>
+              <a:t>Trong .NET, các lớp kết nối CSDL dùng để kết nối đến các hệ quản trị cơ sở dữ liệu khác như như SQL Server, Oracle, MySQL.. </a:t>
+            </a:r>
+          </a:p>
           <a:p>
             <a:endParaRPr lang="en-US"/>
           </a:p>
@@ -3164,6 +6189,77 @@
     <p:extLst>
       <p:ext uri="{BB962C8B-B14F-4D97-AF65-F5344CB8AC3E}">
         <p14:creationId xmlns:p14="http://schemas.microsoft.com/office/powerpoint/2010/main" val="249959304"/>
+      </p:ext>
+    </p:extLst>
+  </p:cSld>
+  <p:clrMapOvr>
+    <a:masterClrMapping/>
+  </p:clrMapOvr>
+</p:sld>
+</file>
+
+<file path=ppt/slides/slide13.xml><?xml version="1.0" encoding="utf-8"?>
+<p:sld xmlns:a="http://schemas.openxmlformats.org/drawingml/2006/main" xmlns:r="http://schemas.openxmlformats.org/officeDocument/2006/relationships" xmlns:p="http://schemas.openxmlformats.org/presentationml/2006/main">
+  <p:cSld>
+    <p:spTree>
+      <p:nvGrpSpPr>
+        <p:cNvPr id="1" name=""/>
+        <p:cNvGrpSpPr/>
+        <p:nvPr/>
+      </p:nvGrpSpPr>
+      <p:grpSpPr>
+        <a:xfrm>
+          <a:off x="0" y="0"/>
+          <a:ext cx="0" cy="0"/>
+          <a:chOff x="0" y="0"/>
+          <a:chExt cx="0" cy="0"/>
+        </a:xfrm>
+      </p:grpSpPr>
+      <p:sp>
+        <p:nvSpPr>
+          <p:cNvPr id="2" name="Title 1"/>
+          <p:cNvSpPr>
+            <a:spLocks noGrp="1"/>
+          </p:cNvSpPr>
+          <p:nvPr>
+            <p:ph type="title"/>
+          </p:nvPr>
+        </p:nvSpPr>
+        <p:spPr/>
+        <p:txBody>
+          <a:bodyPr/>
+          <a:lstStyle/>
+          <a:p>
+            <a:r>
+              <a:rPr lang="en-US" b="1"/>
+              <a:t>Demo</a:t>
+            </a:r>
+          </a:p>
+        </p:txBody>
+      </p:sp>
+      <p:sp>
+        <p:nvSpPr>
+          <p:cNvPr id="3" name="Content Placeholder 2"/>
+          <p:cNvSpPr>
+            <a:spLocks noGrp="1"/>
+          </p:cNvSpPr>
+          <p:nvPr>
+            <p:ph idx="1"/>
+          </p:nvPr>
+        </p:nvSpPr>
+        <p:spPr/>
+        <p:txBody>
+          <a:bodyPr/>
+          <a:lstStyle/>
+          <a:p>
+            <a:endParaRPr lang="en-US"/>
+          </a:p>
+        </p:txBody>
+      </p:sp>
+    </p:spTree>
+    <p:extLst>
+      <p:ext uri="{BB962C8B-B14F-4D97-AF65-F5344CB8AC3E}">
+        <p14:creationId xmlns:p14="http://schemas.microsoft.com/office/powerpoint/2010/main" val="3073607429"/>
       </p:ext>
     </p:extLst>
   </p:cSld>
@@ -3206,10 +6302,9 @@
           <a:lstStyle/>
           <a:p>
             <a:r>
-              <a:rPr lang="en-US" smtClean="0"/>
+              <a:rPr lang="en-US" b="1"/>
               <a:t>Giới thiệu	</a:t>
             </a:r>
-            <a:endParaRPr lang="en-US"/>
           </a:p>
         </p:txBody>
       </p:sp>
@@ -3229,50 +6324,37 @@
           <a:lstStyle/>
           <a:p>
             <a:r>
-              <a:rPr lang="en-US" smtClean="0"/>
+              <a:rPr lang="en-US"/>
               <a:t>Tên đầy đủ: </a:t>
             </a:r>
             <a:r>
               <a:rPr lang="en-US" b="1"/>
-              <a:t>Abstract </a:t>
+              <a:t>Abstract Factory pattern.</a:t>
+            </a:r>
+          </a:p>
+          <a:p>
+            <a:r>
+              <a:rPr lang="en-US"/>
+              <a:t>Tên ngắn gọn</a:t>
             </a:r>
             <a:r>
               <a:rPr lang="en-US" b="1"/>
-              <a:t>Factory </a:t>
-            </a:r>
-            <a:r>
-              <a:rPr lang="en-US" b="1" smtClean="0"/>
-              <a:t>pattern.</a:t>
-            </a:r>
-          </a:p>
-          <a:p>
-            <a:r>
-              <a:rPr lang="en-US" smtClean="0"/>
-              <a:t>Tên ngắn gọn</a:t>
-            </a:r>
-            <a:r>
-              <a:rPr lang="en-US" b="1" smtClean="0"/>
-              <a:t>: </a:t>
-            </a:r>
-            <a:r>
-              <a:rPr lang="en-US" b="1" smtClean="0"/>
-              <a:t>Abstract Factory.</a:t>
-            </a:r>
-          </a:p>
-          <a:p>
-            <a:r>
-              <a:rPr lang="en-US" smtClean="0"/>
+              <a:t>: Abstract Factory.</a:t>
+            </a:r>
+          </a:p>
+          <a:p>
+            <a:r>
+              <a:rPr lang="en-US"/>
               <a:t>Phân loại: </a:t>
             </a:r>
             <a:r>
-              <a:rPr lang="en-US" b="1" smtClean="0"/>
+              <a:rPr lang="en-US" b="1"/>
               <a:t>Creational Patterns</a:t>
             </a:r>
             <a:r>
-              <a:rPr lang="en-US" smtClean="0"/>
+              <a:rPr lang="en-US"/>
               <a:t>.</a:t>
             </a:r>
-            <a:endParaRPr lang="en-US"/>
           </a:p>
         </p:txBody>
       </p:sp>
@@ -3322,10 +6404,9 @@
           <a:lstStyle/>
           <a:p>
             <a:r>
-              <a:rPr lang="en-US" smtClean="0"/>
+              <a:rPr lang="en-US" b="1"/>
               <a:t>Khái niệm		</a:t>
             </a:r>
-            <a:endParaRPr lang="en-US"/>
           </a:p>
         </p:txBody>
       </p:sp>
@@ -3345,13 +6426,11 @@
           <a:lstStyle/>
           <a:p>
             <a:r>
-              <a:rPr lang="vi-VN" smtClean="0"/>
-              <a:t>“Abstract Factory, là thiết kế mẫu hướng đối tượng trong việc thiết kế phần mềm cho máy tính, cung cấp một giao diện lớp có chức năng tạo ra một tập hợp các đối tượng liên quan hoặc phụ thuộc lẫn nhau mà không chỉ ra đó là những lớp cụ thể nào tại thời điểm thiết kế</a:t>
-            </a:r>
-            <a:r>
-              <a:rPr lang="en-US" smtClean="0"/>
-              <a:t>.”</a:t>
-            </a:r>
+              <a:rPr lang="en-US"/>
+              <a:t>Cung cấp một giao diện lớp có chức năng tạo ra các đối tượng độc lập có liên quan hoặc có sự phụ thuộc lẫn nhau mà không chỉ ra đó là lớp cụ thể của đối tượng đó tại thời điểm khởi tạo chúng.</a:t>
+            </a:r>
+          </a:p>
+          <a:p>
             <a:endParaRPr lang="en-US"/>
           </a:p>
         </p:txBody>
@@ -3402,10 +6481,9 @@
           <a:lstStyle/>
           <a:p>
             <a:r>
-              <a:rPr lang="en-US" smtClean="0"/>
-              <a:t>Khi nào sử dụng?</a:t>
-            </a:r>
-            <a:endParaRPr lang="en-US"/>
+              <a:rPr lang="en-US" b="1"/>
+              <a:t>Mục đích, ý định</a:t>
+            </a:r>
           </a:p>
         </p:txBody>
       </p:sp>
@@ -3423,6 +6501,18 @@
         <p:txBody>
           <a:bodyPr/>
           <a:lstStyle/>
+          <a:p>
+            <a:r>
+              <a:rPr lang="en-US"/>
+              <a:t>Mẫu thiết kế Abstract Factory đóng gói một nhóm những lớp đóng vai trò "Người sản xuất" (Factory) trong ứng dụng, những lớp này sẽ được dùng để tạo ra các đối tượng. </a:t>
+            </a:r>
+          </a:p>
+          <a:p>
+            <a:r>
+              <a:rPr lang="en-US"/>
+              <a:t>Các lớp sản xuất này có chung một giao diện được kế thừa từ một lớp cha thuần ảo gọi là "lớp sản xuất ảo".</a:t>
+            </a:r>
+          </a:p>
           <a:p>
             <a:endParaRPr lang="en-US"/>
           </a:p>
@@ -3431,7 +6521,7 @@
     </p:spTree>
     <p:extLst>
       <p:ext uri="{BB962C8B-B14F-4D97-AF65-F5344CB8AC3E}">
-        <p14:creationId xmlns:p14="http://schemas.microsoft.com/office/powerpoint/2010/main" val="3254169398"/>
+        <p14:creationId xmlns:p14="http://schemas.microsoft.com/office/powerpoint/2010/main" val="2795534365"/>
       </p:ext>
     </p:extLst>
   </p:cSld>
@@ -3474,10 +6564,9 @@
           <a:lstStyle/>
           <a:p>
             <a:r>
-              <a:rPr lang="en-US" smtClean="0"/>
-              <a:t>Cấu trúc</a:t>
-            </a:r>
-            <a:endParaRPr lang="en-US"/>
+              <a:rPr lang="en-US" b="1"/>
+              <a:t>Khi nào sử dụng</a:t>
+            </a:r>
           </a:p>
         </p:txBody>
       </p:sp>
@@ -3496,14 +6585,38 @@
           <a:bodyPr/>
           <a:lstStyle/>
           <a:p>
-            <a:endParaRPr lang="en-US"/>
+            <a:pPr lvl="0" fontAlgn="base"/>
+            <a:r>
+              <a:rPr lang="en-US"/>
+              <a:t>Khi ta cần tạo ra các đối tượng mà ta không xác định được chúng thuộc về lớp nào trong thời điểm khởi tạo, khi đó nhờ vào lớp cơ sở hoặc giao diện chung của các đối tượng đó và sử dụng mẫu này để các factory tự tạo ra các đối tượng phù hợp với yêu cầu.</a:t>
+            </a:r>
+          </a:p>
+          <a:p>
+            <a:pPr lvl="0" fontAlgn="base"/>
+            <a:r>
+              <a:rPr lang="en-US"/>
+              <a:t>Hoạt động bên phía hệ thống bên phía client cần độc lập – (hay không quan tâm) cách thức các đối tượng được tạo ra.</a:t>
+            </a:r>
+          </a:p>
+          <a:p>
+            <a:pPr lvl="0" fontAlgn="base"/>
+            <a:r>
+              <a:rPr lang="en-US"/>
+              <a:t>Khi hệ thống cần sử dụng các đối tượng thuộc cùng một cây phân cấp, hoặc sử dụng chúng một cách đồng thời.</a:t>
+            </a:r>
+          </a:p>
+          <a:p>
+            <a:r>
+              <a:rPr lang="en-US"/>
+              <a:t>Đóng gói các thư viện cho phần mềm, che giấu cách thức thực thi bên trong.</a:t>
+            </a:r>
           </a:p>
         </p:txBody>
       </p:sp>
     </p:spTree>
     <p:extLst>
       <p:ext uri="{BB962C8B-B14F-4D97-AF65-F5344CB8AC3E}">
-        <p14:creationId xmlns:p14="http://schemas.microsoft.com/office/powerpoint/2010/main" val="1137891412"/>
+        <p14:creationId xmlns:p14="http://schemas.microsoft.com/office/powerpoint/2010/main" val="3254169398"/>
       </p:ext>
     </p:extLst>
   </p:cSld>
@@ -3546,10 +6659,9 @@
           <a:lstStyle/>
           <a:p>
             <a:r>
-              <a:rPr lang="en-US" smtClean="0"/>
-              <a:t>Thành phần</a:t>
-            </a:r>
-            <a:endParaRPr lang="en-US"/>
+              <a:rPr lang="en-US" b="1"/>
+              <a:t>Khả năng ứng dụng</a:t>
+            </a:r>
           </a:p>
         </p:txBody>
       </p:sp>
@@ -3565,9 +6677,50 @@
         </p:nvSpPr>
         <p:spPr/>
         <p:txBody>
-          <a:bodyPr/>
-          <a:lstStyle/>
-          <a:p>
+          <a:bodyPr>
+            <a:normAutofit/>
+          </a:bodyPr>
+          <a:lstStyle/>
+          <a:p>
+            <a:r>
+              <a:rPr lang="en-US"/>
+              <a:t>Ta có thể sử dụng mẫu này trong các trường hợp</a:t>
+            </a:r>
+          </a:p>
+          <a:p>
+            <a:pPr lvl="1" fontAlgn="base"/>
+            <a:r>
+              <a:rPr lang="en-US"/>
+              <a:t>Phía client sẽ không phụ thuộc vào việc những sản phẩm được tạo ra như thế nào.</a:t>
+            </a:r>
+            <a:endParaRPr lang="en-US" sz="1200"/>
+          </a:p>
+          <a:p>
+            <a:pPr lvl="1" fontAlgn="base"/>
+            <a:r>
+              <a:rPr lang="en-US"/>
+              <a:t>Ứng dụng sẽ được cấu hình với một hoặc nhiều họ sản phẩm.</a:t>
+            </a:r>
+            <a:endParaRPr lang="en-US" sz="1200"/>
+          </a:p>
+          <a:p>
+            <a:pPr lvl="1" fontAlgn="base"/>
+            <a:r>
+              <a:rPr lang="en-US"/>
+              <a:t>Các đối tượng cần phải được tạo ra như một tập hợp để có thể tương thích với nhau</a:t>
+            </a:r>
+            <a:endParaRPr lang="en-US" sz="1200"/>
+          </a:p>
+          <a:p>
+            <a:pPr lvl="1" fontAlgn="base"/>
+            <a:r>
+              <a:rPr lang="en-US"/>
+              <a:t>Chúng ta muốn cung cấp một tập các lớp và chúng ta muốn thể hiện các ràng buộc, các mối quan hệ giữa chúng mà không phải là các thực thi của chúng (interface). Trong trường hợp không định nghĩa được các lớp trừu tượng Product thì việc tạo ra các ConcreteProduct theo mẫu này là rất khó hoặc không thể.</a:t>
+            </a:r>
+            <a:endParaRPr lang="en-US" sz="1200"/>
+          </a:p>
+          <a:p>
+            <a:pPr lvl="1"/>
             <a:endParaRPr lang="en-US"/>
           </a:p>
         </p:txBody>
@@ -3575,7 +6728,7 @@
     </p:spTree>
     <p:extLst>
       <p:ext uri="{BB962C8B-B14F-4D97-AF65-F5344CB8AC3E}">
-        <p14:creationId xmlns:p14="http://schemas.microsoft.com/office/powerpoint/2010/main" val="3103054263"/>
+        <p14:creationId xmlns:p14="http://schemas.microsoft.com/office/powerpoint/2010/main" val="3202979120"/>
       </p:ext>
     </p:extLst>
   </p:cSld>
@@ -3618,27 +6771,152 @@
           <a:lstStyle/>
           <a:p>
             <a:r>
-              <a:rPr lang="en-US" smtClean="0"/>
-              <a:t>Mối quan hệ</a:t>
+              <a:rPr lang="en-US" b="1"/>
+              <a:t>Cấu </a:t>
+            </a:r>
+            <a:r>
+              <a:rPr lang="en-US" b="1"/>
+              <a:t>trúc - </a:t>
+            </a:r>
+            <a:r>
+              <a:rPr lang="en-US" b="1"/>
+              <a:t>Thành phần</a:t>
+            </a:r>
+            <a:endParaRPr lang="en-US" b="1"/>
+          </a:p>
+        </p:txBody>
+      </p:sp>
+      <p:pic>
+        <p:nvPicPr>
+          <p:cNvPr id="1026" name="Picture 2" descr="https://lh5.googleusercontent.com/TW5Lq46EM4dmOLyH_miio-_CcSWqVyKB803nHD1-DEPpFT-XhCWifxXVrcQL_i7jk5Gs4t6wzLbMQP6MLAp616_nsd1HSOVqquLxmA_ykVQjQT4300yEUAu-s3gwT78zgnzjXjvb"/>
+          <p:cNvPicPr>
+            <a:picLocks noGrp="1" noChangeAspect="1" noChangeArrowheads="1"/>
+          </p:cNvPicPr>
+          <p:nvPr>
+            <p:ph sz="half" idx="1"/>
+          </p:nvPr>
+        </p:nvPicPr>
+        <p:blipFill>
+          <a:blip r:embed="rId2">
+            <a:extLst>
+              <a:ext uri="{28A0092B-C50C-407E-A947-70E740481C1C}">
+                <a14:useLocalDpi xmlns:a14="http://schemas.microsoft.com/office/drawing/2010/main" val="0"/>
+              </a:ext>
+            </a:extLst>
+          </a:blip>
+          <a:stretch>
+            <a:fillRect/>
+          </a:stretch>
+        </p:blipFill>
+        <p:spPr bwMode="auto">
+          <a:xfrm>
+            <a:off x="677334" y="2160588"/>
+            <a:ext cx="4054464" cy="4007750"/>
+          </a:xfrm>
+          <a:prstGeom prst="rect">
+            <a:avLst/>
+          </a:prstGeom>
+          <a:noFill/>
+          <a:extLst>
+            <a:ext uri="{909E8E84-426E-40DD-AFC4-6F175D3DCCD1}">
+              <a14:hiddenFill xmlns:a14="http://schemas.microsoft.com/office/drawing/2010/main">
+                <a:solidFill>
+                  <a:srgbClr val="FFFFFF"/>
+                </a:solidFill>
+              </a14:hiddenFill>
+            </a:ext>
+          </a:extLst>
+        </p:spPr>
+      </p:pic>
+      <p:sp>
+        <p:nvSpPr>
+          <p:cNvPr id="4" name="Content Placeholder 3"/>
+          <p:cNvSpPr>
+            <a:spLocks noGrp="1"/>
+          </p:cNvSpPr>
+          <p:nvPr>
+            <p:ph sz="half" idx="2"/>
+          </p:nvPr>
+        </p:nvSpPr>
+        <p:spPr/>
+        <p:txBody>
+          <a:bodyPr>
+            <a:normAutofit fontScale="77500" lnSpcReduction="20000"/>
+          </a:bodyPr>
+          <a:lstStyle/>
+          <a:p>
+            <a:pPr lvl="0" fontAlgn="base"/>
+            <a:r>
+              <a:rPr lang="en-US" b="1"/>
+              <a:t>AbstractFactory</a:t>
+            </a:r>
+            <a:r>
+              <a:rPr lang="en-US"/>
+              <a:t>: Định nghĩa một giao diện chung cho các operation tạo ra đối tượng.</a:t>
             </a:r>
             <a:endParaRPr lang="en-US"/>
           </a:p>
-        </p:txBody>
-      </p:sp>
-      <p:sp>
-        <p:nvSpPr>
-          <p:cNvPr id="3" name="Content Placeholder 2"/>
-          <p:cNvSpPr>
-            <a:spLocks noGrp="1"/>
-          </p:cNvSpPr>
-          <p:nvPr>
-            <p:ph idx="1"/>
-          </p:nvPr>
-        </p:nvSpPr>
-        <p:spPr/>
-        <p:txBody>
-          <a:bodyPr/>
-          <a:lstStyle/>
+          <a:p>
+            <a:pPr lvl="0" fontAlgn="base"/>
+            <a:r>
+              <a:rPr lang="en-US" b="1"/>
+              <a:t>ConcreteFactory</a:t>
+            </a:r>
+            <a:r>
+              <a:rPr lang="en-US"/>
+              <a:t>: Lớp này hiện thực giao diện AbstracFactory cài </a:t>
+            </a:r>
+            <a:r>
+              <a:rPr lang="en-US"/>
+              <a:t>đặt các phương thức </a:t>
+            </a:r>
+            <a:r>
+              <a:rPr lang="en-US"/>
+              <a:t>tạo đối </a:t>
+            </a:r>
+            <a:r>
+              <a:rPr lang="en-US"/>
+              <a:t>tượng </a:t>
+            </a:r>
+            <a:r>
+              <a:rPr lang="en-US"/>
+              <a:t>cụ thể.</a:t>
+            </a:r>
+            <a:endParaRPr lang="en-US"/>
+          </a:p>
+          <a:p>
+            <a:pPr lvl="0" fontAlgn="base"/>
+            <a:r>
+              <a:rPr lang="en-US" b="1"/>
+              <a:t>AbstractProduct</a:t>
+            </a:r>
+            <a:r>
+              <a:rPr lang="en-US"/>
+              <a:t>: Khai báo dạng interface hoặc abstract class để định nghĩa một giao diện chung cho đối tượng kế thừa từ nó, nhờ vào lớp này để xây dựng nên các đối tượng có mối quan hệ với nhau.</a:t>
+            </a:r>
+          </a:p>
+          <a:p>
+            <a:pPr lvl="0" fontAlgn="base"/>
+            <a:r>
+              <a:rPr lang="en-US" b="1"/>
+              <a:t>Product</a:t>
+            </a:r>
+            <a:r>
+              <a:rPr lang="en-US"/>
+              <a:t>: Cài đặt của các đối tượng cụ thể, cài đặt các phương thức được quy định tại AbstractProduct.</a:t>
+            </a:r>
+          </a:p>
+          <a:p>
+            <a:pPr lvl="0" fontAlgn="base"/>
+            <a:r>
+              <a:rPr lang="en-US" b="1"/>
+              <a:t>Client</a:t>
+            </a:r>
+            <a:r>
+              <a:rPr lang="en-US"/>
+              <a:t>: là đối tượng sử dụng AbstractFactory và các AbstractProduct để tạo ra các Product bằng cách gọi cách gọi các Factory con tương ứng mà không cần quan tâm đến kiểu dữ liệu của chúng.</a:t>
+            </a:r>
+          </a:p>
           <a:p>
             <a:endParaRPr lang="en-US"/>
           </a:p>
@@ -3647,7 +6925,7 @@
     </p:spTree>
     <p:extLst>
       <p:ext uri="{BB962C8B-B14F-4D97-AF65-F5344CB8AC3E}">
-        <p14:creationId xmlns:p14="http://schemas.microsoft.com/office/powerpoint/2010/main" val="1283871467"/>
+        <p14:creationId xmlns:p14="http://schemas.microsoft.com/office/powerpoint/2010/main" val="1137891412"/>
       </p:ext>
     </p:extLst>
   </p:cSld>
@@ -3690,36 +6968,53 @@
           <a:lstStyle/>
           <a:p>
             <a:r>
-              <a:rPr lang="en-US" smtClean="0"/>
-              <a:t>Các hệ quả mang lại</a:t>
-            </a:r>
-            <a:endParaRPr lang="en-US"/>
-          </a:p>
-        </p:txBody>
-      </p:sp>
-      <p:sp>
-        <p:nvSpPr>
-          <p:cNvPr id="3" name="Content Placeholder 2"/>
-          <p:cNvSpPr>
-            <a:spLocks noGrp="1"/>
-          </p:cNvSpPr>
+              <a:rPr lang="en-US" b="1"/>
+              <a:t>Mối quan hệ</a:t>
+            </a:r>
+          </a:p>
+        </p:txBody>
+      </p:sp>
+      <p:pic>
+        <p:nvPicPr>
+          <p:cNvPr id="4" name="Content Placeholder 3" descr="https://lh3.googleusercontent.com/ZZOi-ivH9bmyFrF-UpVfVxdu9X8aGx2vhlvjguV2tOTZbet1oxu0N4V5n2mRXYKVejLyPiN8qfhb6JdvkPpIkVVLF_-nnH2THueKBEcLQHFIr8TP6zDptMbnO6uQb3XlLSOynkRU"/>
+          <p:cNvPicPr>
+            <a:picLocks noGrp="1"/>
+          </p:cNvPicPr>
           <p:nvPr>
             <p:ph idx="1"/>
           </p:nvPr>
-        </p:nvSpPr>
-        <p:spPr/>
-        <p:txBody>
-          <a:bodyPr/>
-          <a:lstStyle/>
-          <a:p>
-            <a:endParaRPr lang="en-US"/>
-          </a:p>
-        </p:txBody>
-      </p:sp>
+        </p:nvPicPr>
+        <p:blipFill>
+          <a:blip r:embed="rId2">
+            <a:extLst>
+              <a:ext uri="{28A0092B-C50C-407E-A947-70E740481C1C}">
+                <a14:useLocalDpi xmlns:a14="http://schemas.microsoft.com/office/drawing/2010/main" val="0"/>
+              </a:ext>
+            </a:extLst>
+          </a:blip>
+          <a:srcRect/>
+          <a:stretch>
+            <a:fillRect/>
+          </a:stretch>
+        </p:blipFill>
+        <p:spPr bwMode="auto">
+          <a:xfrm>
+            <a:off x="1437593" y="2160588"/>
+            <a:ext cx="7076852" cy="3881437"/>
+          </a:xfrm>
+          <a:prstGeom prst="rect">
+            <a:avLst/>
+          </a:prstGeom>
+          <a:noFill/>
+          <a:ln>
+            <a:noFill/>
+          </a:ln>
+        </p:spPr>
+      </p:pic>
     </p:spTree>
     <p:extLst>
       <p:ext uri="{BB962C8B-B14F-4D97-AF65-F5344CB8AC3E}">
-        <p14:creationId xmlns:p14="http://schemas.microsoft.com/office/powerpoint/2010/main" val="3529588423"/>
+        <p14:creationId xmlns:p14="http://schemas.microsoft.com/office/powerpoint/2010/main" val="1283871467"/>
       </p:ext>
     </p:extLst>
   </p:cSld>
@@ -3762,10 +7057,9 @@
           <a:lstStyle/>
           <a:p>
             <a:r>
-              <a:rPr lang="en-US" smtClean="0"/>
-              <a:t>Các chú ý liên quan đến cài đặt</a:t>
-            </a:r>
-            <a:endParaRPr lang="en-US"/>
+              <a:rPr lang="en-US" b="1"/>
+              <a:t>Các hệ quả mang lại</a:t>
+            </a:r>
           </a:p>
         </p:txBody>
       </p:sp>
@@ -3783,6 +7077,34 @@
         <p:txBody>
           <a:bodyPr/>
           <a:lstStyle/>
+          <a:p>
+            <a:pPr lvl="0" fontAlgn="base"/>
+            <a:r>
+              <a:rPr lang="en-US"/>
+              <a:t>Tách rời việc định nghĩa các đối tượng và việc tạo ra các đối tượng đó.</a:t>
+            </a:r>
+          </a:p>
+          <a:p>
+            <a:pPr lvl="0" fontAlgn="base"/>
+            <a:r>
+              <a:rPr lang="en-US"/>
+              <a:t>Các thư viện được xây dựng bằng cách áp dụng mẫu này làm tăng tính đóng gói (encapsulation) che giấu các thực thi bên trong nó. </a:t>
+            </a:r>
+          </a:p>
+          <a:p>
+            <a:pPr lvl="0" fontAlgn="base"/>
+            <a:r>
+              <a:rPr lang="en-US"/>
+              <a:t>Dễ dàng quản lý việc tạo ra các đối tượng có cùng mối quan hệ (cùng kế thừa từ inteface hay asbtract class).</a:t>
+            </a:r>
+          </a:p>
+          <a:p>
+            <a:pPr lvl="0" fontAlgn="base"/>
+            <a:r>
+              <a:rPr lang="en-US"/>
+              <a:t>Mỗi khi có thêm một "sản phẩm" mới cần tạo ta lại phải định nghĩa thêm một lớp "sản xuất“.</a:t>
+            </a:r>
+          </a:p>
           <a:p>
             <a:endParaRPr lang="en-US"/>
           </a:p>
@@ -3791,7 +7113,7 @@
     </p:spTree>
     <p:extLst>
       <p:ext uri="{BB962C8B-B14F-4D97-AF65-F5344CB8AC3E}">
-        <p14:creationId xmlns:p14="http://schemas.microsoft.com/office/powerpoint/2010/main" val="1313416780"/>
+        <p14:creationId xmlns:p14="http://schemas.microsoft.com/office/powerpoint/2010/main" val="3529588423"/>
       </p:ext>
     </p:extLst>
   </p:cSld>
@@ -3802,9 +7124,9 @@
 </file>
 
 <file path=ppt/theme/theme1.xml><?xml version="1.0" encoding="utf-8"?>
-<a:theme xmlns:a="http://schemas.openxmlformats.org/drawingml/2006/main" name="Office Theme">
+<a:theme xmlns:a="http://schemas.openxmlformats.org/drawingml/2006/main" name="Facet">
   <a:themeElements>
-    <a:clrScheme name="Office">
+    <a:clrScheme name="Facet">
       <a:dk1>
         <a:sysClr val="windowText" lastClr="000000"/>
       </a:dk1>
@@ -3812,52 +7134,52 @@
         <a:sysClr val="window" lastClr="FFFFFF"/>
       </a:lt1>
       <a:dk2>
-        <a:srgbClr val="44546A"/>
+        <a:srgbClr val="2C3C43"/>
       </a:dk2>
       <a:lt2>
-        <a:srgbClr val="E7E6E6"/>
+        <a:srgbClr val="EBEBEB"/>
       </a:lt2>
       <a:accent1>
-        <a:srgbClr val="5B9BD5"/>
+        <a:srgbClr val="90C226"/>
       </a:accent1>
       <a:accent2>
-        <a:srgbClr val="ED7D31"/>
+        <a:srgbClr val="54A021"/>
       </a:accent2>
       <a:accent3>
-        <a:srgbClr val="A5A5A5"/>
+        <a:srgbClr val="E6B91E"/>
       </a:accent3>
       <a:accent4>
-        <a:srgbClr val="FFC000"/>
+        <a:srgbClr val="E76618"/>
       </a:accent4>
       <a:accent5>
-        <a:srgbClr val="4472C4"/>
+        <a:srgbClr val="C42F1A"/>
       </a:accent5>
       <a:accent6>
-        <a:srgbClr val="70AD47"/>
+        <a:srgbClr val="918655"/>
       </a:accent6>
       <a:hlink>
-        <a:srgbClr val="0563C1"/>
+        <a:srgbClr val="99CA3C"/>
       </a:hlink>
       <a:folHlink>
-        <a:srgbClr val="954F72"/>
+        <a:srgbClr val="B9D181"/>
       </a:folHlink>
     </a:clrScheme>
-    <a:fontScheme name="Office">
+    <a:fontScheme name="Facet">
       <a:majorFont>
-        <a:latin typeface="Calibri Light" panose="020F0302020204030204"/>
+        <a:latin typeface="Trebuchet MS" panose="020B0603020202020204"/>
         <a:ea typeface=""/>
         <a:cs typeface=""/>
-        <a:font script="Jpan" typeface="游ゴシック Light"/>
+        <a:font script="Jpan" typeface="メイリオ"/>
         <a:font script="Hang" typeface="맑은 고딕"/>
-        <a:font script="Hans" typeface="等线 Light"/>
-        <a:font script="Hant" typeface="新細明體"/>
-        <a:font script="Arab" typeface="Times New Roman"/>
-        <a:font script="Hebr" typeface="Times New Roman"/>
-        <a:font script="Thai" typeface="Angsana New"/>
+        <a:font script="Hans" typeface="方正姚体"/>
+        <a:font script="Hant" typeface="微軟正黑體"/>
+        <a:font script="Arab" typeface="Tahoma"/>
+        <a:font script="Hebr" typeface="Arial"/>
+        <a:font script="Thai" typeface="Cordia New"/>
         <a:font script="Ethi" typeface="Nyala"/>
         <a:font script="Beng" typeface="Vrinda"/>
         <a:font script="Gujr" typeface="Shruti"/>
-        <a:font script="Khmr" typeface="MoolBoran"/>
+        <a:font script="Khmr" typeface="DaunPenh"/>
         <a:font script="Knda" typeface="Tunga"/>
         <a:font script="Guru" typeface="Raavi"/>
         <a:font script="Cans" typeface="Euphemia"/>
@@ -3874,21 +7196,21 @@
         <a:font script="Laoo" typeface="DokChampa"/>
         <a:font script="Sinh" typeface="Iskoola Pota"/>
         <a:font script="Mong" typeface="Mongolian Baiti"/>
-        <a:font script="Viet" typeface="Times New Roman"/>
+        <a:font script="Viet" typeface="Tahoma"/>
         <a:font script="Uigh" typeface="Microsoft Uighur"/>
         <a:font script="Geor" typeface="Sylfaen"/>
       </a:majorFont>
       <a:minorFont>
-        <a:latin typeface="Calibri" panose="020F0502020204030204"/>
+        <a:latin typeface="Trebuchet MS" panose="020B0603020202020204"/>
         <a:ea typeface=""/>
         <a:cs typeface=""/>
-        <a:font script="Jpan" typeface="游ゴシック"/>
-        <a:font script="Hang" typeface="맑은 고딕"/>
-        <a:font script="Hans" typeface="等线"/>
-        <a:font script="Hant" typeface="新細明體"/>
-        <a:font script="Arab" typeface="Arial"/>
-        <a:font script="Hebr" typeface="Arial"/>
-        <a:font script="Thai" typeface="Cordia New"/>
+        <a:font script="Jpan" typeface="メイリオ"/>
+        <a:font script="Hang" typeface="HY그래픽M"/>
+        <a:font script="Hans" typeface="华文新魏"/>
+        <a:font script="Hant" typeface="微軟正黑體"/>
+        <a:font script="Arab" typeface="Tahoma"/>
+        <a:font script="Hebr" typeface="Gisha"/>
+        <a:font script="Thai" typeface="IrisUPC"/>
         <a:font script="Ethi" typeface="Nyala"/>
         <a:font script="Beng" typeface="Vrinda"/>
         <a:font script="Gujr" typeface="Shruti"/>
@@ -3914,7 +7236,7 @@
         <a:font script="Geor" typeface="Sylfaen"/>
       </a:minorFont>
     </a:fontScheme>
-    <a:fmtScheme name="Office">
+    <a:fmtScheme name="Facet">
       <a:fillStyleLst>
         <a:solidFill>
           <a:schemeClr val="phClr"/>
@@ -3923,23 +7245,13 @@
           <a:gsLst>
             <a:gs pos="0">
               <a:schemeClr val="phClr">
+                <a:tint val="65000"/>
                 <a:lumMod val="110000"/>
-                <a:satMod val="105000"/>
-                <a:tint val="67000"/>
               </a:schemeClr>
             </a:gs>
-            <a:gs pos="50000">
+            <a:gs pos="88000">
               <a:schemeClr val="phClr">
-                <a:lumMod val="105000"/>
-                <a:satMod val="103000"/>
-                <a:tint val="73000"/>
-              </a:schemeClr>
-            </a:gs>
-            <a:gs pos="100000">
-              <a:schemeClr val="phClr">
-                <a:lumMod val="105000"/>
-                <a:satMod val="109000"/>
-                <a:tint val="81000"/>
+                <a:tint val="90000"/>
               </a:schemeClr>
             </a:gs>
           </a:gsLst>
@@ -3949,23 +7261,14 @@
           <a:gsLst>
             <a:gs pos="0">
               <a:schemeClr val="phClr">
-                <a:satMod val="103000"/>
-                <a:lumMod val="102000"/>
-                <a:tint val="94000"/>
+                <a:tint val="96000"/>
+                <a:lumMod val="100000"/>
               </a:schemeClr>
             </a:gs>
-            <a:gs pos="50000">
+            <a:gs pos="78000">
               <a:schemeClr val="phClr">
-                <a:satMod val="110000"/>
-                <a:lumMod val="100000"/>
-                <a:shade val="100000"/>
-              </a:schemeClr>
-            </a:gs>
-            <a:gs pos="100000">
-              <a:schemeClr val="phClr">
-                <a:lumMod val="99000"/>
-                <a:satMod val="120000"/>
-                <a:shade val="78000"/>
+                <a:shade val="94000"/>
+                <a:lumMod val="94000"/>
               </a:schemeClr>
             </a:gs>
           </a:gsLst>
@@ -3973,26 +7276,23 @@
         </a:gradFill>
       </a:fillStyleLst>
       <a:lnStyleLst>
-        <a:ln w="6350" cap="flat" cmpd="sng" algn="ctr">
+        <a:ln w="12700" cap="rnd" cmpd="sng" algn="ctr">
           <a:solidFill>
             <a:schemeClr val="phClr"/>
           </a:solidFill>
           <a:prstDash val="solid"/>
-          <a:miter lim="800000"/>
         </a:ln>
-        <a:ln w="12700" cap="flat" cmpd="sng" algn="ctr">
+        <a:ln w="19050" cap="rnd" cmpd="sng" algn="ctr">
           <a:solidFill>
             <a:schemeClr val="phClr"/>
           </a:solidFill>
           <a:prstDash val="solid"/>
-          <a:miter lim="800000"/>
         </a:ln>
-        <a:ln w="19050" cap="flat" cmpd="sng" algn="ctr">
+        <a:ln w="25400" cap="rnd" cmpd="sng" algn="ctr">
           <a:solidFill>
             <a:schemeClr val="phClr"/>
           </a:solidFill>
           <a:prstDash val="solid"/>
-          <a:miter lim="800000"/>
         </a:ln>
       </a:lnStyleLst>
       <a:effectStyleLst>
@@ -4000,54 +7300,72 @@
           <a:effectLst/>
         </a:effectStyle>
         <a:effectStyle>
-          <a:effectLst/>
+          <a:effectLst>
+            <a:outerShdw blurRad="38100" dist="25400" dir="5400000" rotWithShape="0">
+              <a:srgbClr val="000000">
+                <a:alpha val="35000"/>
+              </a:srgbClr>
+            </a:outerShdw>
+          </a:effectLst>
         </a:effectStyle>
         <a:effectStyle>
           <a:effectLst>
-            <a:outerShdw blurRad="57150" dist="19050" dir="5400000" algn="ctr" rotWithShape="0">
+            <a:outerShdw blurRad="50800" dist="38100" dir="5400000" rotWithShape="0">
               <a:srgbClr val="000000">
-                <a:alpha val="63000"/>
+                <a:alpha val="35000"/>
               </a:srgbClr>
             </a:outerShdw>
           </a:effectLst>
+          <a:scene3d>
+            <a:camera prst="orthographicFront">
+              <a:rot lat="0" lon="0" rev="0"/>
+            </a:camera>
+            <a:lightRig rig="threePt" dir="tl"/>
+          </a:scene3d>
+          <a:sp3d prstMaterial="plastic">
+            <a:bevelT w="0" h="0"/>
+          </a:sp3d>
         </a:effectStyle>
       </a:effectStyleLst>
       <a:bgFillStyleLst>
         <a:solidFill>
           <a:schemeClr val="phClr"/>
         </a:solidFill>
-        <a:solidFill>
-          <a:schemeClr val="phClr">
-            <a:tint val="95000"/>
-            <a:satMod val="170000"/>
-          </a:schemeClr>
-        </a:solidFill>
         <a:gradFill rotWithShape="1">
           <a:gsLst>
             <a:gs pos="0">
               <a:schemeClr val="phClr">
-                <a:tint val="93000"/>
-                <a:satMod val="150000"/>
-                <a:shade val="98000"/>
-                <a:lumMod val="102000"/>
+                <a:tint val="90000"/>
+                <a:lumMod val="104000"/>
               </a:schemeClr>
             </a:gs>
-            <a:gs pos="50000">
+            <a:gs pos="94000">
               <a:schemeClr val="phClr">
-                <a:tint val="98000"/>
-                <a:satMod val="130000"/>
-                <a:shade val="90000"/>
-                <a:lumMod val="103000"/>
+                <a:shade val="96000"/>
+                <a:lumMod val="82000"/>
+              </a:schemeClr>
+            </a:gs>
+          </a:gsLst>
+          <a:lin ang="5400000" scaled="0"/>
+        </a:gradFill>
+        <a:gradFill rotWithShape="1">
+          <a:gsLst>
+            <a:gs pos="0">
+              <a:schemeClr val="phClr">
+                <a:tint val="90000"/>
+                <a:lumMod val="110000"/>
               </a:schemeClr>
             </a:gs>
             <a:gs pos="100000">
               <a:schemeClr val="phClr">
-                <a:shade val="63000"/>
-                <a:satMod val="120000"/>
+                <a:shade val="94000"/>
+                <a:lumMod val="96000"/>
               </a:schemeClr>
             </a:gs>
           </a:gsLst>
-          <a:lin ang="5400000" scaled="0"/>
+          <a:path path="circle">
+            <a:fillToRect l="50000" t="50000" r="100000" b="100000"/>
+          </a:path>
         </a:gradFill>
       </a:bgFillStyleLst>
     </a:fmtScheme>
@@ -4056,7 +7374,7 @@
   <a:extraClrSchemeLst/>
   <a:extLst>
     <a:ext uri="{05A4C25C-085E-4340-85A3-A5531E510DB2}">
-      <thm15:themeFamily xmlns:thm15="http://schemas.microsoft.com/office/thememl/2012/main" name="Office Theme" id="{62F939B6-93AF-4DB8-9C6B-D6C7DFDC589F}" vid="{4A3C46E8-61CC-4603-A589-7422A47A8E4A}"/>
+      <thm15:themeFamily xmlns:thm15="http://schemas.microsoft.com/office/thememl/2012/main" name="Facet" id="{C0C680CD-088A-49FC-A102-D699147F32B2}" vid="{CFBC31BA-B70F-4F30-BCAA-4F3011E16C4D}"/>
     </a:ext>
   </a:extLst>
 </a:theme>
